--- a/Introduction.pptx
+++ b/Introduction.pptx
@@ -4,11 +4,17 @@
   <p:sldMasterIdLst>
     <p:sldMasterId id="2147483648" r:id="rId1"/>
   </p:sldMasterIdLst>
+  <p:notesMasterIdLst>
+    <p:notesMasterId r:id="rId9"/>
+  </p:notesMasterIdLst>
   <p:sldIdLst>
     <p:sldId id="256" r:id="rId2"/>
-    <p:sldId id="257" r:id="rId3"/>
-    <p:sldId id="258" r:id="rId4"/>
-    <p:sldId id="259" r:id="rId5"/>
+    <p:sldId id="262" r:id="rId3"/>
+    <p:sldId id="266" r:id="rId4"/>
+    <p:sldId id="260" r:id="rId5"/>
+    <p:sldId id="265" r:id="rId6"/>
+    <p:sldId id="264" r:id="rId7"/>
+    <p:sldId id="263" r:id="rId8"/>
   </p:sldIdLst>
   <p:sldSz cx="12192000" cy="6858000"/>
   <p:notesSz cx="6858000" cy="9144000"/>
@@ -115,6 +121,453 @@
 </p:presentation>
 </file>
 
+<file path=ppt/notesMasters/notesMaster1.xml><?xml version="1.0" encoding="utf-8"?>
+<p:notesMaster xmlns:a="http://schemas.openxmlformats.org/drawingml/2006/main" xmlns:r="http://schemas.openxmlformats.org/officeDocument/2006/relationships" xmlns:p="http://schemas.openxmlformats.org/presentationml/2006/main">
+  <p:cSld>
+    <p:bg>
+      <p:bgRef idx="1001">
+        <a:schemeClr val="bg1"/>
+      </p:bgRef>
+    </p:bg>
+    <p:spTree>
+      <p:nvGrpSpPr>
+        <p:cNvPr id="1" name=""/>
+        <p:cNvGrpSpPr/>
+        <p:nvPr/>
+      </p:nvGrpSpPr>
+      <p:grpSpPr>
+        <a:xfrm>
+          <a:off x="0" y="0"/>
+          <a:ext cx="0" cy="0"/>
+          <a:chOff x="0" y="0"/>
+          <a:chExt cx="0" cy="0"/>
+        </a:xfrm>
+      </p:grpSpPr>
+      <p:sp>
+        <p:nvSpPr>
+          <p:cNvPr id="2" name="Header Placeholder 1"/>
+          <p:cNvSpPr>
+            <a:spLocks noGrp="1"/>
+          </p:cNvSpPr>
+          <p:nvPr>
+            <p:ph type="hdr" sz="quarter"/>
+          </p:nvPr>
+        </p:nvSpPr>
+        <p:spPr>
+          <a:xfrm>
+            <a:off x="0" y="0"/>
+            <a:ext cx="2971800" cy="458788"/>
+          </a:xfrm>
+          <a:prstGeom prst="rect">
+            <a:avLst/>
+          </a:prstGeom>
+        </p:spPr>
+        <p:txBody>
+          <a:bodyPr vert="horz" lIns="91440" tIns="45720" rIns="91440" bIns="45720" rtlCol="0"/>
+          <a:lstStyle>
+            <a:lvl1pPr algn="l">
+              <a:defRPr sz="1200"/>
+            </a:lvl1pPr>
+          </a:lstStyle>
+          <a:p>
+            <a:endParaRPr lang="en-US"/>
+          </a:p>
+        </p:txBody>
+      </p:sp>
+      <p:sp>
+        <p:nvSpPr>
+          <p:cNvPr id="3" name="Date Placeholder 2"/>
+          <p:cNvSpPr>
+            <a:spLocks noGrp="1"/>
+          </p:cNvSpPr>
+          <p:nvPr>
+            <p:ph type="dt" idx="1"/>
+          </p:nvPr>
+        </p:nvSpPr>
+        <p:spPr>
+          <a:xfrm>
+            <a:off x="3884613" y="0"/>
+            <a:ext cx="2971800" cy="458788"/>
+          </a:xfrm>
+          <a:prstGeom prst="rect">
+            <a:avLst/>
+          </a:prstGeom>
+        </p:spPr>
+        <p:txBody>
+          <a:bodyPr vert="horz" lIns="91440" tIns="45720" rIns="91440" bIns="45720" rtlCol="0"/>
+          <a:lstStyle>
+            <a:lvl1pPr algn="r">
+              <a:defRPr sz="1200"/>
+            </a:lvl1pPr>
+          </a:lstStyle>
+          <a:p>
+            <a:fld id="{F36177F6-9DE7-418D-BAA2-1885794F4361}" type="datetimeFigureOut">
+              <a:rPr lang="en-US" smtClean="0"/>
+              <a:t>11/29/2016</a:t>
+            </a:fld>
+            <a:endParaRPr lang="en-US"/>
+          </a:p>
+        </p:txBody>
+      </p:sp>
+      <p:sp>
+        <p:nvSpPr>
+          <p:cNvPr id="4" name="Slide Image Placeholder 3"/>
+          <p:cNvSpPr>
+            <a:spLocks noGrp="1" noRot="1" noChangeAspect="1"/>
+          </p:cNvSpPr>
+          <p:nvPr>
+            <p:ph type="sldImg" idx="2"/>
+          </p:nvPr>
+        </p:nvSpPr>
+        <p:spPr>
+          <a:xfrm>
+            <a:off x="685800" y="1143000"/>
+            <a:ext cx="5486400" cy="3086100"/>
+          </a:xfrm>
+          <a:prstGeom prst="rect">
+            <a:avLst/>
+          </a:prstGeom>
+          <a:noFill/>
+          <a:ln w="12700">
+            <a:solidFill>
+              <a:prstClr val="black"/>
+            </a:solidFill>
+          </a:ln>
+        </p:spPr>
+        <p:txBody>
+          <a:bodyPr vert="horz" lIns="91440" tIns="45720" rIns="91440" bIns="45720" rtlCol="0" anchor="ctr"/>
+          <a:lstStyle/>
+          <a:p>
+            <a:endParaRPr lang="en-US"/>
+          </a:p>
+        </p:txBody>
+      </p:sp>
+      <p:sp>
+        <p:nvSpPr>
+          <p:cNvPr id="5" name="Notes Placeholder 4"/>
+          <p:cNvSpPr>
+            <a:spLocks noGrp="1"/>
+          </p:cNvSpPr>
+          <p:nvPr>
+            <p:ph type="body" sz="quarter" idx="3"/>
+          </p:nvPr>
+        </p:nvSpPr>
+        <p:spPr>
+          <a:xfrm>
+            <a:off x="685800" y="4400550"/>
+            <a:ext cx="5486400" cy="3600450"/>
+          </a:xfrm>
+          <a:prstGeom prst="rect">
+            <a:avLst/>
+          </a:prstGeom>
+        </p:spPr>
+        <p:txBody>
+          <a:bodyPr vert="horz" lIns="91440" tIns="45720" rIns="91440" bIns="45720" rtlCol="0"/>
+          <a:lstStyle/>
+          <a:p>
+            <a:pPr lvl="0"/>
+            <a:r>
+              <a:rPr lang="en-US"/>
+              <a:t>Edit Master text styles</a:t>
+            </a:r>
+          </a:p>
+          <a:p>
+            <a:pPr lvl="1"/>
+            <a:r>
+              <a:rPr lang="en-US"/>
+              <a:t>Second level</a:t>
+            </a:r>
+          </a:p>
+          <a:p>
+            <a:pPr lvl="2"/>
+            <a:r>
+              <a:rPr lang="en-US"/>
+              <a:t>Third level</a:t>
+            </a:r>
+          </a:p>
+          <a:p>
+            <a:pPr lvl="3"/>
+            <a:r>
+              <a:rPr lang="en-US"/>
+              <a:t>Fourth level</a:t>
+            </a:r>
+          </a:p>
+          <a:p>
+            <a:pPr lvl="4"/>
+            <a:r>
+              <a:rPr lang="en-US"/>
+              <a:t>Fifth level</a:t>
+            </a:r>
+            <a:endParaRPr lang="en-US"/>
+          </a:p>
+        </p:txBody>
+      </p:sp>
+      <p:sp>
+        <p:nvSpPr>
+          <p:cNvPr id="6" name="Footer Placeholder 5"/>
+          <p:cNvSpPr>
+            <a:spLocks noGrp="1"/>
+          </p:cNvSpPr>
+          <p:nvPr>
+            <p:ph type="ftr" sz="quarter" idx="4"/>
+          </p:nvPr>
+        </p:nvSpPr>
+        <p:spPr>
+          <a:xfrm>
+            <a:off x="0" y="8685213"/>
+            <a:ext cx="2971800" cy="458787"/>
+          </a:xfrm>
+          <a:prstGeom prst="rect">
+            <a:avLst/>
+          </a:prstGeom>
+        </p:spPr>
+        <p:txBody>
+          <a:bodyPr vert="horz" lIns="91440" tIns="45720" rIns="91440" bIns="45720" rtlCol="0" anchor="b"/>
+          <a:lstStyle>
+            <a:lvl1pPr algn="l">
+              <a:defRPr sz="1200"/>
+            </a:lvl1pPr>
+          </a:lstStyle>
+          <a:p>
+            <a:endParaRPr lang="en-US"/>
+          </a:p>
+        </p:txBody>
+      </p:sp>
+      <p:sp>
+        <p:nvSpPr>
+          <p:cNvPr id="7" name="Slide Number Placeholder 6"/>
+          <p:cNvSpPr>
+            <a:spLocks noGrp="1"/>
+          </p:cNvSpPr>
+          <p:nvPr>
+            <p:ph type="sldNum" sz="quarter" idx="5"/>
+          </p:nvPr>
+        </p:nvSpPr>
+        <p:spPr>
+          <a:xfrm>
+            <a:off x="3884613" y="8685213"/>
+            <a:ext cx="2971800" cy="458787"/>
+          </a:xfrm>
+          <a:prstGeom prst="rect">
+            <a:avLst/>
+          </a:prstGeom>
+        </p:spPr>
+        <p:txBody>
+          <a:bodyPr vert="horz" lIns="91440" tIns="45720" rIns="91440" bIns="45720" rtlCol="0" anchor="b"/>
+          <a:lstStyle>
+            <a:lvl1pPr algn="r">
+              <a:defRPr sz="1200"/>
+            </a:lvl1pPr>
+          </a:lstStyle>
+          <a:p>
+            <a:fld id="{98A02426-CAB7-41EA-82D9-A3EDD193E935}" type="slidenum">
+              <a:rPr lang="en-US" smtClean="0"/>
+              <a:t>‹#›</a:t>
+            </a:fld>
+            <a:endParaRPr lang="en-US"/>
+          </a:p>
+        </p:txBody>
+      </p:sp>
+    </p:spTree>
+    <p:extLst>
+      <p:ext uri="{BB962C8B-B14F-4D97-AF65-F5344CB8AC3E}">
+        <p14:creationId xmlns:p14="http://schemas.microsoft.com/office/powerpoint/2010/main" val="1245183608"/>
+      </p:ext>
+    </p:extLst>
+  </p:cSld>
+  <p:clrMap bg1="lt1" tx1="dk1" bg2="lt2" tx2="dk2" accent1="accent1" accent2="accent2" accent3="accent3" accent4="accent4" accent5="accent5" accent6="accent6" hlink="hlink" folHlink="folHlink"/>
+  <p:notesStyle>
+    <a:lvl1pPr marL="0" algn="l" defTabSz="914400" rtl="0" eaLnBrk="1" latinLnBrk="0" hangingPunct="1">
+      <a:defRPr sz="1200" kern="1200">
+        <a:solidFill>
+          <a:schemeClr val="tx1"/>
+        </a:solidFill>
+        <a:latin typeface="+mn-lt"/>
+        <a:ea typeface="+mn-ea"/>
+        <a:cs typeface="+mn-cs"/>
+      </a:defRPr>
+    </a:lvl1pPr>
+    <a:lvl2pPr marL="457200" algn="l" defTabSz="914400" rtl="0" eaLnBrk="1" latinLnBrk="0" hangingPunct="1">
+      <a:defRPr sz="1200" kern="1200">
+        <a:solidFill>
+          <a:schemeClr val="tx1"/>
+        </a:solidFill>
+        <a:latin typeface="+mn-lt"/>
+        <a:ea typeface="+mn-ea"/>
+        <a:cs typeface="+mn-cs"/>
+      </a:defRPr>
+    </a:lvl2pPr>
+    <a:lvl3pPr marL="914400" algn="l" defTabSz="914400" rtl="0" eaLnBrk="1" latinLnBrk="0" hangingPunct="1">
+      <a:defRPr sz="1200" kern="1200">
+        <a:solidFill>
+          <a:schemeClr val="tx1"/>
+        </a:solidFill>
+        <a:latin typeface="+mn-lt"/>
+        <a:ea typeface="+mn-ea"/>
+        <a:cs typeface="+mn-cs"/>
+      </a:defRPr>
+    </a:lvl3pPr>
+    <a:lvl4pPr marL="1371600" algn="l" defTabSz="914400" rtl="0" eaLnBrk="1" latinLnBrk="0" hangingPunct="1">
+      <a:defRPr sz="1200" kern="1200">
+        <a:solidFill>
+          <a:schemeClr val="tx1"/>
+        </a:solidFill>
+        <a:latin typeface="+mn-lt"/>
+        <a:ea typeface="+mn-ea"/>
+        <a:cs typeface="+mn-cs"/>
+      </a:defRPr>
+    </a:lvl4pPr>
+    <a:lvl5pPr marL="1828800" algn="l" defTabSz="914400" rtl="0" eaLnBrk="1" latinLnBrk="0" hangingPunct="1">
+      <a:defRPr sz="1200" kern="1200">
+        <a:solidFill>
+          <a:schemeClr val="tx1"/>
+        </a:solidFill>
+        <a:latin typeface="+mn-lt"/>
+        <a:ea typeface="+mn-ea"/>
+        <a:cs typeface="+mn-cs"/>
+      </a:defRPr>
+    </a:lvl5pPr>
+    <a:lvl6pPr marL="2286000" algn="l" defTabSz="914400" rtl="0" eaLnBrk="1" latinLnBrk="0" hangingPunct="1">
+      <a:defRPr sz="1200" kern="1200">
+        <a:solidFill>
+          <a:schemeClr val="tx1"/>
+        </a:solidFill>
+        <a:latin typeface="+mn-lt"/>
+        <a:ea typeface="+mn-ea"/>
+        <a:cs typeface="+mn-cs"/>
+      </a:defRPr>
+    </a:lvl6pPr>
+    <a:lvl7pPr marL="2743200" algn="l" defTabSz="914400" rtl="0" eaLnBrk="1" latinLnBrk="0" hangingPunct="1">
+      <a:defRPr sz="1200" kern="1200">
+        <a:solidFill>
+          <a:schemeClr val="tx1"/>
+        </a:solidFill>
+        <a:latin typeface="+mn-lt"/>
+        <a:ea typeface="+mn-ea"/>
+        <a:cs typeface="+mn-cs"/>
+      </a:defRPr>
+    </a:lvl7pPr>
+    <a:lvl8pPr marL="3200400" algn="l" defTabSz="914400" rtl="0" eaLnBrk="1" latinLnBrk="0" hangingPunct="1">
+      <a:defRPr sz="1200" kern="1200">
+        <a:solidFill>
+          <a:schemeClr val="tx1"/>
+        </a:solidFill>
+        <a:latin typeface="+mn-lt"/>
+        <a:ea typeface="+mn-ea"/>
+        <a:cs typeface="+mn-cs"/>
+      </a:defRPr>
+    </a:lvl8pPr>
+    <a:lvl9pPr marL="3657600" algn="l" defTabSz="914400" rtl="0" eaLnBrk="1" latinLnBrk="0" hangingPunct="1">
+      <a:defRPr sz="1200" kern="1200">
+        <a:solidFill>
+          <a:schemeClr val="tx1"/>
+        </a:solidFill>
+        <a:latin typeface="+mn-lt"/>
+        <a:ea typeface="+mn-ea"/>
+        <a:cs typeface="+mn-cs"/>
+      </a:defRPr>
+    </a:lvl9pPr>
+  </p:notesStyle>
+</p:notesMaster>
+</file>
+
+<file path=ppt/notesSlides/notesSlide1.xml><?xml version="1.0" encoding="utf-8"?>
+<p:notes xmlns:a="http://schemas.openxmlformats.org/drawingml/2006/main" xmlns:r="http://schemas.openxmlformats.org/officeDocument/2006/relationships" xmlns:p="http://schemas.openxmlformats.org/presentationml/2006/main">
+  <p:cSld>
+    <p:spTree>
+      <p:nvGrpSpPr>
+        <p:cNvPr id="1" name=""/>
+        <p:cNvGrpSpPr/>
+        <p:nvPr/>
+      </p:nvGrpSpPr>
+      <p:grpSpPr>
+        <a:xfrm>
+          <a:off x="0" y="0"/>
+          <a:ext cx="0" cy="0"/>
+          <a:chOff x="0" y="0"/>
+          <a:chExt cx="0" cy="0"/>
+        </a:xfrm>
+      </p:grpSpPr>
+      <p:sp>
+        <p:nvSpPr>
+          <p:cNvPr id="2" name="Slide Image Placeholder 1"/>
+          <p:cNvSpPr>
+            <a:spLocks noGrp="1" noRot="1" noChangeAspect="1"/>
+          </p:cNvSpPr>
+          <p:nvPr>
+            <p:ph type="sldImg"/>
+          </p:nvPr>
+        </p:nvSpPr>
+        <p:spPr/>
+      </p:sp>
+      <p:sp>
+        <p:nvSpPr>
+          <p:cNvPr id="3" name="Notes Placeholder 2"/>
+          <p:cNvSpPr>
+            <a:spLocks noGrp="1"/>
+          </p:cNvSpPr>
+          <p:nvPr>
+            <p:ph type="body" idx="1"/>
+          </p:nvPr>
+        </p:nvSpPr>
+        <p:spPr/>
+        <p:txBody>
+          <a:bodyPr/>
+          <a:lstStyle/>
+          <a:p>
+            <a:r>
+              <a:rPr lang="en-US" dirty="0"/>
+              <a:t>Interaction</a:t>
+            </a:r>
+            <a:r>
+              <a:rPr lang="en-US" baseline="0" dirty="0"/>
+              <a:t> with portal</a:t>
+            </a:r>
+          </a:p>
+          <a:p>
+            <a:r>
+              <a:rPr lang="en-US" dirty="0"/>
+              <a:t>I033_A0012_D001</a:t>
+            </a:r>
+          </a:p>
+        </p:txBody>
+      </p:sp>
+      <p:sp>
+        <p:nvSpPr>
+          <p:cNvPr id="4" name="Slide Number Placeholder 3"/>
+          <p:cNvSpPr>
+            <a:spLocks noGrp="1"/>
+          </p:cNvSpPr>
+          <p:nvPr>
+            <p:ph type="sldNum" sz="quarter" idx="10"/>
+          </p:nvPr>
+        </p:nvSpPr>
+        <p:spPr/>
+        <p:txBody>
+          <a:bodyPr/>
+          <a:lstStyle/>
+          <a:p>
+            <a:fld id="{98A02426-CAB7-41EA-82D9-A3EDD193E935}" type="slidenum">
+              <a:rPr lang="en-US" smtClean="0"/>
+              <a:t>6</a:t>
+            </a:fld>
+            <a:endParaRPr lang="en-US"/>
+          </a:p>
+        </p:txBody>
+      </p:sp>
+    </p:spTree>
+    <p:extLst>
+      <p:ext uri="{BB962C8B-B14F-4D97-AF65-F5344CB8AC3E}">
+        <p14:creationId xmlns:p14="http://schemas.microsoft.com/office/powerpoint/2010/main" val="1166904062"/>
+      </p:ext>
+    </p:extLst>
+  </p:cSld>
+  <p:clrMapOvr>
+    <a:masterClrMapping/>
+  </p:clrMapOvr>
+</p:notes>
+</file>
+
 <file path=ppt/slideLayouts/slideLayout1.xml><?xml version="1.0" encoding="utf-8"?>
 <p:sldLayout xmlns:a="http://schemas.openxmlformats.org/drawingml/2006/main" xmlns:r="http://schemas.openxmlformats.org/officeDocument/2006/relationships" xmlns:p="http://schemas.openxmlformats.org/presentationml/2006/main" type="title" preserve="1">
   <p:cSld name="Title Slide">
@@ -246,7 +699,7 @@
               <a:rPr lang="en-US" smtClean="0"/>
               <a:t>11/29/2016</a:t>
             </a:fld>
-            <a:endParaRPr lang="en-US"/>
+            <a:endParaRPr lang="en-US" dirty="0"/>
           </a:p>
         </p:txBody>
       </p:sp>
@@ -265,7 +718,7 @@
           <a:bodyPr/>
           <a:lstStyle/>
           <a:p>
-            <a:endParaRPr lang="en-US"/>
+            <a:endParaRPr lang="en-US" dirty="0"/>
           </a:p>
         </p:txBody>
       </p:sp>
@@ -288,7 +741,7 @@
               <a:rPr lang="en-US" smtClean="0"/>
               <a:t>‹#›</a:t>
             </a:fld>
-            <a:endParaRPr lang="en-US"/>
+            <a:endParaRPr lang="en-US" dirty="0"/>
           </a:p>
         </p:txBody>
       </p:sp>
@@ -414,7 +867,7 @@
               <a:rPr lang="en-US" smtClean="0"/>
               <a:t>11/29/2016</a:t>
             </a:fld>
-            <a:endParaRPr lang="en-US"/>
+            <a:endParaRPr lang="en-US" dirty="0"/>
           </a:p>
         </p:txBody>
       </p:sp>
@@ -433,7 +886,7 @@
           <a:bodyPr/>
           <a:lstStyle/>
           <a:p>
-            <a:endParaRPr lang="en-US"/>
+            <a:endParaRPr lang="en-US" dirty="0"/>
           </a:p>
         </p:txBody>
       </p:sp>
@@ -456,7 +909,7 @@
               <a:rPr lang="en-US" smtClean="0"/>
               <a:t>‹#›</a:t>
             </a:fld>
-            <a:endParaRPr lang="en-US"/>
+            <a:endParaRPr lang="en-US" dirty="0"/>
           </a:p>
         </p:txBody>
       </p:sp>
@@ -592,7 +1045,7 @@
               <a:rPr lang="en-US" smtClean="0"/>
               <a:t>11/29/2016</a:t>
             </a:fld>
-            <a:endParaRPr lang="en-US"/>
+            <a:endParaRPr lang="en-US" dirty="0"/>
           </a:p>
         </p:txBody>
       </p:sp>
@@ -611,7 +1064,7 @@
           <a:bodyPr/>
           <a:lstStyle/>
           <a:p>
-            <a:endParaRPr lang="en-US"/>
+            <a:endParaRPr lang="en-US" dirty="0"/>
           </a:p>
         </p:txBody>
       </p:sp>
@@ -634,7 +1087,7 @@
               <a:rPr lang="en-US" smtClean="0"/>
               <a:t>‹#›</a:t>
             </a:fld>
-            <a:endParaRPr lang="en-US"/>
+            <a:endParaRPr lang="en-US" dirty="0"/>
           </a:p>
         </p:txBody>
       </p:sp>
@@ -760,7 +1213,7 @@
               <a:rPr lang="en-US" smtClean="0"/>
               <a:t>11/29/2016</a:t>
             </a:fld>
-            <a:endParaRPr lang="en-US"/>
+            <a:endParaRPr lang="en-US" dirty="0"/>
           </a:p>
         </p:txBody>
       </p:sp>
@@ -779,7 +1232,7 @@
           <a:bodyPr/>
           <a:lstStyle/>
           <a:p>
-            <a:endParaRPr lang="en-US"/>
+            <a:endParaRPr lang="en-US" dirty="0"/>
           </a:p>
         </p:txBody>
       </p:sp>
@@ -802,7 +1255,7 @@
               <a:rPr lang="en-US" smtClean="0"/>
               <a:t>‹#›</a:t>
             </a:fld>
-            <a:endParaRPr lang="en-US"/>
+            <a:endParaRPr lang="en-US" dirty="0"/>
           </a:p>
         </p:txBody>
       </p:sp>
@@ -1005,7 +1458,7 @@
               <a:rPr lang="en-US" smtClean="0"/>
               <a:t>11/29/2016</a:t>
             </a:fld>
-            <a:endParaRPr lang="en-US"/>
+            <a:endParaRPr lang="en-US" dirty="0"/>
           </a:p>
         </p:txBody>
       </p:sp>
@@ -1024,7 +1477,7 @@
           <a:bodyPr/>
           <a:lstStyle/>
           <a:p>
-            <a:endParaRPr lang="en-US"/>
+            <a:endParaRPr lang="en-US" dirty="0"/>
           </a:p>
         </p:txBody>
       </p:sp>
@@ -1047,7 +1500,7 @@
               <a:rPr lang="en-US" smtClean="0"/>
               <a:t>‹#›</a:t>
             </a:fld>
-            <a:endParaRPr lang="en-US"/>
+            <a:endParaRPr lang="en-US" dirty="0"/>
           </a:p>
         </p:txBody>
       </p:sp>
@@ -1234,7 +1687,7 @@
               <a:rPr lang="en-US" smtClean="0"/>
               <a:t>11/29/2016</a:t>
             </a:fld>
-            <a:endParaRPr lang="en-US"/>
+            <a:endParaRPr lang="en-US" dirty="0"/>
           </a:p>
         </p:txBody>
       </p:sp>
@@ -1253,7 +1706,7 @@
           <a:bodyPr/>
           <a:lstStyle/>
           <a:p>
-            <a:endParaRPr lang="en-US"/>
+            <a:endParaRPr lang="en-US" dirty="0"/>
           </a:p>
         </p:txBody>
       </p:sp>
@@ -1276,7 +1729,7 @@
               <a:rPr lang="en-US" smtClean="0"/>
               <a:t>‹#›</a:t>
             </a:fld>
-            <a:endParaRPr lang="en-US"/>
+            <a:endParaRPr lang="en-US" dirty="0"/>
           </a:p>
         </p:txBody>
       </p:sp>
@@ -1598,7 +2051,7 @@
               <a:rPr lang="en-US" smtClean="0"/>
               <a:t>11/29/2016</a:t>
             </a:fld>
-            <a:endParaRPr lang="en-US"/>
+            <a:endParaRPr lang="en-US" dirty="0"/>
           </a:p>
         </p:txBody>
       </p:sp>
@@ -1617,7 +2070,7 @@
           <a:bodyPr/>
           <a:lstStyle/>
           <a:p>
-            <a:endParaRPr lang="en-US"/>
+            <a:endParaRPr lang="en-US" dirty="0"/>
           </a:p>
         </p:txBody>
       </p:sp>
@@ -1640,7 +2093,7 @@
               <a:rPr lang="en-US" smtClean="0"/>
               <a:t>‹#›</a:t>
             </a:fld>
-            <a:endParaRPr lang="en-US"/>
+            <a:endParaRPr lang="en-US" dirty="0"/>
           </a:p>
         </p:txBody>
       </p:sp>
@@ -1715,7 +2168,7 @@
               <a:rPr lang="en-US" smtClean="0"/>
               <a:t>11/29/2016</a:t>
             </a:fld>
-            <a:endParaRPr lang="en-US"/>
+            <a:endParaRPr lang="en-US" dirty="0"/>
           </a:p>
         </p:txBody>
       </p:sp>
@@ -1734,7 +2187,7 @@
           <a:bodyPr/>
           <a:lstStyle/>
           <a:p>
-            <a:endParaRPr lang="en-US"/>
+            <a:endParaRPr lang="en-US" dirty="0"/>
           </a:p>
         </p:txBody>
       </p:sp>
@@ -1757,7 +2210,7 @@
               <a:rPr lang="en-US" smtClean="0"/>
               <a:t>‹#›</a:t>
             </a:fld>
-            <a:endParaRPr lang="en-US"/>
+            <a:endParaRPr lang="en-US" dirty="0"/>
           </a:p>
         </p:txBody>
       </p:sp>
@@ -1810,7 +2263,7 @@
               <a:rPr lang="en-US" smtClean="0"/>
               <a:t>11/29/2016</a:t>
             </a:fld>
-            <a:endParaRPr lang="en-US"/>
+            <a:endParaRPr lang="en-US" dirty="0"/>
           </a:p>
         </p:txBody>
       </p:sp>
@@ -1829,7 +2282,7 @@
           <a:bodyPr/>
           <a:lstStyle/>
           <a:p>
-            <a:endParaRPr lang="en-US"/>
+            <a:endParaRPr lang="en-US" dirty="0"/>
           </a:p>
         </p:txBody>
       </p:sp>
@@ -1852,7 +2305,7 @@
               <a:rPr lang="en-US" smtClean="0"/>
               <a:t>‹#›</a:t>
             </a:fld>
-            <a:endParaRPr lang="en-US"/>
+            <a:endParaRPr lang="en-US" dirty="0"/>
           </a:p>
         </p:txBody>
       </p:sp>
@@ -2085,7 +2538,7 @@
               <a:rPr lang="en-US" smtClean="0"/>
               <a:t>11/29/2016</a:t>
             </a:fld>
-            <a:endParaRPr lang="en-US"/>
+            <a:endParaRPr lang="en-US" dirty="0"/>
           </a:p>
         </p:txBody>
       </p:sp>
@@ -2104,7 +2557,7 @@
           <a:bodyPr/>
           <a:lstStyle/>
           <a:p>
-            <a:endParaRPr lang="en-US"/>
+            <a:endParaRPr lang="en-US" dirty="0"/>
           </a:p>
         </p:txBody>
       </p:sp>
@@ -2127,7 +2580,7 @@
               <a:rPr lang="en-US" smtClean="0"/>
               <a:t>‹#›</a:t>
             </a:fld>
-            <a:endParaRPr lang="en-US"/>
+            <a:endParaRPr lang="en-US" dirty="0"/>
           </a:p>
         </p:txBody>
       </p:sp>
@@ -2249,7 +2702,7 @@
             </a:lvl9pPr>
           </a:lstStyle>
           <a:p>
-            <a:endParaRPr lang="en-US"/>
+            <a:endParaRPr lang="en-US" dirty="0"/>
           </a:p>
         </p:txBody>
       </p:sp>
@@ -2337,7 +2790,7 @@
               <a:rPr lang="en-US" smtClean="0"/>
               <a:t>11/29/2016</a:t>
             </a:fld>
-            <a:endParaRPr lang="en-US"/>
+            <a:endParaRPr lang="en-US" dirty="0"/>
           </a:p>
         </p:txBody>
       </p:sp>
@@ -2356,7 +2809,7 @@
           <a:bodyPr/>
           <a:lstStyle/>
           <a:p>
-            <a:endParaRPr lang="en-US"/>
+            <a:endParaRPr lang="en-US" dirty="0"/>
           </a:p>
         </p:txBody>
       </p:sp>
@@ -2379,7 +2832,7 @@
               <a:rPr lang="en-US" smtClean="0"/>
               <a:t>‹#›</a:t>
             </a:fld>
-            <a:endParaRPr lang="en-US"/>
+            <a:endParaRPr lang="en-US" dirty="0"/>
           </a:p>
         </p:txBody>
       </p:sp>
@@ -2548,7 +3001,7 @@
               <a:rPr lang="en-US" smtClean="0"/>
               <a:t>11/29/2016</a:t>
             </a:fld>
-            <a:endParaRPr lang="en-US"/>
+            <a:endParaRPr lang="en-US" dirty="0"/>
           </a:p>
         </p:txBody>
       </p:sp>
@@ -2585,7 +3038,7 @@
             </a:lvl1pPr>
           </a:lstStyle>
           <a:p>
-            <a:endParaRPr lang="en-US"/>
+            <a:endParaRPr lang="en-US" dirty="0"/>
           </a:p>
         </p:txBody>
       </p:sp>
@@ -2626,7 +3079,7 @@
               <a:rPr lang="en-US" smtClean="0"/>
               <a:t>‹#›</a:t>
             </a:fld>
-            <a:endParaRPr lang="en-US"/>
+            <a:endParaRPr lang="en-US" dirty="0"/>
           </a:p>
         </p:txBody>
       </p:sp>
@@ -3001,6 +3454,35 @@
           </a:p>
         </p:txBody>
       </p:sp>
+      <p:sp>
+        <p:nvSpPr>
+          <p:cNvPr id="4" name="TextBox 3"/>
+          <p:cNvSpPr txBox="1"/>
+          <p:nvPr/>
+        </p:nvSpPr>
+        <p:spPr>
+          <a:xfrm>
+            <a:off x="9626600" y="6488668"/>
+            <a:ext cx="3365500" cy="369332"/>
+          </a:xfrm>
+          <a:prstGeom prst="rect">
+            <a:avLst/>
+          </a:prstGeom>
+          <a:noFill/>
+        </p:spPr>
+        <p:txBody>
+          <a:bodyPr wrap="square" rtlCol="0">
+            <a:spAutoFit/>
+          </a:bodyPr>
+          <a:lstStyle/>
+          <a:p>
+            <a:r>
+              <a:rPr lang="en-US" dirty="0"/>
+              <a:t>www.tinyurl.com/aesieeg</a:t>
+            </a:r>
+          </a:p>
+        </p:txBody>
+      </p:sp>
     </p:spTree>
     <p:extLst>
       <p:ext uri="{BB962C8B-B14F-4D97-AF65-F5344CB8AC3E}">
@@ -3048,7 +3530,7 @@
           <a:p>
             <a:r>
               <a:rPr lang="en-US" dirty="0"/>
-              <a:t>IEEG Portal</a:t>
+              <a:t>Workshop Goals</a:t>
             </a:r>
           </a:p>
         </p:txBody>
@@ -3065,8 +3547,26 @@
         </p:nvSpPr>
         <p:spPr/>
         <p:txBody>
-          <a:bodyPr/>
-          <a:lstStyle/>
+          <a:bodyPr>
+            <a:normAutofit/>
+          </a:bodyPr>
+          <a:lstStyle/>
+          <a:p>
+            <a:r>
+              <a:rPr lang="en-US" dirty="0"/>
+              <a:t>Learn how to use IEEG Portal for quantitative EEG analysis</a:t>
+            </a:r>
+          </a:p>
+          <a:p>
+            <a:r>
+              <a:rPr lang="en-US" dirty="0"/>
+              <a:t>Understand a framework for seizure detection on IEEG</a:t>
+            </a:r>
+          </a:p>
+          <a:p>
+            <a:pPr lvl="1"/>
+            <a:endParaRPr lang="en-US" dirty="0"/>
+          </a:p>
           <a:p>
             <a:endParaRPr lang="en-US" dirty="0"/>
           </a:p>
@@ -3075,7 +3575,7 @@
     </p:spTree>
     <p:extLst>
       <p:ext uri="{BB962C8B-B14F-4D97-AF65-F5344CB8AC3E}">
-        <p14:creationId xmlns:p14="http://schemas.microsoft.com/office/powerpoint/2010/main" val="3452248059"/>
+        <p14:creationId xmlns:p14="http://schemas.microsoft.com/office/powerpoint/2010/main" val="2205828374"/>
       </p:ext>
     </p:extLst>
   </p:cSld>
@@ -3119,7 +3619,7 @@
           <a:p>
             <a:r>
               <a:rPr lang="en-US" dirty="0"/>
-              <a:t>Seizure Detection</a:t>
+              <a:t>Automated EEG Analysis on the Portal</a:t>
             </a:r>
           </a:p>
         </p:txBody>
@@ -3136,17 +3636,52 @@
         </p:nvSpPr>
         <p:spPr/>
         <p:txBody>
-          <a:bodyPr/>
-          <a:lstStyle/>
-          <a:p>
-            <a:endParaRPr lang="en-US"/>
+          <a:bodyPr>
+            <a:normAutofit/>
+          </a:bodyPr>
+          <a:lstStyle/>
+          <a:p>
+            <a:pPr marL="0" indent="0">
+              <a:buNone/>
+            </a:pPr>
+            <a:r>
+              <a:rPr lang="en-US" dirty="0"/>
+              <a:t>Dataset</a:t>
+            </a:r>
+          </a:p>
+          <a:p>
+            <a:pPr lvl="1"/>
+            <a:r>
+              <a:rPr lang="en-US" dirty="0" err="1"/>
+              <a:t>NeuroVista</a:t>
+            </a:r>
+            <a:endParaRPr lang="en-US" dirty="0"/>
+          </a:p>
+          <a:p>
+            <a:r>
+              <a:rPr lang="en-US" dirty="0" err="1"/>
+              <a:t>Kaggle</a:t>
+            </a:r>
+            <a:endParaRPr lang="en-US" dirty="0"/>
+          </a:p>
+          <a:p>
+            <a:endParaRPr lang="en-US" dirty="0"/>
+          </a:p>
+          <a:p>
+            <a:r>
+              <a:rPr lang="en-US" dirty="0"/>
+              <a:t>Goal: Develop seizure detector based on features from example seizures</a:t>
+            </a:r>
+          </a:p>
+          <a:p>
+            <a:endParaRPr lang="en-US" dirty="0"/>
           </a:p>
         </p:txBody>
       </p:sp>
     </p:spTree>
     <p:extLst>
       <p:ext uri="{BB962C8B-B14F-4D97-AF65-F5344CB8AC3E}">
-        <p14:creationId xmlns:p14="http://schemas.microsoft.com/office/powerpoint/2010/main" val="419084484"/>
+        <p14:creationId xmlns:p14="http://schemas.microsoft.com/office/powerpoint/2010/main" val="4238034320"/>
       </p:ext>
     </p:extLst>
   </p:cSld>
@@ -3173,10 +3708,1407 @@
           <a:chExt cx="0" cy="0"/>
         </a:xfrm>
       </p:grpSpPr>
+      <p:pic>
+        <p:nvPicPr>
+          <p:cNvPr id="58370" name="Picture 2"/>
+          <p:cNvPicPr>
+            <a:picLocks noChangeAspect="1" noChangeArrowheads="1"/>
+          </p:cNvPicPr>
+          <p:nvPr/>
+        </p:nvPicPr>
+        <p:blipFill>
+          <a:blip r:embed="rId2" cstate="print"/>
+          <a:srcRect/>
+          <a:stretch>
+            <a:fillRect/>
+          </a:stretch>
+        </p:blipFill>
+        <p:spPr bwMode="auto">
+          <a:xfrm>
+            <a:off x="1858916" y="693754"/>
+            <a:ext cx="975360" cy="691515"/>
+          </a:xfrm>
+          <a:prstGeom prst="rect">
+            <a:avLst/>
+          </a:prstGeom>
+          <a:noFill/>
+          <a:ln w="9525">
+            <a:noFill/>
+            <a:miter lim="800000"/>
+            <a:headEnd/>
+            <a:tailEnd/>
+          </a:ln>
+        </p:spPr>
+      </p:pic>
+      <p:pic>
+        <p:nvPicPr>
+          <p:cNvPr id="58371" name="Picture 3"/>
+          <p:cNvPicPr>
+            <a:picLocks noChangeAspect="1" noChangeArrowheads="1"/>
+          </p:cNvPicPr>
+          <p:nvPr/>
+        </p:nvPicPr>
+        <p:blipFill>
+          <a:blip r:embed="rId3" cstate="print"/>
+          <a:srcRect/>
+          <a:stretch>
+            <a:fillRect/>
+          </a:stretch>
+        </p:blipFill>
+        <p:spPr bwMode="auto">
+          <a:xfrm>
+            <a:off x="8769444" y="871663"/>
+            <a:ext cx="848226" cy="753979"/>
+          </a:xfrm>
+          <a:prstGeom prst="rect">
+            <a:avLst/>
+          </a:prstGeom>
+          <a:noFill/>
+          <a:ln w="9525">
+            <a:noFill/>
+            <a:miter lim="800000"/>
+            <a:headEnd/>
+            <a:tailEnd/>
+          </a:ln>
+        </p:spPr>
+      </p:pic>
+      <p:sp>
+        <p:nvSpPr>
+          <p:cNvPr id="6" name="TextBox 5"/>
+          <p:cNvSpPr txBox="1"/>
+          <p:nvPr/>
+        </p:nvSpPr>
+        <p:spPr>
+          <a:xfrm>
+            <a:off x="2827056" y="677641"/>
+            <a:ext cx="1638334" cy="923330"/>
+          </a:xfrm>
+          <a:prstGeom prst="rect">
+            <a:avLst/>
+          </a:prstGeom>
+          <a:noFill/>
+        </p:spPr>
+        <p:txBody>
+          <a:bodyPr wrap="none" rtlCol="0">
+            <a:spAutoFit/>
+          </a:bodyPr>
+          <a:lstStyle/>
+          <a:p>
+            <a:pPr algn="l"/>
+            <a:r>
+              <a:rPr lang="en-US" b="1" dirty="0">
+                <a:latin typeface="Calibri" pitchFamily="34" charset="0"/>
+                <a:cs typeface="Calibri" pitchFamily="34" charset="0"/>
+              </a:rPr>
+              <a:t>Search:</a:t>
+            </a:r>
+          </a:p>
+          <a:p>
+            <a:pPr algn="l"/>
+            <a:r>
+              <a:rPr lang="en-US" dirty="0">
+                <a:latin typeface="Calibri" pitchFamily="34" charset="0"/>
+                <a:cs typeface="Calibri" pitchFamily="34" charset="0"/>
+              </a:rPr>
+              <a:t>Browser-based </a:t>
+            </a:r>
+          </a:p>
+          <a:p>
+            <a:pPr algn="l"/>
+            <a:r>
+              <a:rPr lang="en-US" dirty="0">
+                <a:latin typeface="Calibri" pitchFamily="34" charset="0"/>
+                <a:cs typeface="Calibri" pitchFamily="34" charset="0"/>
+              </a:rPr>
+              <a:t>User Interface</a:t>
+            </a:r>
+          </a:p>
+        </p:txBody>
+      </p:sp>
+      <p:sp>
+        <p:nvSpPr>
+          <p:cNvPr id="7" name="TextBox 6"/>
+          <p:cNvSpPr txBox="1"/>
+          <p:nvPr/>
+        </p:nvSpPr>
+        <p:spPr>
+          <a:xfrm>
+            <a:off x="9671039" y="660898"/>
+            <a:ext cx="2362200" cy="923330"/>
+          </a:xfrm>
+          <a:prstGeom prst="rect">
+            <a:avLst/>
+          </a:prstGeom>
+          <a:noFill/>
+        </p:spPr>
+        <p:txBody>
+          <a:bodyPr wrap="square" rtlCol="0">
+            <a:spAutoFit/>
+          </a:bodyPr>
+          <a:lstStyle/>
+          <a:p>
+            <a:pPr algn="l"/>
+            <a:r>
+              <a:rPr lang="en-US" b="1" dirty="0">
+                <a:latin typeface="Calibri" pitchFamily="34" charset="0"/>
+                <a:cs typeface="Calibri" pitchFamily="34" charset="0"/>
+              </a:rPr>
+              <a:t>Tools:</a:t>
+            </a:r>
+          </a:p>
+          <a:p>
+            <a:pPr algn="l"/>
+            <a:r>
+              <a:rPr lang="en-US" dirty="0">
+                <a:latin typeface="Calibri" pitchFamily="34" charset="0"/>
+                <a:cs typeface="Calibri" pitchFamily="34" charset="0"/>
+              </a:rPr>
+              <a:t>Written in MATLAB,</a:t>
+            </a:r>
+            <a:br>
+              <a:rPr lang="en-US" dirty="0">
+                <a:latin typeface="Calibri" pitchFamily="34" charset="0"/>
+                <a:cs typeface="Calibri" pitchFamily="34" charset="0"/>
+              </a:rPr>
+            </a:br>
+            <a:r>
+              <a:rPr lang="en-US" dirty="0">
+                <a:latin typeface="Calibri" pitchFamily="34" charset="0"/>
+                <a:cs typeface="Calibri" pitchFamily="34" charset="0"/>
+              </a:rPr>
+              <a:t>Java, Python, …</a:t>
+            </a:r>
+          </a:p>
+        </p:txBody>
+      </p:sp>
+      <p:pic>
+        <p:nvPicPr>
+          <p:cNvPr id="58372" name="Picture 4" descr="C:\Users\zives\AppData\Local\Microsoft\Windows\Temporary Internet Files\Content.IE5\L8L9UG5H\MC900435242[1].png"/>
+          <p:cNvPicPr>
+            <a:picLocks noChangeAspect="1" noChangeArrowheads="1"/>
+          </p:cNvPicPr>
+          <p:nvPr/>
+        </p:nvPicPr>
+        <p:blipFill>
+          <a:blip r:embed="rId4" cstate="print"/>
+          <a:srcRect/>
+          <a:stretch>
+            <a:fillRect/>
+          </a:stretch>
+        </p:blipFill>
+        <p:spPr bwMode="auto">
+          <a:xfrm>
+            <a:off x="5012516" y="3093260"/>
+            <a:ext cx="679056" cy="1343561"/>
+          </a:xfrm>
+          <a:prstGeom prst="rect">
+            <a:avLst/>
+          </a:prstGeom>
+          <a:noFill/>
+        </p:spPr>
+      </p:pic>
+      <p:pic>
+        <p:nvPicPr>
+          <p:cNvPr id="11" name="Picture 4" descr="C:\Users\zives\AppData\Local\Microsoft\Windows\Temporary Internet Files\Content.IE5\L8L9UG5H\MC900435242[1].png"/>
+          <p:cNvPicPr>
+            <a:picLocks noChangeAspect="1" noChangeArrowheads="1"/>
+          </p:cNvPicPr>
+          <p:nvPr/>
+        </p:nvPicPr>
+        <p:blipFill>
+          <a:blip r:embed="rId4" cstate="print"/>
+          <a:srcRect/>
+          <a:stretch>
+            <a:fillRect/>
+          </a:stretch>
+        </p:blipFill>
+        <p:spPr bwMode="auto">
+          <a:xfrm>
+            <a:off x="5267093" y="5044823"/>
+            <a:ext cx="679056" cy="1343561"/>
+          </a:xfrm>
+          <a:prstGeom prst="rect">
+            <a:avLst/>
+          </a:prstGeom>
+          <a:noFill/>
+        </p:spPr>
+      </p:pic>
+      <p:pic>
+        <p:nvPicPr>
+          <p:cNvPr id="12" name="Picture 4" descr="C:\Users\zives\AppData\Local\Microsoft\Windows\Temporary Internet Files\Content.IE5\L8L9UG5H\MC900435242[1].png"/>
+          <p:cNvPicPr>
+            <a:picLocks noChangeAspect="1" noChangeArrowheads="1"/>
+          </p:cNvPicPr>
+          <p:nvPr/>
+        </p:nvPicPr>
+        <p:blipFill>
+          <a:blip r:embed="rId4" cstate="print"/>
+          <a:srcRect/>
+          <a:stretch>
+            <a:fillRect/>
+          </a:stretch>
+        </p:blipFill>
+        <p:spPr bwMode="auto">
+          <a:xfrm>
+            <a:off x="6042953" y="5044823"/>
+            <a:ext cx="679056" cy="1343561"/>
+          </a:xfrm>
+          <a:prstGeom prst="rect">
+            <a:avLst/>
+          </a:prstGeom>
+          <a:noFill/>
+        </p:spPr>
+      </p:pic>
+      <p:pic>
+        <p:nvPicPr>
+          <p:cNvPr id="13" name="Picture 4" descr="C:\Users\zives\AppData\Local\Microsoft\Windows\Temporary Internet Files\Content.IE5\L8L9UG5H\MC900435242[1].png"/>
+          <p:cNvPicPr>
+            <a:picLocks noChangeAspect="1" noChangeArrowheads="1"/>
+          </p:cNvPicPr>
+          <p:nvPr/>
+        </p:nvPicPr>
+        <p:blipFill>
+          <a:blip r:embed="rId4" cstate="print"/>
+          <a:srcRect/>
+          <a:stretch>
+            <a:fillRect/>
+          </a:stretch>
+        </p:blipFill>
+        <p:spPr bwMode="auto">
+          <a:xfrm>
+            <a:off x="6818813" y="5044823"/>
+            <a:ext cx="679056" cy="1343561"/>
+          </a:xfrm>
+          <a:prstGeom prst="rect">
+            <a:avLst/>
+          </a:prstGeom>
+          <a:noFill/>
+        </p:spPr>
+      </p:pic>
+      <p:sp>
+        <p:nvSpPr>
+          <p:cNvPr id="15" name="TextBox 14"/>
+          <p:cNvSpPr txBox="1"/>
+          <p:nvPr/>
+        </p:nvSpPr>
+        <p:spPr>
+          <a:xfrm>
+            <a:off x="3732799" y="3154554"/>
+            <a:ext cx="1272848" cy="646331"/>
+          </a:xfrm>
+          <a:prstGeom prst="rect">
+            <a:avLst/>
+          </a:prstGeom>
+          <a:noFill/>
+        </p:spPr>
+        <p:txBody>
+          <a:bodyPr wrap="none" rtlCol="0">
+            <a:spAutoFit/>
+          </a:bodyPr>
+          <a:lstStyle/>
+          <a:p>
+            <a:pPr algn="r"/>
+            <a:r>
+              <a:rPr lang="en-US" b="1" dirty="0">
+                <a:latin typeface="Calibri" pitchFamily="34" charset="0"/>
+                <a:cs typeface="Calibri" pitchFamily="34" charset="0"/>
+              </a:rPr>
+              <a:t>Application</a:t>
+            </a:r>
+            <a:br>
+              <a:rPr lang="en-US" b="1" dirty="0">
+                <a:latin typeface="Calibri" pitchFamily="34" charset="0"/>
+                <a:cs typeface="Calibri" pitchFamily="34" charset="0"/>
+              </a:rPr>
+            </a:br>
+            <a:r>
+              <a:rPr lang="en-US" b="1" dirty="0">
+                <a:latin typeface="Calibri" pitchFamily="34" charset="0"/>
+                <a:cs typeface="Calibri" pitchFamily="34" charset="0"/>
+              </a:rPr>
+              <a:t>Server</a:t>
+            </a:r>
+            <a:endParaRPr lang="en-US" dirty="0">
+              <a:latin typeface="Calibri" pitchFamily="34" charset="0"/>
+              <a:cs typeface="Calibri" pitchFamily="34" charset="0"/>
+            </a:endParaRPr>
+          </a:p>
+        </p:txBody>
+      </p:sp>
+      <p:cxnSp>
+        <p:nvCxnSpPr>
+          <p:cNvPr id="17" name="Elbow Connector 16"/>
+          <p:cNvCxnSpPr>
+            <a:stCxn id="65" idx="1"/>
+            <a:endCxn id="58370" idx="2"/>
+          </p:cNvCxnSpPr>
+          <p:nvPr/>
+        </p:nvCxnSpPr>
+        <p:spPr bwMode="auto">
+          <a:xfrm rot="10800000">
+            <a:off x="2346597" y="1385269"/>
+            <a:ext cx="2398589" cy="995678"/>
+          </a:xfrm>
+          <a:prstGeom prst="bentConnector2">
+            <a:avLst/>
+          </a:prstGeom>
+          <a:solidFill>
+            <a:schemeClr val="accent1"/>
+          </a:solidFill>
+          <a:ln w="28575" cap="flat" cmpd="sng" algn="ctr">
+            <a:solidFill>
+              <a:srgbClr val="002060"/>
+            </a:solidFill>
+            <a:prstDash val="solid"/>
+            <a:round/>
+            <a:headEnd type="none" w="med" len="med"/>
+            <a:tailEnd type="none" w="med" len="med"/>
+          </a:ln>
+          <a:effectLst/>
+        </p:spPr>
+      </p:cxnSp>
+      <p:sp>
+        <p:nvSpPr>
+          <p:cNvPr id="26" name="TextBox 25"/>
+          <p:cNvSpPr txBox="1"/>
+          <p:nvPr/>
+        </p:nvSpPr>
+        <p:spPr>
+          <a:xfrm>
+            <a:off x="6055690" y="6183081"/>
+            <a:ext cx="784189" cy="400110"/>
+          </a:xfrm>
+          <a:prstGeom prst="rect">
+            <a:avLst/>
+          </a:prstGeom>
+          <a:noFill/>
+        </p:spPr>
+        <p:txBody>
+          <a:bodyPr wrap="none" rtlCol="0">
+            <a:spAutoFit/>
+          </a:bodyPr>
+          <a:lstStyle/>
+          <a:p>
+            <a:pPr algn="ctr"/>
+            <a:r>
+              <a:rPr lang="en-US" sz="2000" dirty="0">
+                <a:latin typeface="Calibri" pitchFamily="34" charset="0"/>
+                <a:cs typeface="Calibri" pitchFamily="34" charset="0"/>
+              </a:rPr>
+              <a:t>Cloud</a:t>
+            </a:r>
+          </a:p>
+        </p:txBody>
+      </p:sp>
+      <p:cxnSp>
+        <p:nvCxnSpPr>
+          <p:cNvPr id="28" name="Elbow Connector 27"/>
+          <p:cNvCxnSpPr/>
+          <p:nvPr/>
+        </p:nvCxnSpPr>
+        <p:spPr bwMode="auto">
+          <a:xfrm rot="16200000" flipH="1">
+            <a:off x="5216788" y="4223705"/>
+            <a:ext cx="898020" cy="710694"/>
+          </a:xfrm>
+          <a:prstGeom prst="bentConnector3">
+            <a:avLst>
+              <a:gd name="adj1" fmla="val 50000"/>
+            </a:avLst>
+          </a:prstGeom>
+          <a:solidFill>
+            <a:schemeClr val="accent1"/>
+          </a:solidFill>
+          <a:ln w="28575" cap="flat" cmpd="sng" algn="ctr">
+            <a:solidFill>
+              <a:srgbClr val="002060"/>
+            </a:solidFill>
+            <a:prstDash val="solid"/>
+            <a:round/>
+            <a:headEnd type="none" w="med" len="med"/>
+            <a:tailEnd type="none" w="med" len="med"/>
+          </a:ln>
+          <a:effectLst/>
+        </p:spPr>
+      </p:cxnSp>
+      <p:cxnSp>
+        <p:nvCxnSpPr>
+          <p:cNvPr id="33" name="Elbow Connector 32"/>
+          <p:cNvCxnSpPr/>
+          <p:nvPr/>
+        </p:nvCxnSpPr>
+        <p:spPr bwMode="auto">
+          <a:xfrm rot="16200000" flipV="1">
+            <a:off x="5855084" y="4034228"/>
+            <a:ext cx="452698" cy="1541968"/>
+          </a:xfrm>
+          <a:prstGeom prst="bentConnector2">
+            <a:avLst/>
+          </a:prstGeom>
+          <a:solidFill>
+            <a:schemeClr val="accent1"/>
+          </a:solidFill>
+          <a:ln w="28575" cap="flat" cmpd="sng" algn="ctr">
+            <a:solidFill>
+              <a:srgbClr val="002060"/>
+            </a:solidFill>
+            <a:prstDash val="solid"/>
+            <a:round/>
+            <a:headEnd type="none" w="med" len="med"/>
+            <a:tailEnd type="none" w="med" len="med"/>
+          </a:ln>
+          <a:effectLst/>
+        </p:spPr>
+      </p:cxnSp>
+      <p:sp>
+        <p:nvSpPr>
+          <p:cNvPr id="43" name="Can 42"/>
+          <p:cNvSpPr/>
+          <p:nvPr/>
+        </p:nvSpPr>
+        <p:spPr bwMode="auto">
+          <a:xfrm>
+            <a:off x="5507410" y="596806"/>
+            <a:ext cx="722671" cy="545691"/>
+          </a:xfrm>
+          <a:prstGeom prst="can">
+            <a:avLst/>
+          </a:prstGeom>
+          <a:ln>
+            <a:headEnd type="none" w="med" len="med"/>
+            <a:tailEnd type="none" w="med" len="med"/>
+          </a:ln>
+        </p:spPr>
+        <p:style>
+          <a:lnRef idx="1">
+            <a:schemeClr val="accent1"/>
+          </a:lnRef>
+          <a:fillRef idx="3">
+            <a:schemeClr val="accent1"/>
+          </a:fillRef>
+          <a:effectRef idx="2">
+            <a:schemeClr val="accent1"/>
+          </a:effectRef>
+          <a:fontRef idx="minor">
+            <a:schemeClr val="lt1"/>
+          </a:fontRef>
+        </p:style>
+        <p:txBody>
+          <a:bodyPr vert="horz" wrap="square" lIns="91440" tIns="45720" rIns="91440" bIns="45720" numCol="1" rtlCol="0" anchor="t" anchorCtr="0" compatLnSpc="1">
+            <a:prstTxWarp prst="textNoShape">
+              <a:avLst/>
+            </a:prstTxWarp>
+          </a:bodyPr>
+          <a:lstStyle/>
+          <a:p>
+            <a:pPr algn="r" eaLnBrk="0" fontAlgn="base" hangingPunct="0">
+              <a:spcBef>
+                <a:spcPct val="0"/>
+              </a:spcBef>
+              <a:spcAft>
+                <a:spcPct val="0"/>
+              </a:spcAft>
+            </a:pPr>
+            <a:endParaRPr lang="en-US" sz="2400" dirty="0">
+              <a:solidFill>
+                <a:schemeClr val="tx1"/>
+              </a:solidFill>
+              <a:latin typeface="Calibri" pitchFamily="34" charset="0"/>
+              <a:cs typeface="Calibri" pitchFamily="34" charset="0"/>
+            </a:endParaRPr>
+          </a:p>
+        </p:txBody>
+      </p:sp>
+      <p:cxnSp>
+        <p:nvCxnSpPr>
+          <p:cNvPr id="47" name="Elbow Connector 46"/>
+          <p:cNvCxnSpPr>
+            <a:stCxn id="43" idx="2"/>
+            <a:endCxn id="65" idx="0"/>
+          </p:cNvCxnSpPr>
+          <p:nvPr/>
+        </p:nvCxnSpPr>
+        <p:spPr bwMode="auto">
+          <a:xfrm rot="10800000" flipV="1">
+            <a:off x="5354786" y="869651"/>
+            <a:ext cx="152625" cy="1168395"/>
+          </a:xfrm>
+          <a:prstGeom prst="bentConnector2">
+            <a:avLst/>
+          </a:prstGeom>
+          <a:solidFill>
+            <a:schemeClr val="accent1"/>
+          </a:solidFill>
+          <a:ln w="28575" cap="flat" cmpd="sng" algn="ctr">
+            <a:solidFill>
+              <a:srgbClr val="002060"/>
+            </a:solidFill>
+            <a:prstDash val="solid"/>
+            <a:round/>
+            <a:headEnd type="none" w="med" len="med"/>
+            <a:tailEnd type="none" w="med" len="med"/>
+          </a:ln>
+          <a:effectLst/>
+        </p:spPr>
+      </p:cxnSp>
+      <p:sp>
+        <p:nvSpPr>
+          <p:cNvPr id="50" name="TextBox 49"/>
+          <p:cNvSpPr txBox="1"/>
+          <p:nvPr/>
+        </p:nvSpPr>
+        <p:spPr>
+          <a:xfrm>
+            <a:off x="6366415" y="476361"/>
+            <a:ext cx="1635384" cy="707886"/>
+          </a:xfrm>
+          <a:prstGeom prst="rect">
+            <a:avLst/>
+          </a:prstGeom>
+          <a:noFill/>
+        </p:spPr>
+        <p:txBody>
+          <a:bodyPr wrap="none" rtlCol="0">
+            <a:spAutoFit/>
+          </a:bodyPr>
+          <a:lstStyle/>
+          <a:p>
+            <a:pPr>
+              <a:lnSpc>
+                <a:spcPts val="2400"/>
+              </a:lnSpc>
+            </a:pPr>
+            <a:r>
+              <a:rPr lang="en-US" b="1" dirty="0">
+                <a:latin typeface="Calibri" pitchFamily="34" charset="0"/>
+                <a:cs typeface="Calibri" pitchFamily="34" charset="0"/>
+              </a:rPr>
+              <a:t>Data</a:t>
+            </a:r>
+            <a:r>
+              <a:rPr lang="en-US" dirty="0">
+                <a:latin typeface="Calibri" pitchFamily="34" charset="0"/>
+                <a:cs typeface="Calibri" pitchFamily="34" charset="0"/>
+              </a:rPr>
+              <a:t>:</a:t>
+            </a:r>
+          </a:p>
+          <a:p>
+            <a:pPr>
+              <a:lnSpc>
+                <a:spcPts val="2400"/>
+              </a:lnSpc>
+            </a:pPr>
+            <a:r>
+              <a:rPr lang="en-US" dirty="0">
+                <a:latin typeface="Calibri" pitchFamily="34" charset="0"/>
+                <a:cs typeface="Calibri" pitchFamily="34" charset="0"/>
+              </a:rPr>
+              <a:t>Import pipeline</a:t>
+            </a:r>
+          </a:p>
+        </p:txBody>
+      </p:sp>
+      <p:sp>
+        <p:nvSpPr>
+          <p:cNvPr id="46" name="Can 45"/>
+          <p:cNvSpPr/>
+          <p:nvPr/>
+        </p:nvSpPr>
+        <p:spPr bwMode="auto">
+          <a:xfrm>
+            <a:off x="5659810" y="749206"/>
+            <a:ext cx="722671" cy="545691"/>
+          </a:xfrm>
+          <a:prstGeom prst="can">
+            <a:avLst/>
+          </a:prstGeom>
+          <a:ln>
+            <a:headEnd type="none" w="med" len="med"/>
+            <a:tailEnd type="none" w="med" len="med"/>
+          </a:ln>
+        </p:spPr>
+        <p:style>
+          <a:lnRef idx="1">
+            <a:schemeClr val="accent1"/>
+          </a:lnRef>
+          <a:fillRef idx="3">
+            <a:schemeClr val="accent1"/>
+          </a:fillRef>
+          <a:effectRef idx="2">
+            <a:schemeClr val="accent1"/>
+          </a:effectRef>
+          <a:fontRef idx="minor">
+            <a:schemeClr val="lt1"/>
+          </a:fontRef>
+        </p:style>
+        <p:txBody>
+          <a:bodyPr vert="horz" wrap="square" lIns="91440" tIns="45720" rIns="91440" bIns="45720" numCol="1" rtlCol="0" anchor="t" anchorCtr="0" compatLnSpc="1">
+            <a:prstTxWarp prst="textNoShape">
+              <a:avLst/>
+            </a:prstTxWarp>
+          </a:bodyPr>
+          <a:lstStyle/>
+          <a:p>
+            <a:pPr algn="r" eaLnBrk="0" fontAlgn="base" hangingPunct="0">
+              <a:spcBef>
+                <a:spcPct val="0"/>
+              </a:spcBef>
+              <a:spcAft>
+                <a:spcPct val="0"/>
+              </a:spcAft>
+            </a:pPr>
+            <a:endParaRPr lang="en-US" sz="2400" dirty="0">
+              <a:solidFill>
+                <a:schemeClr val="tx1"/>
+              </a:solidFill>
+              <a:latin typeface="Calibri" pitchFamily="34" charset="0"/>
+              <a:cs typeface="Calibri" pitchFamily="34" charset="0"/>
+            </a:endParaRPr>
+          </a:p>
+        </p:txBody>
+      </p:sp>
+      <p:cxnSp>
+        <p:nvCxnSpPr>
+          <p:cNvPr id="61" name="Shape 60"/>
+          <p:cNvCxnSpPr/>
+          <p:nvPr/>
+        </p:nvCxnSpPr>
+        <p:spPr>
+          <a:xfrm rot="10800000" flipV="1">
+            <a:off x="5931298" y="1248653"/>
+            <a:ext cx="2805059" cy="1132294"/>
+          </a:xfrm>
+          <a:prstGeom prst="bentConnector3">
+            <a:avLst>
+              <a:gd name="adj1" fmla="val 7721"/>
+            </a:avLst>
+          </a:prstGeom>
+          <a:ln w="28575">
+            <a:solidFill>
+              <a:srgbClr val="002060"/>
+            </a:solidFill>
+          </a:ln>
+        </p:spPr>
+        <p:style>
+          <a:lnRef idx="1">
+            <a:schemeClr val="accent1"/>
+          </a:lnRef>
+          <a:fillRef idx="0">
+            <a:schemeClr val="accent1"/>
+          </a:fillRef>
+          <a:effectRef idx="0">
+            <a:schemeClr val="accent1"/>
+          </a:effectRef>
+          <a:fontRef idx="minor">
+            <a:schemeClr val="tx1"/>
+          </a:fontRef>
+        </p:style>
+      </p:cxnSp>
+      <p:sp>
+        <p:nvSpPr>
+          <p:cNvPr id="65" name="Rounded Rectangle 64"/>
+          <p:cNvSpPr/>
+          <p:nvPr/>
+        </p:nvSpPr>
+        <p:spPr>
+          <a:xfrm>
+            <a:off x="4745185" y="2038047"/>
+            <a:ext cx="1219200" cy="685800"/>
+          </a:xfrm>
+          <a:prstGeom prst="roundRect">
+            <a:avLst/>
+          </a:prstGeom>
+          <a:solidFill>
+            <a:schemeClr val="bg2">
+              <a:lumMod val="90000"/>
+            </a:schemeClr>
+          </a:solidFill>
+        </p:spPr>
+        <p:style>
+          <a:lnRef idx="2">
+            <a:schemeClr val="accent1">
+              <a:shade val="50000"/>
+            </a:schemeClr>
+          </a:lnRef>
+          <a:fillRef idx="1">
+            <a:schemeClr val="accent1"/>
+          </a:fillRef>
+          <a:effectRef idx="0">
+            <a:schemeClr val="accent1"/>
+          </a:effectRef>
+          <a:fontRef idx="minor">
+            <a:schemeClr val="lt1"/>
+          </a:fontRef>
+        </p:style>
+        <p:txBody>
+          <a:bodyPr rtlCol="0" anchor="ctr"/>
+          <a:lstStyle/>
+          <a:p>
+            <a:pPr algn="ctr"/>
+            <a:r>
+              <a:rPr lang="en-US" dirty="0">
+                <a:solidFill>
+                  <a:schemeClr val="tx1"/>
+                </a:solidFill>
+              </a:rPr>
+              <a:t>Web</a:t>
+            </a:r>
+            <a:br>
+              <a:rPr lang="en-US" dirty="0">
+                <a:solidFill>
+                  <a:schemeClr val="tx1"/>
+                </a:solidFill>
+              </a:rPr>
+            </a:br>
+            <a:r>
+              <a:rPr lang="en-US" dirty="0">
+                <a:solidFill>
+                  <a:schemeClr val="tx1"/>
+                </a:solidFill>
+              </a:rPr>
+              <a:t>services</a:t>
+            </a:r>
+          </a:p>
+        </p:txBody>
+      </p:sp>
+      <p:cxnSp>
+        <p:nvCxnSpPr>
+          <p:cNvPr id="18" name="Straight Arrow Connector 17"/>
+          <p:cNvCxnSpPr>
+            <a:stCxn id="65" idx="2"/>
+            <a:endCxn id="58372" idx="0"/>
+          </p:cNvCxnSpPr>
+          <p:nvPr/>
+        </p:nvCxnSpPr>
+        <p:spPr>
+          <a:xfrm flipH="1">
+            <a:off x="5352044" y="2723847"/>
+            <a:ext cx="2741" cy="369413"/>
+          </a:xfrm>
+          <a:prstGeom prst="straightConnector1">
+            <a:avLst/>
+          </a:prstGeom>
+          <a:ln w="28575">
+            <a:solidFill>
+              <a:schemeClr val="tx2"/>
+            </a:solidFill>
+            <a:headEnd type="none" w="med" len="med"/>
+            <a:tailEnd type="none" w="med" len="med"/>
+          </a:ln>
+        </p:spPr>
+        <p:style>
+          <a:lnRef idx="1">
+            <a:schemeClr val="accent1"/>
+          </a:lnRef>
+          <a:fillRef idx="0">
+            <a:schemeClr val="accent1"/>
+          </a:fillRef>
+          <a:effectRef idx="0">
+            <a:schemeClr val="accent1"/>
+          </a:effectRef>
+          <a:fontRef idx="minor">
+            <a:schemeClr val="tx1"/>
+          </a:fontRef>
+        </p:style>
+      </p:cxnSp>
+      <p:sp>
+        <p:nvSpPr>
+          <p:cNvPr id="35" name="Title 1"/>
+          <p:cNvSpPr>
+            <a:spLocks noGrp="1"/>
+          </p:cNvSpPr>
+          <p:nvPr>
+            <p:ph type="title"/>
+          </p:nvPr>
+        </p:nvSpPr>
+        <p:spPr>
+          <a:xfrm>
+            <a:off x="94244" y="2546552"/>
+            <a:ext cx="10515600" cy="1325563"/>
+          </a:xfrm>
+        </p:spPr>
+        <p:txBody>
+          <a:bodyPr/>
+          <a:lstStyle/>
+          <a:p>
+            <a:r>
+              <a:rPr lang="en-US" dirty="0"/>
+              <a:t>IEEG Portal</a:t>
+            </a:r>
+          </a:p>
+        </p:txBody>
+      </p:sp>
     </p:spTree>
     <p:extLst>
       <p:ext uri="{BB962C8B-B14F-4D97-AF65-F5344CB8AC3E}">
-        <p14:creationId xmlns:p14="http://schemas.microsoft.com/office/powerpoint/2010/main" val="743834707"/>
+        <p14:creationId xmlns:p14="http://schemas.microsoft.com/office/powerpoint/2010/main" val="2533117713"/>
+      </p:ext>
+    </p:extLst>
+  </p:cSld>
+  <p:clrMapOvr>
+    <a:masterClrMapping/>
+  </p:clrMapOvr>
+</p:sld>
+</file>
+
+<file path=ppt/slides/slide5.xml><?xml version="1.0" encoding="utf-8"?>
+<p:sld xmlns:a="http://schemas.openxmlformats.org/drawingml/2006/main" xmlns:r="http://schemas.openxmlformats.org/officeDocument/2006/relationships" xmlns:p="http://schemas.openxmlformats.org/presentationml/2006/main">
+  <p:cSld>
+    <p:spTree>
+      <p:nvGrpSpPr>
+        <p:cNvPr id="1" name=""/>
+        <p:cNvGrpSpPr/>
+        <p:nvPr/>
+      </p:nvGrpSpPr>
+      <p:grpSpPr>
+        <a:xfrm>
+          <a:off x="0" y="0"/>
+          <a:ext cx="0" cy="0"/>
+          <a:chOff x="0" y="0"/>
+          <a:chExt cx="0" cy="0"/>
+        </a:xfrm>
+      </p:grpSpPr>
+      <p:sp>
+        <p:nvSpPr>
+          <p:cNvPr id="2" name="Title 1"/>
+          <p:cNvSpPr>
+            <a:spLocks noGrp="1"/>
+          </p:cNvSpPr>
+          <p:nvPr>
+            <p:ph type="title"/>
+          </p:nvPr>
+        </p:nvSpPr>
+        <p:spPr/>
+        <p:txBody>
+          <a:bodyPr/>
+          <a:lstStyle/>
+          <a:p>
+            <a:r>
+              <a:rPr lang="en-US" dirty="0"/>
+              <a:t>Machine Learning</a:t>
+            </a:r>
+          </a:p>
+        </p:txBody>
+      </p:sp>
+      <p:sp>
+        <p:nvSpPr>
+          <p:cNvPr id="3" name="Content Placeholder 2"/>
+          <p:cNvSpPr>
+            <a:spLocks noGrp="1"/>
+          </p:cNvSpPr>
+          <p:nvPr>
+            <p:ph idx="1"/>
+          </p:nvPr>
+        </p:nvSpPr>
+        <p:spPr/>
+        <p:txBody>
+          <a:bodyPr/>
+          <a:lstStyle/>
+          <a:p>
+            <a:r>
+              <a:rPr lang="en-US" dirty="0"/>
+              <a:t>Examples -&gt; Features -&gt; Train model -&gt; Test</a:t>
+            </a:r>
+          </a:p>
+        </p:txBody>
+      </p:sp>
+    </p:spTree>
+    <p:extLst>
+      <p:ext uri="{BB962C8B-B14F-4D97-AF65-F5344CB8AC3E}">
+        <p14:creationId xmlns:p14="http://schemas.microsoft.com/office/powerpoint/2010/main" val="2475715168"/>
+      </p:ext>
+    </p:extLst>
+  </p:cSld>
+  <p:clrMapOvr>
+    <a:masterClrMapping/>
+  </p:clrMapOvr>
+</p:sld>
+</file>
+
+<file path=ppt/slides/slide6.xml><?xml version="1.0" encoding="utf-8"?>
+<p:sld xmlns:a="http://schemas.openxmlformats.org/drawingml/2006/main" xmlns:r="http://schemas.openxmlformats.org/officeDocument/2006/relationships" xmlns:p="http://schemas.openxmlformats.org/presentationml/2006/main">
+  <p:cSld>
+    <p:spTree>
+      <p:nvGrpSpPr>
+        <p:cNvPr id="1" name=""/>
+        <p:cNvGrpSpPr/>
+        <p:nvPr/>
+      </p:nvGrpSpPr>
+      <p:grpSpPr>
+        <a:xfrm>
+          <a:off x="0" y="0"/>
+          <a:ext cx="0" cy="0"/>
+          <a:chOff x="0" y="0"/>
+          <a:chExt cx="0" cy="0"/>
+        </a:xfrm>
+      </p:grpSpPr>
+      <p:sp>
+        <p:nvSpPr>
+          <p:cNvPr id="2" name="Title 1"/>
+          <p:cNvSpPr>
+            <a:spLocks noGrp="1"/>
+          </p:cNvSpPr>
+          <p:nvPr>
+            <p:ph type="title"/>
+          </p:nvPr>
+        </p:nvSpPr>
+        <p:spPr/>
+        <p:txBody>
+          <a:bodyPr/>
+          <a:lstStyle/>
+          <a:p>
+            <a:r>
+              <a:rPr lang="en-US" dirty="0"/>
+              <a:t>Seizure Detection on ieeg.org</a:t>
+            </a:r>
+          </a:p>
+        </p:txBody>
+      </p:sp>
+      <p:sp>
+        <p:nvSpPr>
+          <p:cNvPr id="4" name="Rectangle 3"/>
+          <p:cNvSpPr/>
+          <p:nvPr/>
+        </p:nvSpPr>
+        <p:spPr>
+          <a:xfrm>
+            <a:off x="879666" y="2193807"/>
+            <a:ext cx="1544351" cy="1544351"/>
+          </a:xfrm>
+          <a:prstGeom prst="rect">
+            <a:avLst/>
+          </a:prstGeom>
+          <a:noFill/>
+        </p:spPr>
+        <p:style>
+          <a:lnRef idx="2">
+            <a:schemeClr val="accent1">
+              <a:shade val="50000"/>
+            </a:schemeClr>
+          </a:lnRef>
+          <a:fillRef idx="1">
+            <a:schemeClr val="accent1"/>
+          </a:fillRef>
+          <a:effectRef idx="0">
+            <a:schemeClr val="accent1"/>
+          </a:effectRef>
+          <a:fontRef idx="minor">
+            <a:schemeClr val="lt1"/>
+          </a:fontRef>
+        </p:style>
+        <p:txBody>
+          <a:bodyPr rtlCol="0" anchor="ctr"/>
+          <a:lstStyle/>
+          <a:p>
+            <a:pPr algn="ctr"/>
+            <a:r>
+              <a:rPr lang="en-US" dirty="0">
+                <a:solidFill>
+                  <a:schemeClr val="tx1"/>
+                </a:solidFill>
+              </a:rPr>
+              <a:t>EEG</a:t>
+            </a:r>
+          </a:p>
+        </p:txBody>
+      </p:sp>
+      <p:sp>
+        <p:nvSpPr>
+          <p:cNvPr id="5" name="Rectangle 4"/>
+          <p:cNvSpPr/>
+          <p:nvPr/>
+        </p:nvSpPr>
+        <p:spPr>
+          <a:xfrm>
+            <a:off x="3611849" y="2193807"/>
+            <a:ext cx="1544351" cy="1544351"/>
+          </a:xfrm>
+          <a:prstGeom prst="rect">
+            <a:avLst/>
+          </a:prstGeom>
+          <a:noFill/>
+        </p:spPr>
+        <p:style>
+          <a:lnRef idx="2">
+            <a:schemeClr val="accent1">
+              <a:shade val="50000"/>
+            </a:schemeClr>
+          </a:lnRef>
+          <a:fillRef idx="1">
+            <a:schemeClr val="accent1"/>
+          </a:fillRef>
+          <a:effectRef idx="0">
+            <a:schemeClr val="accent1"/>
+          </a:effectRef>
+          <a:fontRef idx="minor">
+            <a:schemeClr val="lt1"/>
+          </a:fontRef>
+        </p:style>
+        <p:txBody>
+          <a:bodyPr rtlCol="0" anchor="ctr"/>
+          <a:lstStyle/>
+          <a:p>
+            <a:pPr algn="ctr"/>
+            <a:r>
+              <a:rPr lang="en-US" dirty="0">
+                <a:solidFill>
+                  <a:schemeClr val="tx1"/>
+                </a:solidFill>
+              </a:rPr>
+              <a:t>Marked Seizures</a:t>
+            </a:r>
+          </a:p>
+        </p:txBody>
+      </p:sp>
+      <p:sp>
+        <p:nvSpPr>
+          <p:cNvPr id="6" name="Rectangle 5"/>
+          <p:cNvSpPr/>
+          <p:nvPr/>
+        </p:nvSpPr>
+        <p:spPr>
+          <a:xfrm>
+            <a:off x="6344032" y="2193807"/>
+            <a:ext cx="1544351" cy="1544351"/>
+          </a:xfrm>
+          <a:prstGeom prst="rect">
+            <a:avLst/>
+          </a:prstGeom>
+          <a:noFill/>
+        </p:spPr>
+        <p:style>
+          <a:lnRef idx="2">
+            <a:schemeClr val="accent1">
+              <a:shade val="50000"/>
+            </a:schemeClr>
+          </a:lnRef>
+          <a:fillRef idx="1">
+            <a:schemeClr val="accent1"/>
+          </a:fillRef>
+          <a:effectRef idx="0">
+            <a:schemeClr val="accent1"/>
+          </a:effectRef>
+          <a:fontRef idx="minor">
+            <a:schemeClr val="lt1"/>
+          </a:fontRef>
+        </p:style>
+        <p:txBody>
+          <a:bodyPr rtlCol="0" anchor="ctr"/>
+          <a:lstStyle/>
+          <a:p>
+            <a:pPr algn="ctr"/>
+            <a:r>
+              <a:rPr lang="en-US" dirty="0">
+                <a:solidFill>
+                  <a:schemeClr val="tx1"/>
+                </a:solidFill>
+              </a:rPr>
+              <a:t>Windows</a:t>
+            </a:r>
+          </a:p>
+        </p:txBody>
+      </p:sp>
+      <p:sp>
+        <p:nvSpPr>
+          <p:cNvPr id="7" name="Rectangle 6"/>
+          <p:cNvSpPr/>
+          <p:nvPr/>
+        </p:nvSpPr>
+        <p:spPr>
+          <a:xfrm>
+            <a:off x="9034749" y="2193807"/>
+            <a:ext cx="1544351" cy="1544351"/>
+          </a:xfrm>
+          <a:prstGeom prst="rect">
+            <a:avLst/>
+          </a:prstGeom>
+          <a:noFill/>
+        </p:spPr>
+        <p:style>
+          <a:lnRef idx="2">
+            <a:schemeClr val="accent1">
+              <a:shade val="50000"/>
+            </a:schemeClr>
+          </a:lnRef>
+          <a:fillRef idx="1">
+            <a:schemeClr val="accent1"/>
+          </a:fillRef>
+          <a:effectRef idx="0">
+            <a:schemeClr val="accent1"/>
+          </a:effectRef>
+          <a:fontRef idx="minor">
+            <a:schemeClr val="lt1"/>
+          </a:fontRef>
+        </p:style>
+        <p:txBody>
+          <a:bodyPr rtlCol="0" anchor="ctr"/>
+          <a:lstStyle/>
+          <a:p>
+            <a:pPr algn="ctr"/>
+            <a:r>
+              <a:rPr lang="en-US" dirty="0">
+                <a:solidFill>
+                  <a:schemeClr val="tx1"/>
+                </a:solidFill>
+              </a:rPr>
+              <a:t>Feature Extraction</a:t>
+            </a:r>
+          </a:p>
+        </p:txBody>
+      </p:sp>
+      <p:sp>
+        <p:nvSpPr>
+          <p:cNvPr id="9" name="Rectangle 8"/>
+          <p:cNvSpPr/>
+          <p:nvPr/>
+        </p:nvSpPr>
+        <p:spPr>
+          <a:xfrm>
+            <a:off x="6317123" y="4042805"/>
+            <a:ext cx="1544351" cy="1544351"/>
+          </a:xfrm>
+          <a:prstGeom prst="rect">
+            <a:avLst/>
+          </a:prstGeom>
+          <a:noFill/>
+        </p:spPr>
+        <p:style>
+          <a:lnRef idx="2">
+            <a:schemeClr val="accent1">
+              <a:shade val="50000"/>
+            </a:schemeClr>
+          </a:lnRef>
+          <a:fillRef idx="1">
+            <a:schemeClr val="accent1"/>
+          </a:fillRef>
+          <a:effectRef idx="0">
+            <a:schemeClr val="accent1"/>
+          </a:effectRef>
+          <a:fontRef idx="minor">
+            <a:schemeClr val="lt1"/>
+          </a:fontRef>
+        </p:style>
+        <p:txBody>
+          <a:bodyPr rtlCol="0" anchor="ctr"/>
+          <a:lstStyle/>
+          <a:p>
+            <a:pPr algn="ctr"/>
+            <a:r>
+              <a:rPr lang="en-US" dirty="0">
+                <a:solidFill>
+                  <a:schemeClr val="tx1"/>
+                </a:solidFill>
+              </a:rPr>
+              <a:t>Classification</a:t>
+            </a:r>
+          </a:p>
+        </p:txBody>
+      </p:sp>
+      <p:sp>
+        <p:nvSpPr>
+          <p:cNvPr id="10" name="Rectangle 9"/>
+          <p:cNvSpPr/>
+          <p:nvPr/>
+        </p:nvSpPr>
+        <p:spPr>
+          <a:xfrm>
+            <a:off x="3584939" y="4042804"/>
+            <a:ext cx="1544351" cy="1544351"/>
+          </a:xfrm>
+          <a:prstGeom prst="rect">
+            <a:avLst/>
+          </a:prstGeom>
+          <a:noFill/>
+        </p:spPr>
+        <p:style>
+          <a:lnRef idx="2">
+            <a:schemeClr val="accent1">
+              <a:shade val="50000"/>
+            </a:schemeClr>
+          </a:lnRef>
+          <a:fillRef idx="1">
+            <a:schemeClr val="accent1"/>
+          </a:fillRef>
+          <a:effectRef idx="0">
+            <a:schemeClr val="accent1"/>
+          </a:effectRef>
+          <a:fontRef idx="minor">
+            <a:schemeClr val="lt1"/>
+          </a:fontRef>
+        </p:style>
+        <p:txBody>
+          <a:bodyPr rtlCol="0" anchor="ctr"/>
+          <a:lstStyle/>
+          <a:p>
+            <a:pPr algn="ctr"/>
+            <a:r>
+              <a:rPr lang="en-US" dirty="0">
+                <a:solidFill>
+                  <a:schemeClr val="tx1"/>
+                </a:solidFill>
+              </a:rPr>
+              <a:t>Post-processing</a:t>
+            </a:r>
+          </a:p>
+        </p:txBody>
+      </p:sp>
+      <p:sp>
+        <p:nvSpPr>
+          <p:cNvPr id="11" name="Rectangle 10"/>
+          <p:cNvSpPr/>
+          <p:nvPr/>
+        </p:nvSpPr>
+        <p:spPr>
+          <a:xfrm>
+            <a:off x="880931" y="4042803"/>
+            <a:ext cx="1544351" cy="1544351"/>
+          </a:xfrm>
+          <a:prstGeom prst="rect">
+            <a:avLst/>
+          </a:prstGeom>
+          <a:noFill/>
+        </p:spPr>
+        <p:style>
+          <a:lnRef idx="2">
+            <a:schemeClr val="accent1">
+              <a:shade val="50000"/>
+            </a:schemeClr>
+          </a:lnRef>
+          <a:fillRef idx="1">
+            <a:schemeClr val="accent1"/>
+          </a:fillRef>
+          <a:effectRef idx="0">
+            <a:schemeClr val="accent1"/>
+          </a:effectRef>
+          <a:fontRef idx="minor">
+            <a:schemeClr val="lt1"/>
+          </a:fontRef>
+        </p:style>
+        <p:txBody>
+          <a:bodyPr rtlCol="0" anchor="ctr"/>
+          <a:lstStyle/>
+          <a:p>
+            <a:pPr algn="ctr"/>
+            <a:r>
+              <a:rPr lang="en-US" dirty="0">
+                <a:solidFill>
+                  <a:schemeClr val="tx1"/>
+                </a:solidFill>
+              </a:rPr>
+              <a:t>Validation</a:t>
+            </a:r>
+          </a:p>
+        </p:txBody>
+      </p:sp>
+    </p:spTree>
+    <p:extLst>
+      <p:ext uri="{BB962C8B-B14F-4D97-AF65-F5344CB8AC3E}">
+        <p14:creationId xmlns:p14="http://schemas.microsoft.com/office/powerpoint/2010/main" val="4248946964"/>
+      </p:ext>
+    </p:extLst>
+  </p:cSld>
+  <p:clrMapOvr>
+    <a:masterClrMapping/>
+  </p:clrMapOvr>
+</p:sld>
+</file>
+
+<file path=ppt/slides/slide7.xml><?xml version="1.0" encoding="utf-8"?>
+<p:sld xmlns:a="http://schemas.openxmlformats.org/drawingml/2006/main" xmlns:r="http://schemas.openxmlformats.org/officeDocument/2006/relationships" xmlns:p="http://schemas.openxmlformats.org/presentationml/2006/main">
+  <p:cSld>
+    <p:spTree>
+      <p:nvGrpSpPr>
+        <p:cNvPr id="1" name=""/>
+        <p:cNvGrpSpPr/>
+        <p:nvPr/>
+      </p:nvGrpSpPr>
+      <p:grpSpPr>
+        <a:xfrm>
+          <a:off x="0" y="0"/>
+          <a:ext cx="0" cy="0"/>
+          <a:chOff x="0" y="0"/>
+          <a:chExt cx="0" cy="0"/>
+        </a:xfrm>
+      </p:grpSpPr>
+      <p:sp>
+        <p:nvSpPr>
+          <p:cNvPr id="2" name="Title 1"/>
+          <p:cNvSpPr>
+            <a:spLocks noGrp="1"/>
+          </p:cNvSpPr>
+          <p:nvPr>
+            <p:ph type="title"/>
+          </p:nvPr>
+        </p:nvSpPr>
+        <p:spPr/>
+        <p:txBody>
+          <a:bodyPr/>
+          <a:lstStyle/>
+          <a:p>
+            <a:r>
+              <a:rPr lang="en-US" dirty="0"/>
+              <a:t>Seizure Detection	</a:t>
+            </a:r>
+          </a:p>
+        </p:txBody>
+      </p:sp>
+      <p:sp>
+        <p:nvSpPr>
+          <p:cNvPr id="3" name="Content Placeholder 2"/>
+          <p:cNvSpPr>
+            <a:spLocks noGrp="1"/>
+          </p:cNvSpPr>
+          <p:nvPr>
+            <p:ph idx="1"/>
+          </p:nvPr>
+        </p:nvSpPr>
+        <p:spPr/>
+        <p:txBody>
+          <a:bodyPr/>
+          <a:lstStyle/>
+          <a:p>
+            <a:r>
+              <a:rPr lang="en-US" dirty="0"/>
+              <a:t>Open IEEG Session</a:t>
+            </a:r>
+          </a:p>
+          <a:p>
+            <a:r>
+              <a:rPr lang="en-US" dirty="0"/>
+              <a:t>For each window in training set, extract features and labels</a:t>
+            </a:r>
+          </a:p>
+          <a:p>
+            <a:r>
+              <a:rPr lang="en-US" dirty="0"/>
+              <a:t>Train model</a:t>
+            </a:r>
+          </a:p>
+          <a:p>
+            <a:r>
+              <a:rPr lang="en-US" dirty="0"/>
+              <a:t>For each window in testing set, extract features and labels</a:t>
+            </a:r>
+          </a:p>
+          <a:p>
+            <a:r>
+              <a:rPr lang="en-US" dirty="0"/>
+              <a:t>Test model</a:t>
+            </a:r>
+          </a:p>
+          <a:p>
+            <a:r>
+              <a:rPr lang="en-US" dirty="0"/>
+              <a:t>Upload predictions to ieeg.org</a:t>
+            </a:r>
+          </a:p>
+        </p:txBody>
+      </p:sp>
+    </p:spTree>
+    <p:extLst>
+      <p:ext uri="{BB962C8B-B14F-4D97-AF65-F5344CB8AC3E}">
+        <p14:creationId xmlns:p14="http://schemas.microsoft.com/office/powerpoint/2010/main" val="171105089"/>
       </p:ext>
     </p:extLst>
   </p:cSld>
@@ -3479,4 +5411,299 @@
     </a:ext>
   </a:extLst>
 </a:theme>
+</file>
+
+<file path=ppt/theme/theme2.xml><?xml version="1.0" encoding="utf-8"?>
+<a:theme xmlns:a="http://schemas.openxmlformats.org/drawingml/2006/main" name="Office Theme">
+  <a:themeElements>
+    <a:clrScheme name="Office">
+      <a:dk1>
+        <a:sysClr val="windowText" lastClr="000000"/>
+      </a:dk1>
+      <a:lt1>
+        <a:sysClr val="window" lastClr="FFFFFF"/>
+      </a:lt1>
+      <a:dk2>
+        <a:srgbClr val="44546A"/>
+      </a:dk2>
+      <a:lt2>
+        <a:srgbClr val="E7E6E6"/>
+      </a:lt2>
+      <a:accent1>
+        <a:srgbClr val="5B9BD5"/>
+      </a:accent1>
+      <a:accent2>
+        <a:srgbClr val="ED7D31"/>
+      </a:accent2>
+      <a:accent3>
+        <a:srgbClr val="A5A5A5"/>
+      </a:accent3>
+      <a:accent4>
+        <a:srgbClr val="FFC000"/>
+      </a:accent4>
+      <a:accent5>
+        <a:srgbClr val="4472C4"/>
+      </a:accent5>
+      <a:accent6>
+        <a:srgbClr val="70AD47"/>
+      </a:accent6>
+      <a:hlink>
+        <a:srgbClr val="0563C1"/>
+      </a:hlink>
+      <a:folHlink>
+        <a:srgbClr val="954F72"/>
+      </a:folHlink>
+    </a:clrScheme>
+    <a:fontScheme name="Office">
+      <a:majorFont>
+        <a:latin typeface="Calibri Light" panose="020F0302020204030204"/>
+        <a:ea typeface=""/>
+        <a:cs typeface=""/>
+        <a:font script="Jpan" typeface="游ゴシック Light"/>
+        <a:font script="Hang" typeface="맑은 고딕"/>
+        <a:font script="Hans" typeface="等线 Light"/>
+        <a:font script="Hant" typeface="新細明體"/>
+        <a:font script="Arab" typeface="Times New Roman"/>
+        <a:font script="Hebr" typeface="Times New Roman"/>
+        <a:font script="Thai" typeface="Angsana New"/>
+        <a:font script="Ethi" typeface="Nyala"/>
+        <a:font script="Beng" typeface="Vrinda"/>
+        <a:font script="Gujr" typeface="Shruti"/>
+        <a:font script="Khmr" typeface="MoolBoran"/>
+        <a:font script="Knda" typeface="Tunga"/>
+        <a:font script="Guru" typeface="Raavi"/>
+        <a:font script="Cans" typeface="Euphemia"/>
+        <a:font script="Cher" typeface="Plantagenet Cherokee"/>
+        <a:font script="Yiii" typeface="Microsoft Yi Baiti"/>
+        <a:font script="Tibt" typeface="Microsoft Himalaya"/>
+        <a:font script="Thaa" typeface="MV Boli"/>
+        <a:font script="Deva" typeface="Mangal"/>
+        <a:font script="Telu" typeface="Gautami"/>
+        <a:font script="Taml" typeface="Latha"/>
+        <a:font script="Syrc" typeface="Estrangelo Edessa"/>
+        <a:font script="Orya" typeface="Kalinga"/>
+        <a:font script="Mlym" typeface="Kartika"/>
+        <a:font script="Laoo" typeface="DokChampa"/>
+        <a:font script="Sinh" typeface="Iskoola Pota"/>
+        <a:font script="Mong" typeface="Mongolian Baiti"/>
+        <a:font script="Viet" typeface="Times New Roman"/>
+        <a:font script="Uigh" typeface="Microsoft Uighur"/>
+        <a:font script="Geor" typeface="Sylfaen"/>
+        <a:font script="Armn" typeface="Arial"/>
+        <a:font script="Bugi" typeface="Leelawadee UI"/>
+        <a:font script="Bopo" typeface="Microsoft JhengHei"/>
+        <a:font script="Java" typeface="Javanese Text"/>
+        <a:font script="Lisu" typeface="Segoe UI"/>
+        <a:font script="Mymr" typeface="Myanmar Text"/>
+        <a:font script="Nkoo" typeface="Ebrima"/>
+        <a:font script="Olck" typeface="Nirmala UI"/>
+        <a:font script="Osma" typeface="Ebrima"/>
+        <a:font script="Phag" typeface="Phagspa"/>
+        <a:font script="Syrn" typeface="Estrangelo Edessa"/>
+        <a:font script="Syrj" typeface="Estrangelo Edessa"/>
+        <a:font script="Syre" typeface="Estrangelo Edessa"/>
+        <a:font script="Sora" typeface="Nirmala UI"/>
+        <a:font script="Tale" typeface="Microsoft Tai Le"/>
+        <a:font script="Talu" typeface="Microsoft New Tai Lue"/>
+        <a:font script="Tfng" typeface="Ebrima"/>
+      </a:majorFont>
+      <a:minorFont>
+        <a:latin typeface="Calibri" panose="020F0502020204030204"/>
+        <a:ea typeface=""/>
+        <a:cs typeface=""/>
+        <a:font script="Jpan" typeface="游ゴシック"/>
+        <a:font script="Hang" typeface="맑은 고딕"/>
+        <a:font script="Hans" typeface="等线"/>
+        <a:font script="Hant" typeface="新細明體"/>
+        <a:font script="Arab" typeface="Arial"/>
+        <a:font script="Hebr" typeface="Arial"/>
+        <a:font script="Thai" typeface="Cordia New"/>
+        <a:font script="Ethi" typeface="Nyala"/>
+        <a:font script="Beng" typeface="Vrinda"/>
+        <a:font script="Gujr" typeface="Shruti"/>
+        <a:font script="Khmr" typeface="DaunPenh"/>
+        <a:font script="Knda" typeface="Tunga"/>
+        <a:font script="Guru" typeface="Raavi"/>
+        <a:font script="Cans" typeface="Euphemia"/>
+        <a:font script="Cher" typeface="Plantagenet Cherokee"/>
+        <a:font script="Yiii" typeface="Microsoft Yi Baiti"/>
+        <a:font script="Tibt" typeface="Microsoft Himalaya"/>
+        <a:font script="Thaa" typeface="MV Boli"/>
+        <a:font script="Deva" typeface="Mangal"/>
+        <a:font script="Telu" typeface="Gautami"/>
+        <a:font script="Taml" typeface="Latha"/>
+        <a:font script="Syrc" typeface="Estrangelo Edessa"/>
+        <a:font script="Orya" typeface="Kalinga"/>
+        <a:font script="Mlym" typeface="Kartika"/>
+        <a:font script="Laoo" typeface="DokChampa"/>
+        <a:font script="Sinh" typeface="Iskoola Pota"/>
+        <a:font script="Mong" typeface="Mongolian Baiti"/>
+        <a:font script="Viet" typeface="Arial"/>
+        <a:font script="Uigh" typeface="Microsoft Uighur"/>
+        <a:font script="Geor" typeface="Sylfaen"/>
+        <a:font script="Armn" typeface="Arial"/>
+        <a:font script="Bugi" typeface="Leelawadee UI"/>
+        <a:font script="Bopo" typeface="Microsoft JhengHei"/>
+        <a:font script="Java" typeface="Javanese Text"/>
+        <a:font script="Lisu" typeface="Segoe UI"/>
+        <a:font script="Mymr" typeface="Myanmar Text"/>
+        <a:font script="Nkoo" typeface="Ebrima"/>
+        <a:font script="Olck" typeface="Nirmala UI"/>
+        <a:font script="Osma" typeface="Ebrima"/>
+        <a:font script="Phag" typeface="Phagspa"/>
+        <a:font script="Syrn" typeface="Estrangelo Edessa"/>
+        <a:font script="Syrj" typeface="Estrangelo Edessa"/>
+        <a:font script="Syre" typeface="Estrangelo Edessa"/>
+        <a:font script="Sora" typeface="Nirmala UI"/>
+        <a:font script="Tale" typeface="Microsoft Tai Le"/>
+        <a:font script="Talu" typeface="Microsoft New Tai Lue"/>
+        <a:font script="Tfng" typeface="Ebrima"/>
+      </a:minorFont>
+    </a:fontScheme>
+    <a:fmtScheme name="Office">
+      <a:fillStyleLst>
+        <a:solidFill>
+          <a:schemeClr val="phClr"/>
+        </a:solidFill>
+        <a:gradFill rotWithShape="1">
+          <a:gsLst>
+            <a:gs pos="0">
+              <a:schemeClr val="phClr">
+                <a:lumMod val="110000"/>
+                <a:satMod val="105000"/>
+                <a:tint val="67000"/>
+              </a:schemeClr>
+            </a:gs>
+            <a:gs pos="50000">
+              <a:schemeClr val="phClr">
+                <a:lumMod val="105000"/>
+                <a:satMod val="103000"/>
+                <a:tint val="73000"/>
+              </a:schemeClr>
+            </a:gs>
+            <a:gs pos="100000">
+              <a:schemeClr val="phClr">
+                <a:lumMod val="105000"/>
+                <a:satMod val="109000"/>
+                <a:tint val="81000"/>
+              </a:schemeClr>
+            </a:gs>
+          </a:gsLst>
+          <a:lin ang="5400000" scaled="0"/>
+        </a:gradFill>
+        <a:gradFill rotWithShape="1">
+          <a:gsLst>
+            <a:gs pos="0">
+              <a:schemeClr val="phClr">
+                <a:satMod val="103000"/>
+                <a:lumMod val="102000"/>
+                <a:tint val="94000"/>
+              </a:schemeClr>
+            </a:gs>
+            <a:gs pos="50000">
+              <a:schemeClr val="phClr">
+                <a:satMod val="110000"/>
+                <a:lumMod val="100000"/>
+                <a:shade val="100000"/>
+              </a:schemeClr>
+            </a:gs>
+            <a:gs pos="100000">
+              <a:schemeClr val="phClr">
+                <a:lumMod val="99000"/>
+                <a:satMod val="120000"/>
+                <a:shade val="78000"/>
+              </a:schemeClr>
+            </a:gs>
+          </a:gsLst>
+          <a:lin ang="5400000" scaled="0"/>
+        </a:gradFill>
+      </a:fillStyleLst>
+      <a:lnStyleLst>
+        <a:ln w="6350" cap="flat" cmpd="sng" algn="ctr">
+          <a:solidFill>
+            <a:schemeClr val="phClr"/>
+          </a:solidFill>
+          <a:prstDash val="solid"/>
+          <a:miter lim="800000"/>
+        </a:ln>
+        <a:ln w="12700" cap="flat" cmpd="sng" algn="ctr">
+          <a:solidFill>
+            <a:schemeClr val="phClr"/>
+          </a:solidFill>
+          <a:prstDash val="solid"/>
+          <a:miter lim="800000"/>
+        </a:ln>
+        <a:ln w="19050" cap="flat" cmpd="sng" algn="ctr">
+          <a:solidFill>
+            <a:schemeClr val="phClr"/>
+          </a:solidFill>
+          <a:prstDash val="solid"/>
+          <a:miter lim="800000"/>
+        </a:ln>
+      </a:lnStyleLst>
+      <a:effectStyleLst>
+        <a:effectStyle>
+          <a:effectLst/>
+        </a:effectStyle>
+        <a:effectStyle>
+          <a:effectLst/>
+        </a:effectStyle>
+        <a:effectStyle>
+          <a:effectLst>
+            <a:outerShdw blurRad="57150" dist="19050" dir="5400000" algn="ctr" rotWithShape="0">
+              <a:srgbClr val="000000">
+                <a:alpha val="63000"/>
+              </a:srgbClr>
+            </a:outerShdw>
+          </a:effectLst>
+        </a:effectStyle>
+      </a:effectStyleLst>
+      <a:bgFillStyleLst>
+        <a:solidFill>
+          <a:schemeClr val="phClr"/>
+        </a:solidFill>
+        <a:solidFill>
+          <a:schemeClr val="phClr">
+            <a:tint val="95000"/>
+            <a:satMod val="170000"/>
+          </a:schemeClr>
+        </a:solidFill>
+        <a:gradFill rotWithShape="1">
+          <a:gsLst>
+            <a:gs pos="0">
+              <a:schemeClr val="phClr">
+                <a:tint val="93000"/>
+                <a:satMod val="150000"/>
+                <a:shade val="98000"/>
+                <a:lumMod val="102000"/>
+              </a:schemeClr>
+            </a:gs>
+            <a:gs pos="50000">
+              <a:schemeClr val="phClr">
+                <a:tint val="98000"/>
+                <a:satMod val="130000"/>
+                <a:shade val="90000"/>
+                <a:lumMod val="103000"/>
+              </a:schemeClr>
+            </a:gs>
+            <a:gs pos="100000">
+              <a:schemeClr val="phClr">
+                <a:shade val="63000"/>
+                <a:satMod val="120000"/>
+              </a:schemeClr>
+            </a:gs>
+          </a:gsLst>
+          <a:lin ang="5400000" scaled="0"/>
+        </a:gradFill>
+      </a:bgFillStyleLst>
+    </a:fmtScheme>
+  </a:themeElements>
+  <a:objectDefaults/>
+  <a:extraClrSchemeLst/>
+  <a:extLst>
+    <a:ext uri="{05A4C25C-085E-4340-85A3-A5531E510DB2}">
+      <thm15:themeFamily xmlns:thm15="http://schemas.microsoft.com/office/thememl/2012/main" name="Office Theme" id="{62F939B6-93AF-4DB8-9C6B-D6C7DFDC589F}" vid="{4A3C46E8-61CC-4603-A589-7422A47A8E4A}"/>
+    </a:ext>
+  </a:extLst>
+</a:theme>
 </file>
--- a/Introduction.pptx
+++ b/Introduction.pptx
@@ -5,16 +5,19 @@
     <p:sldMasterId id="2147483648" r:id="rId1"/>
   </p:sldMasterIdLst>
   <p:notesMasterIdLst>
-    <p:notesMasterId r:id="rId9"/>
+    <p:notesMasterId r:id="rId12"/>
   </p:notesMasterIdLst>
   <p:sldIdLst>
     <p:sldId id="256" r:id="rId2"/>
     <p:sldId id="262" r:id="rId3"/>
     <p:sldId id="266" r:id="rId4"/>
     <p:sldId id="260" r:id="rId5"/>
-    <p:sldId id="265" r:id="rId6"/>
+    <p:sldId id="267" r:id="rId6"/>
     <p:sldId id="264" r:id="rId7"/>
-    <p:sldId id="263" r:id="rId8"/>
+    <p:sldId id="269" r:id="rId8"/>
+    <p:sldId id="270" r:id="rId9"/>
+    <p:sldId id="268" r:id="rId10"/>
+    <p:sldId id="263" r:id="rId11"/>
   </p:sldIdLst>
   <p:sldSz cx="12192000" cy="6858000"/>
   <p:notesSz cx="6858000" cy="9144000"/>
@@ -115,10 +118,4024 @@
   </p:defaultTextStyle>
   <p:extLst>
     <p:ext uri="{EFAFB233-063F-42B5-8137-9DF3F51BA10A}">
-      <p15:sldGuideLst xmlns:p15="http://schemas.microsoft.com/office/powerpoint/2012/main"/>
+      <p15:sldGuideLst xmlns:p15="http://schemas.microsoft.com/office/powerpoint/2012/main" xmlns=""/>
     </p:ext>
   </p:extLst>
 </p:presentation>
+</file>
+
+<file path=ppt/diagrams/colors1.xml><?xml version="1.0" encoding="utf-8"?>
+<dgm:colorsDef xmlns:dgm="http://schemas.openxmlformats.org/drawingml/2006/diagram" xmlns:a="http://schemas.openxmlformats.org/drawingml/2006/main" uniqueId="urn:microsoft.com/office/officeart/2005/8/colors/colorful5">
+  <dgm:title val=""/>
+  <dgm:desc val=""/>
+  <dgm:catLst>
+    <dgm:cat type="colorful" pri="10500"/>
+  </dgm:catLst>
+  <dgm:styleLbl name="node0">
+    <dgm:fillClrLst meth="repeat">
+      <a:schemeClr val="accent4"/>
+    </dgm:fillClrLst>
+    <dgm:linClrLst meth="repeat">
+      <a:schemeClr val="lt1"/>
+    </dgm:linClrLst>
+    <dgm:effectClrLst/>
+    <dgm:txLinClrLst/>
+    <dgm:txFillClrLst/>
+    <dgm:txEffectClrLst/>
+  </dgm:styleLbl>
+  <dgm:styleLbl name="node1">
+    <dgm:fillClrLst>
+      <a:schemeClr val="accent5"/>
+      <a:schemeClr val="accent6"/>
+    </dgm:fillClrLst>
+    <dgm:linClrLst meth="repeat">
+      <a:schemeClr val="lt1"/>
+    </dgm:linClrLst>
+    <dgm:effectClrLst/>
+    <dgm:txLinClrLst/>
+    <dgm:txFillClrLst/>
+    <dgm:txEffectClrLst/>
+  </dgm:styleLbl>
+  <dgm:styleLbl name="alignNode1">
+    <dgm:fillClrLst>
+      <a:schemeClr val="accent5"/>
+      <a:schemeClr val="accent6"/>
+    </dgm:fillClrLst>
+    <dgm:linClrLst>
+      <a:schemeClr val="accent5"/>
+      <a:schemeClr val="accent6"/>
+    </dgm:linClrLst>
+    <dgm:effectClrLst/>
+    <dgm:txLinClrLst/>
+    <dgm:txFillClrLst/>
+    <dgm:txEffectClrLst/>
+  </dgm:styleLbl>
+  <dgm:styleLbl name="lnNode1">
+    <dgm:fillClrLst>
+      <a:schemeClr val="accent5"/>
+      <a:schemeClr val="accent6"/>
+    </dgm:fillClrLst>
+    <dgm:linClrLst meth="repeat">
+      <a:schemeClr val="lt1"/>
+    </dgm:linClrLst>
+    <dgm:effectClrLst/>
+    <dgm:txLinClrLst/>
+    <dgm:txFillClrLst/>
+    <dgm:txEffectClrLst/>
+  </dgm:styleLbl>
+  <dgm:styleLbl name="vennNode1">
+    <dgm:fillClrLst>
+      <a:schemeClr val="accent5">
+        <a:alpha val="50000"/>
+      </a:schemeClr>
+      <a:schemeClr val="accent6">
+        <a:alpha val="50000"/>
+      </a:schemeClr>
+    </dgm:fillClrLst>
+    <dgm:linClrLst meth="repeat">
+      <a:schemeClr val="lt1"/>
+    </dgm:linClrLst>
+    <dgm:effectClrLst/>
+    <dgm:txLinClrLst/>
+    <dgm:txFillClrLst/>
+    <dgm:txEffectClrLst/>
+  </dgm:styleLbl>
+  <dgm:styleLbl name="node2">
+    <dgm:fillClrLst>
+      <a:schemeClr val="accent6"/>
+    </dgm:fillClrLst>
+    <dgm:linClrLst meth="repeat">
+      <a:schemeClr val="lt1"/>
+    </dgm:linClrLst>
+    <dgm:effectClrLst/>
+    <dgm:txLinClrLst/>
+    <dgm:txFillClrLst/>
+    <dgm:txEffectClrLst/>
+  </dgm:styleLbl>
+  <dgm:styleLbl name="node3">
+    <dgm:fillClrLst>
+      <a:schemeClr val="accent1"/>
+    </dgm:fillClrLst>
+    <dgm:linClrLst meth="repeat">
+      <a:schemeClr val="lt1"/>
+    </dgm:linClrLst>
+    <dgm:effectClrLst/>
+    <dgm:txLinClrLst/>
+    <dgm:txFillClrLst/>
+    <dgm:txEffectClrLst/>
+  </dgm:styleLbl>
+  <dgm:styleLbl name="node4">
+    <dgm:fillClrLst>
+      <a:schemeClr val="accent2"/>
+    </dgm:fillClrLst>
+    <dgm:linClrLst meth="repeat">
+      <a:schemeClr val="lt1"/>
+    </dgm:linClrLst>
+    <dgm:effectClrLst/>
+    <dgm:txLinClrLst/>
+    <dgm:txFillClrLst/>
+    <dgm:txEffectClrLst/>
+  </dgm:styleLbl>
+  <dgm:styleLbl name="fgImgPlace1">
+    <dgm:fillClrLst>
+      <a:schemeClr val="accent5">
+        <a:tint val="50000"/>
+      </a:schemeClr>
+      <a:schemeClr val="accent6">
+        <a:tint val="50000"/>
+      </a:schemeClr>
+    </dgm:fillClrLst>
+    <dgm:linClrLst meth="repeat">
+      <a:schemeClr val="lt1"/>
+    </dgm:linClrLst>
+    <dgm:effectClrLst/>
+    <dgm:txLinClrLst/>
+    <dgm:txFillClrLst meth="repeat">
+      <a:schemeClr val="lt1"/>
+    </dgm:txFillClrLst>
+    <dgm:txEffectClrLst/>
+  </dgm:styleLbl>
+  <dgm:styleLbl name="alignImgPlace1">
+    <dgm:fillClrLst>
+      <a:schemeClr val="accent5">
+        <a:tint val="50000"/>
+      </a:schemeClr>
+      <a:schemeClr val="accent6">
+        <a:tint val="20000"/>
+      </a:schemeClr>
+    </dgm:fillClrLst>
+    <dgm:linClrLst meth="repeat">
+      <a:schemeClr val="lt1"/>
+    </dgm:linClrLst>
+    <dgm:effectClrLst/>
+    <dgm:txLinClrLst/>
+    <dgm:txFillClrLst meth="repeat">
+      <a:schemeClr val="lt1"/>
+    </dgm:txFillClrLst>
+    <dgm:txEffectClrLst/>
+  </dgm:styleLbl>
+  <dgm:styleLbl name="bgImgPlace1">
+    <dgm:fillClrLst>
+      <a:schemeClr val="accent5">
+        <a:tint val="50000"/>
+      </a:schemeClr>
+      <a:schemeClr val="accent6">
+        <a:tint val="20000"/>
+      </a:schemeClr>
+    </dgm:fillClrLst>
+    <dgm:linClrLst meth="repeat">
+      <a:schemeClr val="lt1"/>
+    </dgm:linClrLst>
+    <dgm:effectClrLst/>
+    <dgm:txLinClrLst/>
+    <dgm:txFillClrLst meth="repeat">
+      <a:schemeClr val="lt1"/>
+    </dgm:txFillClrLst>
+    <dgm:txEffectClrLst/>
+  </dgm:styleLbl>
+  <dgm:styleLbl name="sibTrans2D1">
+    <dgm:fillClrLst>
+      <a:schemeClr val="accent5"/>
+      <a:schemeClr val="accent6"/>
+    </dgm:fillClrLst>
+    <dgm:linClrLst meth="repeat">
+      <a:schemeClr val="lt1"/>
+    </dgm:linClrLst>
+    <dgm:effectClrLst/>
+    <dgm:txLinClrLst/>
+    <dgm:txFillClrLst/>
+    <dgm:txEffectClrLst/>
+  </dgm:styleLbl>
+  <dgm:styleLbl name="fgSibTrans2D1">
+    <dgm:fillClrLst>
+      <a:schemeClr val="accent5"/>
+      <a:schemeClr val="accent6"/>
+    </dgm:fillClrLst>
+    <dgm:linClrLst meth="repeat">
+      <a:schemeClr val="lt1"/>
+    </dgm:linClrLst>
+    <dgm:effectClrLst/>
+    <dgm:txLinClrLst/>
+    <dgm:txFillClrLst meth="repeat">
+      <a:schemeClr val="lt1"/>
+    </dgm:txFillClrLst>
+    <dgm:txEffectClrLst/>
+  </dgm:styleLbl>
+  <dgm:styleLbl name="bgSibTrans2D1">
+    <dgm:fillClrLst>
+      <a:schemeClr val="accent5"/>
+      <a:schemeClr val="accent6"/>
+    </dgm:fillClrLst>
+    <dgm:linClrLst meth="repeat">
+      <a:schemeClr val="lt1"/>
+    </dgm:linClrLst>
+    <dgm:effectClrLst/>
+    <dgm:txLinClrLst/>
+    <dgm:txFillClrLst meth="repeat">
+      <a:schemeClr val="lt1"/>
+    </dgm:txFillClrLst>
+    <dgm:txEffectClrLst/>
+  </dgm:styleLbl>
+  <dgm:styleLbl name="sibTrans1D1">
+    <dgm:fillClrLst/>
+    <dgm:linClrLst>
+      <a:schemeClr val="accent5"/>
+      <a:schemeClr val="accent6"/>
+    </dgm:linClrLst>
+    <dgm:effectClrLst/>
+    <dgm:txLinClrLst/>
+    <dgm:txFillClrLst meth="repeat">
+      <a:schemeClr val="tx1"/>
+    </dgm:txFillClrLst>
+    <dgm:txEffectClrLst/>
+  </dgm:styleLbl>
+  <dgm:styleLbl name="callout">
+    <dgm:fillClrLst meth="repeat">
+      <a:schemeClr val="accent5"/>
+    </dgm:fillClrLst>
+    <dgm:linClrLst meth="repeat">
+      <a:schemeClr val="accent5">
+        <a:tint val="50000"/>
+      </a:schemeClr>
+    </dgm:linClrLst>
+    <dgm:effectClrLst/>
+    <dgm:txLinClrLst/>
+    <dgm:txFillClrLst meth="repeat">
+      <a:schemeClr val="tx1"/>
+    </dgm:txFillClrLst>
+    <dgm:txEffectClrLst/>
+  </dgm:styleLbl>
+  <dgm:styleLbl name="asst0">
+    <dgm:fillClrLst meth="repeat">
+      <a:schemeClr val="accent5"/>
+    </dgm:fillClrLst>
+    <dgm:linClrLst meth="repeat">
+      <a:schemeClr val="lt1">
+        <a:shade val="80000"/>
+      </a:schemeClr>
+    </dgm:linClrLst>
+    <dgm:effectClrLst/>
+    <dgm:txLinClrLst/>
+    <dgm:txFillClrLst/>
+    <dgm:txEffectClrLst/>
+  </dgm:styleLbl>
+  <dgm:styleLbl name="asst1">
+    <dgm:fillClrLst meth="repeat">
+      <a:schemeClr val="accent6"/>
+    </dgm:fillClrLst>
+    <dgm:linClrLst meth="repeat">
+      <a:schemeClr val="lt1">
+        <a:shade val="80000"/>
+      </a:schemeClr>
+    </dgm:linClrLst>
+    <dgm:effectClrLst/>
+    <dgm:txLinClrLst/>
+    <dgm:txFillClrLst/>
+    <dgm:txEffectClrLst/>
+  </dgm:styleLbl>
+  <dgm:styleLbl name="asst2">
+    <dgm:fillClrLst>
+      <a:schemeClr val="accent1"/>
+    </dgm:fillClrLst>
+    <dgm:linClrLst meth="repeat">
+      <a:schemeClr val="lt1"/>
+    </dgm:linClrLst>
+    <dgm:effectClrLst/>
+    <dgm:txLinClrLst/>
+    <dgm:txFillClrLst/>
+    <dgm:txEffectClrLst/>
+  </dgm:styleLbl>
+  <dgm:styleLbl name="asst3">
+    <dgm:fillClrLst>
+      <a:schemeClr val="accent2"/>
+    </dgm:fillClrLst>
+    <dgm:linClrLst meth="repeat">
+      <a:schemeClr val="lt1"/>
+    </dgm:linClrLst>
+    <dgm:effectClrLst/>
+    <dgm:txLinClrLst/>
+    <dgm:txFillClrLst/>
+    <dgm:txEffectClrLst/>
+  </dgm:styleLbl>
+  <dgm:styleLbl name="asst4">
+    <dgm:fillClrLst>
+      <a:schemeClr val="accent3"/>
+    </dgm:fillClrLst>
+    <dgm:linClrLst meth="repeat">
+      <a:schemeClr val="lt1"/>
+    </dgm:linClrLst>
+    <dgm:effectClrLst/>
+    <dgm:txLinClrLst/>
+    <dgm:txFillClrLst/>
+    <dgm:txEffectClrLst/>
+  </dgm:styleLbl>
+  <dgm:styleLbl name="parChTrans2D1">
+    <dgm:fillClrLst meth="repeat">
+      <a:schemeClr val="accent5"/>
+    </dgm:fillClrLst>
+    <dgm:linClrLst meth="repeat">
+      <a:schemeClr val="lt1"/>
+    </dgm:linClrLst>
+    <dgm:effectClrLst/>
+    <dgm:txLinClrLst/>
+    <dgm:txFillClrLst meth="repeat">
+      <a:schemeClr val="lt1"/>
+    </dgm:txFillClrLst>
+    <dgm:txEffectClrLst/>
+  </dgm:styleLbl>
+  <dgm:styleLbl name="parChTrans2D2">
+    <dgm:fillClrLst meth="repeat">
+      <a:schemeClr val="accent6"/>
+    </dgm:fillClrLst>
+    <dgm:linClrLst meth="repeat">
+      <a:schemeClr val="lt1"/>
+    </dgm:linClrLst>
+    <dgm:effectClrLst/>
+    <dgm:txLinClrLst/>
+    <dgm:txFillClrLst/>
+    <dgm:txEffectClrLst/>
+  </dgm:styleLbl>
+  <dgm:styleLbl name="parChTrans2D3">
+    <dgm:fillClrLst meth="repeat">
+      <a:schemeClr val="accent6"/>
+    </dgm:fillClrLst>
+    <dgm:linClrLst meth="repeat">
+      <a:schemeClr val="lt1"/>
+    </dgm:linClrLst>
+    <dgm:effectClrLst/>
+    <dgm:txLinClrLst/>
+    <dgm:txFillClrLst/>
+    <dgm:txEffectClrLst/>
+  </dgm:styleLbl>
+  <dgm:styleLbl name="parChTrans2D4">
+    <dgm:fillClrLst meth="repeat">
+      <a:schemeClr val="accent1"/>
+    </dgm:fillClrLst>
+    <dgm:linClrLst meth="repeat">
+      <a:schemeClr val="lt1"/>
+    </dgm:linClrLst>
+    <dgm:effectClrLst/>
+    <dgm:txLinClrLst/>
+    <dgm:txFillClrLst meth="repeat">
+      <a:schemeClr val="lt1"/>
+    </dgm:txFillClrLst>
+    <dgm:txEffectClrLst/>
+  </dgm:styleLbl>
+  <dgm:styleLbl name="parChTrans1D1">
+    <dgm:fillClrLst meth="repeat">
+      <a:schemeClr val="accent5"/>
+    </dgm:fillClrLst>
+    <dgm:linClrLst meth="repeat">
+      <a:schemeClr val="accent5"/>
+    </dgm:linClrLst>
+    <dgm:effectClrLst/>
+    <dgm:txLinClrLst/>
+    <dgm:txFillClrLst meth="repeat">
+      <a:schemeClr val="tx1"/>
+    </dgm:txFillClrLst>
+    <dgm:txEffectClrLst/>
+  </dgm:styleLbl>
+  <dgm:styleLbl name="parChTrans1D2">
+    <dgm:fillClrLst meth="repeat">
+      <a:schemeClr val="accent6">
+        <a:tint val="90000"/>
+      </a:schemeClr>
+    </dgm:fillClrLst>
+    <dgm:linClrLst meth="repeat">
+      <a:schemeClr val="accent6"/>
+    </dgm:linClrLst>
+    <dgm:effectClrLst/>
+    <dgm:txLinClrLst/>
+    <dgm:txFillClrLst meth="repeat">
+      <a:schemeClr val="tx1"/>
+    </dgm:txFillClrLst>
+    <dgm:txEffectClrLst/>
+  </dgm:styleLbl>
+  <dgm:styleLbl name="parChTrans1D3">
+    <dgm:fillClrLst meth="repeat">
+      <a:schemeClr val="accent6">
+        <a:tint val="70000"/>
+      </a:schemeClr>
+    </dgm:fillClrLst>
+    <dgm:linClrLst meth="repeat">
+      <a:schemeClr val="accent1"/>
+    </dgm:linClrLst>
+    <dgm:effectClrLst/>
+    <dgm:txLinClrLst/>
+    <dgm:txFillClrLst meth="repeat">
+      <a:schemeClr val="tx1"/>
+    </dgm:txFillClrLst>
+    <dgm:txEffectClrLst/>
+  </dgm:styleLbl>
+  <dgm:styleLbl name="parChTrans1D4">
+    <dgm:fillClrLst meth="repeat">
+      <a:schemeClr val="accent6">
+        <a:tint val="50000"/>
+      </a:schemeClr>
+    </dgm:fillClrLst>
+    <dgm:linClrLst meth="repeat">
+      <a:schemeClr val="accent2"/>
+    </dgm:linClrLst>
+    <dgm:effectClrLst/>
+    <dgm:txLinClrLst/>
+    <dgm:txFillClrLst meth="repeat">
+      <a:schemeClr val="tx1"/>
+    </dgm:txFillClrLst>
+    <dgm:txEffectClrLst/>
+  </dgm:styleLbl>
+  <dgm:styleLbl name="fgAcc1">
+    <dgm:fillClrLst meth="repeat">
+      <a:schemeClr val="lt1">
+        <a:alpha val="90000"/>
+      </a:schemeClr>
+    </dgm:fillClrLst>
+    <dgm:linClrLst>
+      <a:schemeClr val="accent5"/>
+      <a:schemeClr val="accent6"/>
+    </dgm:linClrLst>
+    <dgm:effectClrLst/>
+    <dgm:txLinClrLst/>
+    <dgm:txFillClrLst meth="repeat">
+      <a:schemeClr val="dk1"/>
+    </dgm:txFillClrLst>
+    <dgm:txEffectClrLst/>
+  </dgm:styleLbl>
+  <dgm:styleLbl name="conFgAcc1">
+    <dgm:fillClrLst meth="repeat">
+      <a:schemeClr val="lt1">
+        <a:alpha val="90000"/>
+      </a:schemeClr>
+    </dgm:fillClrLst>
+    <dgm:linClrLst>
+      <a:schemeClr val="accent5"/>
+      <a:schemeClr val="accent6"/>
+    </dgm:linClrLst>
+    <dgm:effectClrLst/>
+    <dgm:txLinClrLst/>
+    <dgm:txFillClrLst meth="repeat">
+      <a:schemeClr val="dk1"/>
+    </dgm:txFillClrLst>
+    <dgm:txEffectClrLst/>
+  </dgm:styleLbl>
+  <dgm:styleLbl name="alignAcc1">
+    <dgm:fillClrLst meth="repeat">
+      <a:schemeClr val="lt1">
+        <a:alpha val="90000"/>
+      </a:schemeClr>
+    </dgm:fillClrLst>
+    <dgm:linClrLst>
+      <a:schemeClr val="accent5"/>
+      <a:schemeClr val="accent6"/>
+    </dgm:linClrLst>
+    <dgm:effectClrLst/>
+    <dgm:txLinClrLst/>
+    <dgm:txFillClrLst meth="repeat">
+      <a:schemeClr val="dk1"/>
+    </dgm:txFillClrLst>
+    <dgm:txEffectClrLst/>
+  </dgm:styleLbl>
+  <dgm:styleLbl name="trAlignAcc1">
+    <dgm:fillClrLst meth="repeat">
+      <a:schemeClr val="lt1">
+        <a:alpha val="40000"/>
+      </a:schemeClr>
+    </dgm:fillClrLst>
+    <dgm:linClrLst meth="repeat">
+      <a:schemeClr val="accent5"/>
+    </dgm:linClrLst>
+    <dgm:effectClrLst/>
+    <dgm:txLinClrLst/>
+    <dgm:txFillClrLst meth="repeat">
+      <a:schemeClr val="dk1"/>
+    </dgm:txFillClrLst>
+    <dgm:txEffectClrLst/>
+  </dgm:styleLbl>
+  <dgm:styleLbl name="bgAcc1">
+    <dgm:fillClrLst meth="repeat">
+      <a:schemeClr val="lt1">
+        <a:alpha val="90000"/>
+      </a:schemeClr>
+    </dgm:fillClrLst>
+    <dgm:linClrLst>
+      <a:schemeClr val="accent5"/>
+      <a:schemeClr val="accent6"/>
+    </dgm:linClrLst>
+    <dgm:effectClrLst/>
+    <dgm:txLinClrLst/>
+    <dgm:txFillClrLst meth="repeat">
+      <a:schemeClr val="dk1"/>
+    </dgm:txFillClrLst>
+    <dgm:txEffectClrLst/>
+  </dgm:styleLbl>
+  <dgm:styleLbl name="solidFgAcc1">
+    <dgm:fillClrLst meth="repeat">
+      <a:schemeClr val="lt1"/>
+    </dgm:fillClrLst>
+    <dgm:linClrLst>
+      <a:schemeClr val="accent5"/>
+      <a:schemeClr val="accent6"/>
+    </dgm:linClrLst>
+    <dgm:effectClrLst/>
+    <dgm:txLinClrLst/>
+    <dgm:txFillClrLst meth="repeat">
+      <a:schemeClr val="dk1"/>
+    </dgm:txFillClrLst>
+    <dgm:txEffectClrLst/>
+  </dgm:styleLbl>
+  <dgm:styleLbl name="solidAlignAcc1">
+    <dgm:fillClrLst meth="repeat">
+      <a:schemeClr val="lt1"/>
+    </dgm:fillClrLst>
+    <dgm:linClrLst>
+      <a:schemeClr val="accent5"/>
+      <a:schemeClr val="accent6"/>
+    </dgm:linClrLst>
+    <dgm:effectClrLst/>
+    <dgm:txLinClrLst/>
+    <dgm:txFillClrLst meth="repeat">
+      <a:schemeClr val="dk1"/>
+    </dgm:txFillClrLst>
+    <dgm:txEffectClrLst/>
+  </dgm:styleLbl>
+  <dgm:styleLbl name="solidBgAcc1">
+    <dgm:fillClrLst meth="repeat">
+      <a:schemeClr val="lt1"/>
+    </dgm:fillClrLst>
+    <dgm:linClrLst>
+      <a:schemeClr val="accent5"/>
+      <a:schemeClr val="accent6"/>
+    </dgm:linClrLst>
+    <dgm:effectClrLst/>
+    <dgm:txLinClrLst/>
+    <dgm:txFillClrLst meth="repeat">
+      <a:schemeClr val="dk1"/>
+    </dgm:txFillClrLst>
+    <dgm:txEffectClrLst/>
+  </dgm:styleLbl>
+  <dgm:styleLbl name="fgAccFollowNode1">
+    <dgm:fillClrLst>
+      <a:schemeClr val="accent5">
+        <a:tint val="40000"/>
+        <a:alpha val="90000"/>
+      </a:schemeClr>
+      <a:schemeClr val="accent6">
+        <a:tint val="40000"/>
+        <a:alpha val="90000"/>
+      </a:schemeClr>
+    </dgm:fillClrLst>
+    <dgm:linClrLst>
+      <a:schemeClr val="accent5">
+        <a:tint val="40000"/>
+        <a:alpha val="90000"/>
+      </a:schemeClr>
+      <a:schemeClr val="accent5">
+        <a:tint val="40000"/>
+        <a:alpha val="90000"/>
+      </a:schemeClr>
+    </dgm:linClrLst>
+    <dgm:effectClrLst/>
+    <dgm:txLinClrLst/>
+    <dgm:txFillClrLst meth="repeat">
+      <a:schemeClr val="dk1"/>
+    </dgm:txFillClrLst>
+    <dgm:txEffectClrLst/>
+  </dgm:styleLbl>
+  <dgm:styleLbl name="alignAccFollowNode1">
+    <dgm:fillClrLst>
+      <a:schemeClr val="accent5">
+        <a:tint val="40000"/>
+        <a:alpha val="90000"/>
+      </a:schemeClr>
+      <a:schemeClr val="accent6">
+        <a:tint val="40000"/>
+        <a:alpha val="90000"/>
+      </a:schemeClr>
+    </dgm:fillClrLst>
+    <dgm:linClrLst>
+      <a:schemeClr val="accent5">
+        <a:tint val="40000"/>
+        <a:alpha val="90000"/>
+      </a:schemeClr>
+      <a:schemeClr val="accent6">
+        <a:tint val="40000"/>
+        <a:alpha val="90000"/>
+      </a:schemeClr>
+    </dgm:linClrLst>
+    <dgm:effectClrLst/>
+    <dgm:txLinClrLst/>
+    <dgm:txFillClrLst meth="repeat">
+      <a:schemeClr val="dk1"/>
+    </dgm:txFillClrLst>
+    <dgm:txEffectClrLst/>
+  </dgm:styleLbl>
+  <dgm:styleLbl name="bgAccFollowNode1">
+    <dgm:fillClrLst>
+      <a:schemeClr val="accent5">
+        <a:tint val="40000"/>
+        <a:alpha val="90000"/>
+      </a:schemeClr>
+      <a:schemeClr val="accent6">
+        <a:tint val="40000"/>
+        <a:alpha val="90000"/>
+      </a:schemeClr>
+    </dgm:fillClrLst>
+    <dgm:linClrLst>
+      <a:schemeClr val="accent5">
+        <a:tint val="40000"/>
+        <a:alpha val="90000"/>
+      </a:schemeClr>
+      <a:schemeClr val="accent6">
+        <a:tint val="40000"/>
+        <a:alpha val="90000"/>
+      </a:schemeClr>
+    </dgm:linClrLst>
+    <dgm:effectClrLst/>
+    <dgm:txLinClrLst/>
+    <dgm:txFillClrLst meth="repeat">
+      <a:schemeClr val="dk1"/>
+    </dgm:txFillClrLst>
+    <dgm:txEffectClrLst/>
+  </dgm:styleLbl>
+  <dgm:styleLbl name="fgAcc0">
+    <dgm:fillClrLst meth="repeat">
+      <a:schemeClr val="lt1">
+        <a:alpha val="90000"/>
+      </a:schemeClr>
+    </dgm:fillClrLst>
+    <dgm:linClrLst>
+      <a:schemeClr val="accent4"/>
+    </dgm:linClrLst>
+    <dgm:effectClrLst/>
+    <dgm:txLinClrLst/>
+    <dgm:txFillClrLst meth="repeat">
+      <a:schemeClr val="dk1"/>
+    </dgm:txFillClrLst>
+    <dgm:txEffectClrLst/>
+  </dgm:styleLbl>
+  <dgm:styleLbl name="fgAcc2">
+    <dgm:fillClrLst meth="repeat">
+      <a:schemeClr val="lt1">
+        <a:alpha val="90000"/>
+      </a:schemeClr>
+    </dgm:fillClrLst>
+    <dgm:linClrLst>
+      <a:schemeClr val="accent6"/>
+    </dgm:linClrLst>
+    <dgm:effectClrLst/>
+    <dgm:txLinClrLst/>
+    <dgm:txFillClrLst meth="repeat">
+      <a:schemeClr val="dk1"/>
+    </dgm:txFillClrLst>
+    <dgm:txEffectClrLst/>
+  </dgm:styleLbl>
+  <dgm:styleLbl name="fgAcc3">
+    <dgm:fillClrLst meth="repeat">
+      <a:schemeClr val="lt1">
+        <a:alpha val="90000"/>
+      </a:schemeClr>
+    </dgm:fillClrLst>
+    <dgm:linClrLst>
+      <a:schemeClr val="accent1"/>
+    </dgm:linClrLst>
+    <dgm:effectClrLst/>
+    <dgm:txLinClrLst/>
+    <dgm:txFillClrLst meth="repeat">
+      <a:schemeClr val="dk1"/>
+    </dgm:txFillClrLst>
+    <dgm:txEffectClrLst/>
+  </dgm:styleLbl>
+  <dgm:styleLbl name="fgAcc4">
+    <dgm:fillClrLst meth="repeat">
+      <a:schemeClr val="lt1">
+        <a:alpha val="90000"/>
+      </a:schemeClr>
+    </dgm:fillClrLst>
+    <dgm:linClrLst>
+      <a:schemeClr val="accent2"/>
+    </dgm:linClrLst>
+    <dgm:effectClrLst/>
+    <dgm:txLinClrLst/>
+    <dgm:txFillClrLst meth="repeat">
+      <a:schemeClr val="dk1"/>
+    </dgm:txFillClrLst>
+    <dgm:txEffectClrLst/>
+  </dgm:styleLbl>
+  <dgm:styleLbl name="bgShp">
+    <dgm:fillClrLst meth="repeat">
+      <a:schemeClr val="accent5">
+        <a:tint val="40000"/>
+      </a:schemeClr>
+    </dgm:fillClrLst>
+    <dgm:linClrLst meth="repeat">
+      <a:schemeClr val="dk1"/>
+    </dgm:linClrLst>
+    <dgm:effectClrLst/>
+    <dgm:txLinClrLst/>
+    <dgm:txFillClrLst meth="repeat">
+      <a:schemeClr val="dk1"/>
+    </dgm:txFillClrLst>
+    <dgm:txEffectClrLst/>
+  </dgm:styleLbl>
+  <dgm:styleLbl name="dkBgShp">
+    <dgm:fillClrLst meth="repeat">
+      <a:schemeClr val="accent5">
+        <a:shade val="90000"/>
+      </a:schemeClr>
+    </dgm:fillClrLst>
+    <dgm:linClrLst meth="repeat">
+      <a:schemeClr val="dk1"/>
+    </dgm:linClrLst>
+    <dgm:effectClrLst/>
+    <dgm:txLinClrLst/>
+    <dgm:txFillClrLst meth="repeat">
+      <a:schemeClr val="lt1"/>
+    </dgm:txFillClrLst>
+    <dgm:txEffectClrLst/>
+  </dgm:styleLbl>
+  <dgm:styleLbl name="trBgShp">
+    <dgm:fillClrLst meth="repeat">
+      <a:schemeClr val="accent5">
+        <a:tint val="50000"/>
+        <a:alpha val="40000"/>
+      </a:schemeClr>
+    </dgm:fillClrLst>
+    <dgm:linClrLst meth="repeat">
+      <a:schemeClr val="accent5"/>
+    </dgm:linClrLst>
+    <dgm:effectClrLst/>
+    <dgm:txLinClrLst/>
+    <dgm:txFillClrLst meth="repeat">
+      <a:schemeClr val="lt1"/>
+    </dgm:txFillClrLst>
+    <dgm:txEffectClrLst/>
+  </dgm:styleLbl>
+  <dgm:styleLbl name="fgShp">
+    <dgm:fillClrLst meth="repeat">
+      <a:schemeClr val="accent5">
+        <a:tint val="40000"/>
+      </a:schemeClr>
+    </dgm:fillClrLst>
+    <dgm:linClrLst meth="repeat">
+      <a:schemeClr val="lt1"/>
+    </dgm:linClrLst>
+    <dgm:effectClrLst/>
+    <dgm:txLinClrLst/>
+    <dgm:txFillClrLst meth="repeat">
+      <a:schemeClr val="dk1"/>
+    </dgm:txFillClrLst>
+    <dgm:txEffectClrLst/>
+  </dgm:styleLbl>
+  <dgm:styleLbl name="revTx">
+    <dgm:fillClrLst meth="repeat">
+      <a:schemeClr val="lt1">
+        <a:alpha val="0"/>
+      </a:schemeClr>
+    </dgm:fillClrLst>
+    <dgm:linClrLst meth="repeat">
+      <a:schemeClr val="dk1">
+        <a:alpha val="0"/>
+      </a:schemeClr>
+    </dgm:linClrLst>
+    <dgm:effectClrLst/>
+    <dgm:txLinClrLst/>
+    <dgm:txFillClrLst meth="repeat">
+      <a:schemeClr val="tx1"/>
+    </dgm:txFillClrLst>
+    <dgm:txEffectClrLst/>
+  </dgm:styleLbl>
+</dgm:colorsDef>
+</file>
+
+<file path=ppt/diagrams/data1.xml><?xml version="1.0" encoding="utf-8"?>
+<dgm:dataModel xmlns:dgm="http://schemas.openxmlformats.org/drawingml/2006/diagram" xmlns:a="http://schemas.openxmlformats.org/drawingml/2006/main">
+  <dgm:ptLst>
+    <dgm:pt modelId="{2945A5F6-DF41-FB4C-9648-07F2E5A87323}" type="doc">
+      <dgm:prSet loTypeId="urn:microsoft.com/office/officeart/2005/8/layout/hierarchy2" loCatId="" qsTypeId="urn:microsoft.com/office/officeart/2005/8/quickstyle/simple1" qsCatId="simple" csTypeId="urn:microsoft.com/office/officeart/2005/8/colors/colorful5" csCatId="colorful" phldr="1"/>
+      <dgm:spPr/>
+      <dgm:t>
+        <a:bodyPr/>
+        <a:lstStyle/>
+        <a:p>
+          <a:endParaRPr lang="en-US"/>
+        </a:p>
+      </dgm:t>
+    </dgm:pt>
+    <dgm:pt modelId="{8FB5C65F-2741-D842-93FD-98595C81DC68}">
+      <dgm:prSet phldrT="[Text]" custT="1"/>
+      <dgm:spPr/>
+      <dgm:t>
+        <a:bodyPr/>
+        <a:lstStyle/>
+        <a:p>
+          <a:r>
+            <a:rPr lang="en-US" sz="2000" dirty="0" smtClean="0"/>
+            <a:t>Data </a:t>
+          </a:r>
+        </a:p>
+        <a:p>
+          <a:r>
+            <a:rPr lang="en-US" sz="2000" dirty="0" smtClean="0"/>
+            <a:t>(EEG seizure and non-seizure clips)</a:t>
+          </a:r>
+          <a:endParaRPr lang="en-US" sz="2000" dirty="0"/>
+        </a:p>
+      </dgm:t>
+    </dgm:pt>
+    <dgm:pt modelId="{2B279E28-9114-7A47-A8B4-E31BB332B327}" type="parTrans" cxnId="{8CAC92FF-E1DB-664A-BD34-42E327D509FF}">
+      <dgm:prSet/>
+      <dgm:spPr/>
+      <dgm:t>
+        <a:bodyPr/>
+        <a:lstStyle/>
+        <a:p>
+          <a:endParaRPr lang="en-US"/>
+        </a:p>
+      </dgm:t>
+    </dgm:pt>
+    <dgm:pt modelId="{86449BC1-66C7-2045-8151-6B4D22CCA8C5}" type="sibTrans" cxnId="{8CAC92FF-E1DB-664A-BD34-42E327D509FF}">
+      <dgm:prSet/>
+      <dgm:spPr/>
+      <dgm:t>
+        <a:bodyPr/>
+        <a:lstStyle/>
+        <a:p>
+          <a:endParaRPr lang="en-US"/>
+        </a:p>
+      </dgm:t>
+    </dgm:pt>
+    <dgm:pt modelId="{DEA654AB-2A99-2D4C-B37D-0D0D4A47C4A4}">
+      <dgm:prSet phldrT="[Text]" custT="1"/>
+      <dgm:spPr>
+        <a:solidFill>
+          <a:schemeClr val="accent6">
+            <a:hueOff val="0"/>
+            <a:satOff val="0"/>
+            <a:lumOff val="0"/>
+          </a:schemeClr>
+        </a:solidFill>
+      </dgm:spPr>
+      <dgm:t>
+        <a:bodyPr/>
+        <a:lstStyle/>
+        <a:p>
+          <a:r>
+            <a:rPr lang="en-US" sz="2000" dirty="0" smtClean="0"/>
+            <a:t>Training data</a:t>
+          </a:r>
+        </a:p>
+        <a:p>
+          <a:r>
+            <a:rPr lang="en-US" sz="2000" dirty="0" smtClean="0"/>
+            <a:t>(EEG clips labeled as seizure or non-seizure) </a:t>
+          </a:r>
+          <a:endParaRPr lang="en-US" sz="2000" dirty="0"/>
+        </a:p>
+      </dgm:t>
+    </dgm:pt>
+    <dgm:pt modelId="{38BCFF50-92A4-214F-B4AC-BAF0A8FC2C54}" type="parTrans" cxnId="{6133ECAF-59FE-A842-80BC-A45818B5DEB8}">
+      <dgm:prSet custT="1"/>
+      <dgm:spPr>
+        <a:ln>
+          <a:tailEnd type="triangle"/>
+        </a:ln>
+      </dgm:spPr>
+      <dgm:t>
+        <a:bodyPr/>
+        <a:lstStyle/>
+        <a:p>
+          <a:endParaRPr lang="en-US" sz="2000"/>
+        </a:p>
+      </dgm:t>
+    </dgm:pt>
+    <dgm:pt modelId="{9F7FC6BE-7851-0744-B0FC-731B37B5AFC2}" type="sibTrans" cxnId="{6133ECAF-59FE-A842-80BC-A45818B5DEB8}">
+      <dgm:prSet/>
+      <dgm:spPr/>
+      <dgm:t>
+        <a:bodyPr/>
+        <a:lstStyle/>
+        <a:p>
+          <a:endParaRPr lang="en-US"/>
+        </a:p>
+      </dgm:t>
+    </dgm:pt>
+    <dgm:pt modelId="{36F00027-4B44-9247-8B43-81263A96F936}">
+      <dgm:prSet phldrT="[Text]" custT="1"/>
+      <dgm:spPr>
+        <a:solidFill>
+          <a:schemeClr val="accent6">
+            <a:hueOff val="0"/>
+            <a:satOff val="0"/>
+            <a:lumOff val="0"/>
+          </a:schemeClr>
+        </a:solidFill>
+      </dgm:spPr>
+      <dgm:t>
+        <a:bodyPr/>
+        <a:lstStyle/>
+        <a:p>
+          <a:r>
+            <a:rPr lang="en-US" sz="2000" dirty="0" smtClean="0"/>
+            <a:t>Extract signal</a:t>
+          </a:r>
+          <a:r>
+            <a:rPr lang="en-US" sz="2000" baseline="0" dirty="0" smtClean="0"/>
+            <a:t> </a:t>
+          </a:r>
+          <a:r>
+            <a:rPr lang="en-US" sz="2000" dirty="0" smtClean="0"/>
+            <a:t>features from each clip</a:t>
+          </a:r>
+        </a:p>
+      </dgm:t>
+    </dgm:pt>
+    <dgm:pt modelId="{96A932CC-9D7E-1B4C-A50C-07B303E4AD1F}" type="parTrans" cxnId="{F064D086-2CA5-714B-B1FA-78F9E3EC4158}">
+      <dgm:prSet custT="1"/>
+      <dgm:spPr>
+        <a:solidFill>
+          <a:schemeClr val="accent6">
+            <a:hueOff val="0"/>
+            <a:satOff val="0"/>
+            <a:lumOff val="0"/>
+          </a:schemeClr>
+        </a:solidFill>
+        <a:ln>
+          <a:headEnd type="none"/>
+          <a:tailEnd type="stealth"/>
+        </a:ln>
+      </dgm:spPr>
+      <dgm:t>
+        <a:bodyPr/>
+        <a:lstStyle/>
+        <a:p>
+          <a:endParaRPr lang="en-US" sz="2000"/>
+        </a:p>
+      </dgm:t>
+    </dgm:pt>
+    <dgm:pt modelId="{D5E02D4A-37A2-6A4B-9EB5-C5E18F5A4D69}" type="sibTrans" cxnId="{F064D086-2CA5-714B-B1FA-78F9E3EC4158}">
+      <dgm:prSet/>
+      <dgm:spPr/>
+      <dgm:t>
+        <a:bodyPr/>
+        <a:lstStyle/>
+        <a:p>
+          <a:endParaRPr lang="en-US"/>
+        </a:p>
+      </dgm:t>
+    </dgm:pt>
+    <dgm:pt modelId="{FB808B6D-1C26-2D4A-84B6-0FB926FA95AB}">
+      <dgm:prSet phldrT="[Text]" custT="1"/>
+      <dgm:spPr>
+        <a:solidFill>
+          <a:schemeClr val="accent1"/>
+        </a:solidFill>
+      </dgm:spPr>
+      <dgm:t>
+        <a:bodyPr/>
+        <a:lstStyle/>
+        <a:p>
+          <a:r>
+            <a:rPr lang="en-US" sz="2000" dirty="0" smtClean="0"/>
+            <a:t>Testing data</a:t>
+          </a:r>
+        </a:p>
+        <a:p>
+          <a:r>
+            <a:rPr lang="en-US" sz="2000" dirty="0" smtClean="0"/>
+            <a:t> (EEG clips we</a:t>
+          </a:r>
+          <a:r>
+            <a:rPr lang="en-US" sz="2000" baseline="0" dirty="0" smtClean="0"/>
+            <a:t> want to classify as seizure v. non-seizure</a:t>
+          </a:r>
+          <a:r>
+            <a:rPr lang="en-US" sz="2000" dirty="0" smtClean="0"/>
+            <a:t>)</a:t>
+          </a:r>
+          <a:endParaRPr lang="en-US" sz="2000" dirty="0"/>
+        </a:p>
+      </dgm:t>
+    </dgm:pt>
+    <dgm:pt modelId="{D5D08173-743A-C745-BBD7-03B0A2FBF3F1}" type="parTrans" cxnId="{C11602FB-F1E4-3F4B-9CC6-031476D1846D}">
+      <dgm:prSet custT="1"/>
+      <dgm:spPr>
+        <a:ln>
+          <a:tailEnd type="triangle"/>
+        </a:ln>
+      </dgm:spPr>
+      <dgm:t>
+        <a:bodyPr/>
+        <a:lstStyle/>
+        <a:p>
+          <a:endParaRPr lang="en-US" sz="2000"/>
+        </a:p>
+      </dgm:t>
+    </dgm:pt>
+    <dgm:pt modelId="{2D098E47-8735-5348-B069-A6D66A9AC705}" type="sibTrans" cxnId="{C11602FB-F1E4-3F4B-9CC6-031476D1846D}">
+      <dgm:prSet/>
+      <dgm:spPr/>
+      <dgm:t>
+        <a:bodyPr/>
+        <a:lstStyle/>
+        <a:p>
+          <a:endParaRPr lang="en-US"/>
+        </a:p>
+      </dgm:t>
+    </dgm:pt>
+    <dgm:pt modelId="{4B0CAB51-8FE6-254B-9405-EE6509BD66EC}">
+      <dgm:prSet phldrT="[Text]" custT="1"/>
+      <dgm:spPr>
+        <a:solidFill>
+          <a:schemeClr val="accent1"/>
+        </a:solidFill>
+      </dgm:spPr>
+      <dgm:t>
+        <a:bodyPr/>
+        <a:lstStyle/>
+        <a:p>
+          <a:r>
+            <a:rPr lang="en-US" sz="2000" dirty="0" smtClean="0"/>
+            <a:t>Extract</a:t>
+          </a:r>
+          <a:r>
+            <a:rPr lang="en-US" sz="2000" baseline="0" dirty="0" smtClean="0"/>
+            <a:t> signal features from each clip</a:t>
+          </a:r>
+          <a:endParaRPr lang="en-US" sz="2000" dirty="0" smtClean="0"/>
+        </a:p>
+      </dgm:t>
+    </dgm:pt>
+    <dgm:pt modelId="{C8562C53-23F9-F443-9B8F-1077ED4A18E8}" type="parTrans" cxnId="{2983D8DA-6F76-F94C-9A5D-EF6FB951671A}">
+      <dgm:prSet custT="1"/>
+      <dgm:spPr>
+        <a:solidFill>
+          <a:schemeClr val="accent1"/>
+        </a:solidFill>
+        <a:ln>
+          <a:tailEnd type="triangle"/>
+        </a:ln>
+      </dgm:spPr>
+      <dgm:t>
+        <a:bodyPr/>
+        <a:lstStyle/>
+        <a:p>
+          <a:endParaRPr lang="en-US" sz="2000"/>
+        </a:p>
+      </dgm:t>
+    </dgm:pt>
+    <dgm:pt modelId="{0BE0F917-EC48-F644-A970-197EDF54B286}" type="sibTrans" cxnId="{2983D8DA-6F76-F94C-9A5D-EF6FB951671A}">
+      <dgm:prSet/>
+      <dgm:spPr/>
+      <dgm:t>
+        <a:bodyPr/>
+        <a:lstStyle/>
+        <a:p>
+          <a:endParaRPr lang="en-US"/>
+        </a:p>
+      </dgm:t>
+    </dgm:pt>
+    <dgm:pt modelId="{83DC6BD8-F9B9-744C-AB8B-2E1A1165E961}">
+      <dgm:prSet custT="1"/>
+      <dgm:spPr>
+        <a:solidFill>
+          <a:schemeClr val="accent6">
+            <a:hueOff val="0"/>
+            <a:satOff val="0"/>
+            <a:lumOff val="0"/>
+          </a:schemeClr>
+        </a:solidFill>
+      </dgm:spPr>
+      <dgm:t>
+        <a:bodyPr/>
+        <a:lstStyle/>
+        <a:p>
+          <a:r>
+            <a:rPr lang="en-US" sz="2000" dirty="0" smtClean="0"/>
+            <a:t>Feed features into predictive machine learning  model</a:t>
+          </a:r>
+          <a:endParaRPr lang="en-US" sz="2000" dirty="0"/>
+        </a:p>
+      </dgm:t>
+    </dgm:pt>
+    <dgm:pt modelId="{7F466DD2-7FF8-DA44-8BE0-C557A5006042}" type="parTrans" cxnId="{4B53AB0F-CAA3-1F4C-A852-6AD5ACA01ACD}">
+      <dgm:prSet custT="1"/>
+      <dgm:spPr>
+        <a:solidFill>
+          <a:schemeClr val="accent6">
+            <a:hueOff val="0"/>
+            <a:satOff val="0"/>
+            <a:lumOff val="0"/>
+          </a:schemeClr>
+        </a:solidFill>
+        <a:ln>
+          <a:solidFill>
+            <a:schemeClr val="tx1"/>
+          </a:solidFill>
+          <a:tailEnd type="triangle"/>
+        </a:ln>
+      </dgm:spPr>
+      <dgm:t>
+        <a:bodyPr/>
+        <a:lstStyle/>
+        <a:p>
+          <a:endParaRPr lang="en-US" sz="2000"/>
+        </a:p>
+      </dgm:t>
+    </dgm:pt>
+    <dgm:pt modelId="{D3DF5B39-A328-054B-A71C-79195F2AB505}" type="sibTrans" cxnId="{4B53AB0F-CAA3-1F4C-A852-6AD5ACA01ACD}">
+      <dgm:prSet/>
+      <dgm:spPr/>
+      <dgm:t>
+        <a:bodyPr/>
+        <a:lstStyle/>
+        <a:p>
+          <a:endParaRPr lang="en-US"/>
+        </a:p>
+      </dgm:t>
+    </dgm:pt>
+    <dgm:pt modelId="{37B010D5-D15A-1540-BB25-C0FBDE1E387E}">
+      <dgm:prSet custT="1"/>
+      <dgm:spPr>
+        <a:solidFill>
+          <a:schemeClr val="accent1"/>
+        </a:solidFill>
+      </dgm:spPr>
+      <dgm:t>
+        <a:bodyPr/>
+        <a:lstStyle/>
+        <a:p>
+          <a:r>
+            <a:rPr lang="en-US" sz="2000" dirty="0" smtClean="0"/>
+            <a:t>Generate</a:t>
+          </a:r>
+          <a:r>
+            <a:rPr lang="en-US" sz="2000" baseline="0" dirty="0" smtClean="0"/>
+            <a:t> p</a:t>
+          </a:r>
+          <a:r>
+            <a:rPr lang="en-US" sz="2000" dirty="0" smtClean="0"/>
+            <a:t>redictions  (compare predicted vs true</a:t>
+          </a:r>
+          <a:r>
+            <a:rPr lang="en-US" sz="2000" baseline="0" dirty="0" smtClean="0"/>
+            <a:t> labels for accuracy)</a:t>
+          </a:r>
+          <a:endParaRPr lang="en-US" sz="2000" dirty="0"/>
+        </a:p>
+      </dgm:t>
+    </dgm:pt>
+    <dgm:pt modelId="{C2EA57CF-A6FA-CC46-AD48-F2032B3378D0}" type="parTrans" cxnId="{47E62C93-B066-524A-93A3-0A40018A89AD}">
+      <dgm:prSet custT="1"/>
+      <dgm:spPr>
+        <a:solidFill>
+          <a:schemeClr val="accent1"/>
+        </a:solidFill>
+        <a:ln>
+          <a:tailEnd type="triangle"/>
+        </a:ln>
+      </dgm:spPr>
+      <dgm:t>
+        <a:bodyPr/>
+        <a:lstStyle/>
+        <a:p>
+          <a:endParaRPr lang="en-US" sz="2000"/>
+        </a:p>
+      </dgm:t>
+    </dgm:pt>
+    <dgm:pt modelId="{AC40C823-D113-CC44-B3E3-D10889EA925D}" type="sibTrans" cxnId="{47E62C93-B066-524A-93A3-0A40018A89AD}">
+      <dgm:prSet/>
+      <dgm:spPr/>
+      <dgm:t>
+        <a:bodyPr/>
+        <a:lstStyle/>
+        <a:p>
+          <a:endParaRPr lang="en-US"/>
+        </a:p>
+      </dgm:t>
+    </dgm:pt>
+    <dgm:pt modelId="{5EA4AC85-FB1A-0548-907E-86F8A5B8BD84}" type="pres">
+      <dgm:prSet presAssocID="{2945A5F6-DF41-FB4C-9648-07F2E5A87323}" presName="diagram" presStyleCnt="0">
+        <dgm:presLayoutVars>
+          <dgm:chPref val="1"/>
+          <dgm:dir/>
+          <dgm:animOne val="branch"/>
+          <dgm:animLvl val="lvl"/>
+          <dgm:resizeHandles val="exact"/>
+        </dgm:presLayoutVars>
+      </dgm:prSet>
+      <dgm:spPr/>
+      <dgm:t>
+        <a:bodyPr/>
+        <a:lstStyle/>
+        <a:p>
+          <a:endParaRPr lang="en-US"/>
+        </a:p>
+      </dgm:t>
+    </dgm:pt>
+    <dgm:pt modelId="{25360E68-A1F2-B847-9716-10E447DC744E}" type="pres">
+      <dgm:prSet presAssocID="{8FB5C65F-2741-D842-93FD-98595C81DC68}" presName="root1" presStyleCnt="0"/>
+      <dgm:spPr/>
+    </dgm:pt>
+    <dgm:pt modelId="{F78999E4-C30E-7D49-96FD-7D69FE977A9B}" type="pres">
+      <dgm:prSet presAssocID="{8FB5C65F-2741-D842-93FD-98595C81DC68}" presName="LevelOneTextNode" presStyleLbl="node0" presStyleIdx="0" presStyleCnt="1" custScaleY="191945">
+        <dgm:presLayoutVars>
+          <dgm:chPref val="3"/>
+        </dgm:presLayoutVars>
+      </dgm:prSet>
+      <dgm:spPr/>
+      <dgm:t>
+        <a:bodyPr/>
+        <a:lstStyle/>
+        <a:p>
+          <a:endParaRPr lang="en-US"/>
+        </a:p>
+      </dgm:t>
+    </dgm:pt>
+    <dgm:pt modelId="{3DDB586E-5547-474D-9B83-C483C815FA08}" type="pres">
+      <dgm:prSet presAssocID="{8FB5C65F-2741-D842-93FD-98595C81DC68}" presName="level2hierChild" presStyleCnt="0"/>
+      <dgm:spPr/>
+    </dgm:pt>
+    <dgm:pt modelId="{59E7AC12-9C23-DD47-BCF4-94CAA60225DF}" type="pres">
+      <dgm:prSet presAssocID="{38BCFF50-92A4-214F-B4AC-BAF0A8FC2C54}" presName="conn2-1" presStyleLbl="parChTrans1D2" presStyleIdx="0" presStyleCnt="2"/>
+      <dgm:spPr/>
+      <dgm:t>
+        <a:bodyPr/>
+        <a:lstStyle/>
+        <a:p>
+          <a:endParaRPr lang="en-US"/>
+        </a:p>
+      </dgm:t>
+    </dgm:pt>
+    <dgm:pt modelId="{570BF7CA-5857-D74C-B99E-3A5E92FC6CA2}" type="pres">
+      <dgm:prSet presAssocID="{38BCFF50-92A4-214F-B4AC-BAF0A8FC2C54}" presName="connTx" presStyleLbl="parChTrans1D2" presStyleIdx="0" presStyleCnt="2"/>
+      <dgm:spPr/>
+      <dgm:t>
+        <a:bodyPr/>
+        <a:lstStyle/>
+        <a:p>
+          <a:endParaRPr lang="en-US"/>
+        </a:p>
+      </dgm:t>
+    </dgm:pt>
+    <dgm:pt modelId="{A147D8AE-5B5E-1F47-B70D-5AF5BF0C234F}" type="pres">
+      <dgm:prSet presAssocID="{DEA654AB-2A99-2D4C-B37D-0D0D4A47C4A4}" presName="root2" presStyleCnt="0"/>
+      <dgm:spPr/>
+    </dgm:pt>
+    <dgm:pt modelId="{F59F843F-AF38-864F-8FF5-3C3792E5C3B4}" type="pres">
+      <dgm:prSet presAssocID="{DEA654AB-2A99-2D4C-B37D-0D0D4A47C4A4}" presName="LevelTwoTextNode" presStyleLbl="node2" presStyleIdx="0" presStyleCnt="2" custScaleY="190540" custLinFactNeighborX="1030" custLinFactNeighborY="-11618">
+        <dgm:presLayoutVars>
+          <dgm:chPref val="3"/>
+        </dgm:presLayoutVars>
+      </dgm:prSet>
+      <dgm:spPr/>
+      <dgm:t>
+        <a:bodyPr/>
+        <a:lstStyle/>
+        <a:p>
+          <a:endParaRPr lang="en-US"/>
+        </a:p>
+      </dgm:t>
+    </dgm:pt>
+    <dgm:pt modelId="{8FFC20E1-BE30-1646-B9B5-E72C0E1831F0}" type="pres">
+      <dgm:prSet presAssocID="{DEA654AB-2A99-2D4C-B37D-0D0D4A47C4A4}" presName="level3hierChild" presStyleCnt="0"/>
+      <dgm:spPr/>
+    </dgm:pt>
+    <dgm:pt modelId="{1CB4ECB9-C5D2-424A-A5EB-50FA3C077CB5}" type="pres">
+      <dgm:prSet presAssocID="{96A932CC-9D7E-1B4C-A50C-07B303E4AD1F}" presName="conn2-1" presStyleLbl="parChTrans1D3" presStyleIdx="0" presStyleCnt="2"/>
+      <dgm:spPr/>
+      <dgm:t>
+        <a:bodyPr/>
+        <a:lstStyle/>
+        <a:p>
+          <a:endParaRPr lang="en-US"/>
+        </a:p>
+      </dgm:t>
+    </dgm:pt>
+    <dgm:pt modelId="{3E9F50F9-F4CC-D14D-A9FF-B02A6C7061EB}" type="pres">
+      <dgm:prSet presAssocID="{96A932CC-9D7E-1B4C-A50C-07B303E4AD1F}" presName="connTx" presStyleLbl="parChTrans1D3" presStyleIdx="0" presStyleCnt="2"/>
+      <dgm:spPr/>
+      <dgm:t>
+        <a:bodyPr/>
+        <a:lstStyle/>
+        <a:p>
+          <a:endParaRPr lang="en-US"/>
+        </a:p>
+      </dgm:t>
+    </dgm:pt>
+    <dgm:pt modelId="{F8D18F08-4E50-D748-9E2B-6BA94F469315}" type="pres">
+      <dgm:prSet presAssocID="{36F00027-4B44-9247-8B43-81263A96F936}" presName="root2" presStyleCnt="0"/>
+      <dgm:spPr/>
+    </dgm:pt>
+    <dgm:pt modelId="{56DEDB26-8E42-E241-9387-B06B6A6706A0}" type="pres">
+      <dgm:prSet presAssocID="{36F00027-4B44-9247-8B43-81263A96F936}" presName="LevelTwoTextNode" presStyleLbl="node3" presStyleIdx="0" presStyleCnt="2" custScaleY="202323" custLinFactNeighborX="1030" custLinFactNeighborY="-11618">
+        <dgm:presLayoutVars>
+          <dgm:chPref val="3"/>
+        </dgm:presLayoutVars>
+      </dgm:prSet>
+      <dgm:spPr/>
+      <dgm:t>
+        <a:bodyPr/>
+        <a:lstStyle/>
+        <a:p>
+          <a:endParaRPr lang="en-US"/>
+        </a:p>
+      </dgm:t>
+    </dgm:pt>
+    <dgm:pt modelId="{7F12A511-9FF4-C84D-95E4-E6171763BF02}" type="pres">
+      <dgm:prSet presAssocID="{36F00027-4B44-9247-8B43-81263A96F936}" presName="level3hierChild" presStyleCnt="0"/>
+      <dgm:spPr/>
+    </dgm:pt>
+    <dgm:pt modelId="{7E260FB5-83CC-D64C-B7CB-8B3DCADF89A5}" type="pres">
+      <dgm:prSet presAssocID="{7F466DD2-7FF8-DA44-8BE0-C557A5006042}" presName="conn2-1" presStyleLbl="parChTrans1D4" presStyleIdx="0" presStyleCnt="2"/>
+      <dgm:spPr/>
+      <dgm:t>
+        <a:bodyPr/>
+        <a:lstStyle/>
+        <a:p>
+          <a:endParaRPr lang="en-US"/>
+        </a:p>
+      </dgm:t>
+    </dgm:pt>
+    <dgm:pt modelId="{1BFA7BDB-9D29-BA4F-B15E-8F749A2CD997}" type="pres">
+      <dgm:prSet presAssocID="{7F466DD2-7FF8-DA44-8BE0-C557A5006042}" presName="connTx" presStyleLbl="parChTrans1D4" presStyleIdx="0" presStyleCnt="2"/>
+      <dgm:spPr/>
+      <dgm:t>
+        <a:bodyPr/>
+        <a:lstStyle/>
+        <a:p>
+          <a:endParaRPr lang="en-US"/>
+        </a:p>
+      </dgm:t>
+    </dgm:pt>
+    <dgm:pt modelId="{89D4C496-C8F6-9D44-95A1-AEF7F19A8827}" type="pres">
+      <dgm:prSet presAssocID="{83DC6BD8-F9B9-744C-AB8B-2E1A1165E961}" presName="root2" presStyleCnt="0"/>
+      <dgm:spPr/>
+    </dgm:pt>
+    <dgm:pt modelId="{2F884030-3C31-7A45-BCC3-F16870E41558}" type="pres">
+      <dgm:prSet presAssocID="{83DC6BD8-F9B9-744C-AB8B-2E1A1165E961}" presName="LevelTwoTextNode" presStyleLbl="node4" presStyleIdx="0" presStyleCnt="2" custScaleY="201113" custLinFactNeighborX="1030" custLinFactNeighborY="-11013">
+        <dgm:presLayoutVars>
+          <dgm:chPref val="3"/>
+        </dgm:presLayoutVars>
+      </dgm:prSet>
+      <dgm:spPr/>
+      <dgm:t>
+        <a:bodyPr/>
+        <a:lstStyle/>
+        <a:p>
+          <a:endParaRPr lang="en-US"/>
+        </a:p>
+      </dgm:t>
+    </dgm:pt>
+    <dgm:pt modelId="{5582945A-1302-864F-AE7E-4DC5A75A1282}" type="pres">
+      <dgm:prSet presAssocID="{83DC6BD8-F9B9-744C-AB8B-2E1A1165E961}" presName="level3hierChild" presStyleCnt="0"/>
+      <dgm:spPr/>
+    </dgm:pt>
+    <dgm:pt modelId="{4A3F2E00-CDDC-2545-AC26-7AC50DF94A5F}" type="pres">
+      <dgm:prSet presAssocID="{D5D08173-743A-C745-BBD7-03B0A2FBF3F1}" presName="conn2-1" presStyleLbl="parChTrans1D2" presStyleIdx="1" presStyleCnt="2"/>
+      <dgm:spPr/>
+      <dgm:t>
+        <a:bodyPr/>
+        <a:lstStyle/>
+        <a:p>
+          <a:endParaRPr lang="en-US"/>
+        </a:p>
+      </dgm:t>
+    </dgm:pt>
+    <dgm:pt modelId="{977A7E78-6DB1-D343-8E0B-E969B0EDC8EE}" type="pres">
+      <dgm:prSet presAssocID="{D5D08173-743A-C745-BBD7-03B0A2FBF3F1}" presName="connTx" presStyleLbl="parChTrans1D2" presStyleIdx="1" presStyleCnt="2"/>
+      <dgm:spPr/>
+      <dgm:t>
+        <a:bodyPr/>
+        <a:lstStyle/>
+        <a:p>
+          <a:endParaRPr lang="en-US"/>
+        </a:p>
+      </dgm:t>
+    </dgm:pt>
+    <dgm:pt modelId="{1A76F101-87BE-7346-8C2B-3E9E252E0AFA}" type="pres">
+      <dgm:prSet presAssocID="{FB808B6D-1C26-2D4A-84B6-0FB926FA95AB}" presName="root2" presStyleCnt="0"/>
+      <dgm:spPr/>
+    </dgm:pt>
+    <dgm:pt modelId="{EFBC0DDB-71A7-A443-88DA-64D1D04C1557}" type="pres">
+      <dgm:prSet presAssocID="{FB808B6D-1C26-2D4A-84B6-0FB926FA95AB}" presName="LevelTwoTextNode" presStyleLbl="node2" presStyleIdx="1" presStyleCnt="2" custScaleY="192910" custLinFactNeighborY="18098">
+        <dgm:presLayoutVars>
+          <dgm:chPref val="3"/>
+        </dgm:presLayoutVars>
+      </dgm:prSet>
+      <dgm:spPr/>
+      <dgm:t>
+        <a:bodyPr/>
+        <a:lstStyle/>
+        <a:p>
+          <a:endParaRPr lang="en-US"/>
+        </a:p>
+      </dgm:t>
+    </dgm:pt>
+    <dgm:pt modelId="{EBFA5A11-4199-E142-B776-0CF1E56A8265}" type="pres">
+      <dgm:prSet presAssocID="{FB808B6D-1C26-2D4A-84B6-0FB926FA95AB}" presName="level3hierChild" presStyleCnt="0"/>
+      <dgm:spPr/>
+    </dgm:pt>
+    <dgm:pt modelId="{3A391B2A-E811-CB42-AB8D-4DA069BC91C5}" type="pres">
+      <dgm:prSet presAssocID="{C8562C53-23F9-F443-9B8F-1077ED4A18E8}" presName="conn2-1" presStyleLbl="parChTrans1D3" presStyleIdx="1" presStyleCnt="2"/>
+      <dgm:spPr/>
+      <dgm:t>
+        <a:bodyPr/>
+        <a:lstStyle/>
+        <a:p>
+          <a:endParaRPr lang="en-US"/>
+        </a:p>
+      </dgm:t>
+    </dgm:pt>
+    <dgm:pt modelId="{1FCA5831-8FEF-EB46-8B92-692026EED4C7}" type="pres">
+      <dgm:prSet presAssocID="{C8562C53-23F9-F443-9B8F-1077ED4A18E8}" presName="connTx" presStyleLbl="parChTrans1D3" presStyleIdx="1" presStyleCnt="2"/>
+      <dgm:spPr/>
+      <dgm:t>
+        <a:bodyPr/>
+        <a:lstStyle/>
+        <a:p>
+          <a:endParaRPr lang="en-US"/>
+        </a:p>
+      </dgm:t>
+    </dgm:pt>
+    <dgm:pt modelId="{1BFD691A-D1FC-A04F-A726-600810B69652}" type="pres">
+      <dgm:prSet presAssocID="{4B0CAB51-8FE6-254B-9405-EE6509BD66EC}" presName="root2" presStyleCnt="0"/>
+      <dgm:spPr/>
+    </dgm:pt>
+    <dgm:pt modelId="{883936E3-F0AF-3F41-B536-12426BAF9D16}" type="pres">
+      <dgm:prSet presAssocID="{4B0CAB51-8FE6-254B-9405-EE6509BD66EC}" presName="LevelTwoTextNode" presStyleLbl="node3" presStyleIdx="1" presStyleCnt="2" custScaleY="192789" custLinFactNeighborY="18098">
+        <dgm:presLayoutVars>
+          <dgm:chPref val="3"/>
+        </dgm:presLayoutVars>
+      </dgm:prSet>
+      <dgm:spPr/>
+      <dgm:t>
+        <a:bodyPr/>
+        <a:lstStyle/>
+        <a:p>
+          <a:endParaRPr lang="en-US"/>
+        </a:p>
+      </dgm:t>
+    </dgm:pt>
+    <dgm:pt modelId="{114A0B62-0E79-0F40-BA9C-F1C3F30E04E9}" type="pres">
+      <dgm:prSet presAssocID="{4B0CAB51-8FE6-254B-9405-EE6509BD66EC}" presName="level3hierChild" presStyleCnt="0"/>
+      <dgm:spPr/>
+    </dgm:pt>
+    <dgm:pt modelId="{F905D205-D40B-244F-8762-36981FA53A25}" type="pres">
+      <dgm:prSet presAssocID="{C2EA57CF-A6FA-CC46-AD48-F2032B3378D0}" presName="conn2-1" presStyleLbl="parChTrans1D4" presStyleIdx="1" presStyleCnt="2"/>
+      <dgm:spPr/>
+      <dgm:t>
+        <a:bodyPr/>
+        <a:lstStyle/>
+        <a:p>
+          <a:endParaRPr lang="en-US"/>
+        </a:p>
+      </dgm:t>
+    </dgm:pt>
+    <dgm:pt modelId="{9E24C2FF-0426-4E44-935C-3DAF0EBEAC15}" type="pres">
+      <dgm:prSet presAssocID="{C2EA57CF-A6FA-CC46-AD48-F2032B3378D0}" presName="connTx" presStyleLbl="parChTrans1D4" presStyleIdx="1" presStyleCnt="2"/>
+      <dgm:spPr/>
+      <dgm:t>
+        <a:bodyPr/>
+        <a:lstStyle/>
+        <a:p>
+          <a:endParaRPr lang="en-US"/>
+        </a:p>
+      </dgm:t>
+    </dgm:pt>
+    <dgm:pt modelId="{0678F5D5-3ED4-684F-9692-7484CD8CE5F9}" type="pres">
+      <dgm:prSet presAssocID="{37B010D5-D15A-1540-BB25-C0FBDE1E387E}" presName="root2" presStyleCnt="0"/>
+      <dgm:spPr/>
+    </dgm:pt>
+    <dgm:pt modelId="{258DAB30-C53A-A947-8BD3-885D6DDA6638}" type="pres">
+      <dgm:prSet presAssocID="{37B010D5-D15A-1540-BB25-C0FBDE1E387E}" presName="LevelTwoTextNode" presStyleLbl="node4" presStyleIdx="1" presStyleCnt="2" custScaleY="189481" custLinFactNeighborY="18098">
+        <dgm:presLayoutVars>
+          <dgm:chPref val="3"/>
+        </dgm:presLayoutVars>
+      </dgm:prSet>
+      <dgm:spPr/>
+      <dgm:t>
+        <a:bodyPr/>
+        <a:lstStyle/>
+        <a:p>
+          <a:endParaRPr lang="en-US"/>
+        </a:p>
+      </dgm:t>
+    </dgm:pt>
+    <dgm:pt modelId="{D1E8033C-A89F-BB44-9125-8DE6B7EF6891}" type="pres">
+      <dgm:prSet presAssocID="{37B010D5-D15A-1540-BB25-C0FBDE1E387E}" presName="level3hierChild" presStyleCnt="0"/>
+      <dgm:spPr/>
+    </dgm:pt>
+  </dgm:ptLst>
+  <dgm:cxnLst>
+    <dgm:cxn modelId="{D05CD78E-5BB6-A54D-90E9-E0FC818A18DF}" type="presOf" srcId="{36F00027-4B44-9247-8B43-81263A96F936}" destId="{56DEDB26-8E42-E241-9387-B06B6A6706A0}" srcOrd="0" destOrd="0" presId="urn:microsoft.com/office/officeart/2005/8/layout/hierarchy2"/>
+    <dgm:cxn modelId="{7CA89ED3-0B7A-D94A-AF7B-DAB9D28EB96D}" type="presOf" srcId="{C8562C53-23F9-F443-9B8F-1077ED4A18E8}" destId="{1FCA5831-8FEF-EB46-8B92-692026EED4C7}" srcOrd="1" destOrd="0" presId="urn:microsoft.com/office/officeart/2005/8/layout/hierarchy2"/>
+    <dgm:cxn modelId="{F064D086-2CA5-714B-B1FA-78F9E3EC4158}" srcId="{DEA654AB-2A99-2D4C-B37D-0D0D4A47C4A4}" destId="{36F00027-4B44-9247-8B43-81263A96F936}" srcOrd="0" destOrd="0" parTransId="{96A932CC-9D7E-1B4C-A50C-07B303E4AD1F}" sibTransId="{D5E02D4A-37A2-6A4B-9EB5-C5E18F5A4D69}"/>
+    <dgm:cxn modelId="{76028D5A-3E8F-A843-BA28-CC03F46613CC}" type="presOf" srcId="{D5D08173-743A-C745-BBD7-03B0A2FBF3F1}" destId="{4A3F2E00-CDDC-2545-AC26-7AC50DF94A5F}" srcOrd="0" destOrd="0" presId="urn:microsoft.com/office/officeart/2005/8/layout/hierarchy2"/>
+    <dgm:cxn modelId="{098C94EA-BB1C-7948-AB55-7AEA7AD2FF18}" type="presOf" srcId="{C8562C53-23F9-F443-9B8F-1077ED4A18E8}" destId="{3A391B2A-E811-CB42-AB8D-4DA069BC91C5}" srcOrd="0" destOrd="0" presId="urn:microsoft.com/office/officeart/2005/8/layout/hierarchy2"/>
+    <dgm:cxn modelId="{6FA4AE17-B92A-D645-9330-BA08627B5A3D}" type="presOf" srcId="{8FB5C65F-2741-D842-93FD-98595C81DC68}" destId="{F78999E4-C30E-7D49-96FD-7D69FE977A9B}" srcOrd="0" destOrd="0" presId="urn:microsoft.com/office/officeart/2005/8/layout/hierarchy2"/>
+    <dgm:cxn modelId="{D8C062AA-E927-A745-8654-B1D15CCEF2C5}" type="presOf" srcId="{C2EA57CF-A6FA-CC46-AD48-F2032B3378D0}" destId="{F905D205-D40B-244F-8762-36981FA53A25}" srcOrd="0" destOrd="0" presId="urn:microsoft.com/office/officeart/2005/8/layout/hierarchy2"/>
+    <dgm:cxn modelId="{C11602FB-F1E4-3F4B-9CC6-031476D1846D}" srcId="{8FB5C65F-2741-D842-93FD-98595C81DC68}" destId="{FB808B6D-1C26-2D4A-84B6-0FB926FA95AB}" srcOrd="1" destOrd="0" parTransId="{D5D08173-743A-C745-BBD7-03B0A2FBF3F1}" sibTransId="{2D098E47-8735-5348-B069-A6D66A9AC705}"/>
+    <dgm:cxn modelId="{ED9A12A7-FA57-4E49-BB4E-2499DFB55F73}" type="presOf" srcId="{38BCFF50-92A4-214F-B4AC-BAF0A8FC2C54}" destId="{59E7AC12-9C23-DD47-BCF4-94CAA60225DF}" srcOrd="0" destOrd="0" presId="urn:microsoft.com/office/officeart/2005/8/layout/hierarchy2"/>
+    <dgm:cxn modelId="{FCF9E679-22CA-B542-A910-C94A4A8D1D04}" type="presOf" srcId="{7F466DD2-7FF8-DA44-8BE0-C557A5006042}" destId="{7E260FB5-83CC-D64C-B7CB-8B3DCADF89A5}" srcOrd="0" destOrd="0" presId="urn:microsoft.com/office/officeart/2005/8/layout/hierarchy2"/>
+    <dgm:cxn modelId="{47E62C93-B066-524A-93A3-0A40018A89AD}" srcId="{4B0CAB51-8FE6-254B-9405-EE6509BD66EC}" destId="{37B010D5-D15A-1540-BB25-C0FBDE1E387E}" srcOrd="0" destOrd="0" parTransId="{C2EA57CF-A6FA-CC46-AD48-F2032B3378D0}" sibTransId="{AC40C823-D113-CC44-B3E3-D10889EA925D}"/>
+    <dgm:cxn modelId="{015C6CA9-D665-1247-BB64-790A0AE4678C}" type="presOf" srcId="{2945A5F6-DF41-FB4C-9648-07F2E5A87323}" destId="{5EA4AC85-FB1A-0548-907E-86F8A5B8BD84}" srcOrd="0" destOrd="0" presId="urn:microsoft.com/office/officeart/2005/8/layout/hierarchy2"/>
+    <dgm:cxn modelId="{ACE546D0-6F85-CE4F-81CD-EF795BABEB99}" type="presOf" srcId="{7F466DD2-7FF8-DA44-8BE0-C557A5006042}" destId="{1BFA7BDB-9D29-BA4F-B15E-8F749A2CD997}" srcOrd="1" destOrd="0" presId="urn:microsoft.com/office/officeart/2005/8/layout/hierarchy2"/>
+    <dgm:cxn modelId="{4B53AB0F-CAA3-1F4C-A852-6AD5ACA01ACD}" srcId="{36F00027-4B44-9247-8B43-81263A96F936}" destId="{83DC6BD8-F9B9-744C-AB8B-2E1A1165E961}" srcOrd="0" destOrd="0" parTransId="{7F466DD2-7FF8-DA44-8BE0-C557A5006042}" sibTransId="{D3DF5B39-A328-054B-A71C-79195F2AB505}"/>
+    <dgm:cxn modelId="{A0549815-1DBF-0742-ABE1-FF1D7B21EEB1}" type="presOf" srcId="{96A932CC-9D7E-1B4C-A50C-07B303E4AD1F}" destId="{3E9F50F9-F4CC-D14D-A9FF-B02A6C7061EB}" srcOrd="1" destOrd="0" presId="urn:microsoft.com/office/officeart/2005/8/layout/hierarchy2"/>
+    <dgm:cxn modelId="{8CAC92FF-E1DB-664A-BD34-42E327D509FF}" srcId="{2945A5F6-DF41-FB4C-9648-07F2E5A87323}" destId="{8FB5C65F-2741-D842-93FD-98595C81DC68}" srcOrd="0" destOrd="0" parTransId="{2B279E28-9114-7A47-A8B4-E31BB332B327}" sibTransId="{86449BC1-66C7-2045-8151-6B4D22CCA8C5}"/>
+    <dgm:cxn modelId="{306037DC-CC3A-4244-8402-8E3558C68CD6}" type="presOf" srcId="{4B0CAB51-8FE6-254B-9405-EE6509BD66EC}" destId="{883936E3-F0AF-3F41-B536-12426BAF9D16}" srcOrd="0" destOrd="0" presId="urn:microsoft.com/office/officeart/2005/8/layout/hierarchy2"/>
+    <dgm:cxn modelId="{AB54B4AC-74BD-B34A-9462-2798B3BEEF71}" type="presOf" srcId="{96A932CC-9D7E-1B4C-A50C-07B303E4AD1F}" destId="{1CB4ECB9-C5D2-424A-A5EB-50FA3C077CB5}" srcOrd="0" destOrd="0" presId="urn:microsoft.com/office/officeart/2005/8/layout/hierarchy2"/>
+    <dgm:cxn modelId="{0F532070-E37D-A54E-8ABF-BA355EED5BAA}" type="presOf" srcId="{D5D08173-743A-C745-BBD7-03B0A2FBF3F1}" destId="{977A7E78-6DB1-D343-8E0B-E969B0EDC8EE}" srcOrd="1" destOrd="0" presId="urn:microsoft.com/office/officeart/2005/8/layout/hierarchy2"/>
+    <dgm:cxn modelId="{7904B050-5B70-214A-B0A4-1C05F5CE1681}" type="presOf" srcId="{37B010D5-D15A-1540-BB25-C0FBDE1E387E}" destId="{258DAB30-C53A-A947-8BD3-885D6DDA6638}" srcOrd="0" destOrd="0" presId="urn:microsoft.com/office/officeart/2005/8/layout/hierarchy2"/>
+    <dgm:cxn modelId="{37CA7A66-E712-5C4E-92AE-4AA993984D26}" type="presOf" srcId="{C2EA57CF-A6FA-CC46-AD48-F2032B3378D0}" destId="{9E24C2FF-0426-4E44-935C-3DAF0EBEAC15}" srcOrd="1" destOrd="0" presId="urn:microsoft.com/office/officeart/2005/8/layout/hierarchy2"/>
+    <dgm:cxn modelId="{6133ECAF-59FE-A842-80BC-A45818B5DEB8}" srcId="{8FB5C65F-2741-D842-93FD-98595C81DC68}" destId="{DEA654AB-2A99-2D4C-B37D-0D0D4A47C4A4}" srcOrd="0" destOrd="0" parTransId="{38BCFF50-92A4-214F-B4AC-BAF0A8FC2C54}" sibTransId="{9F7FC6BE-7851-0744-B0FC-731B37B5AFC2}"/>
+    <dgm:cxn modelId="{D6BDC224-D871-6843-84E2-BE5ACFB50629}" type="presOf" srcId="{83DC6BD8-F9B9-744C-AB8B-2E1A1165E961}" destId="{2F884030-3C31-7A45-BCC3-F16870E41558}" srcOrd="0" destOrd="0" presId="urn:microsoft.com/office/officeart/2005/8/layout/hierarchy2"/>
+    <dgm:cxn modelId="{AA83204B-A84D-1144-9FAC-388B1DFA5ED5}" type="presOf" srcId="{38BCFF50-92A4-214F-B4AC-BAF0A8FC2C54}" destId="{570BF7CA-5857-D74C-B99E-3A5E92FC6CA2}" srcOrd="1" destOrd="0" presId="urn:microsoft.com/office/officeart/2005/8/layout/hierarchy2"/>
+    <dgm:cxn modelId="{C64D2377-43F0-FC44-9CEB-6A6F91EAD903}" type="presOf" srcId="{FB808B6D-1C26-2D4A-84B6-0FB926FA95AB}" destId="{EFBC0DDB-71A7-A443-88DA-64D1D04C1557}" srcOrd="0" destOrd="0" presId="urn:microsoft.com/office/officeart/2005/8/layout/hierarchy2"/>
+    <dgm:cxn modelId="{2983D8DA-6F76-F94C-9A5D-EF6FB951671A}" srcId="{FB808B6D-1C26-2D4A-84B6-0FB926FA95AB}" destId="{4B0CAB51-8FE6-254B-9405-EE6509BD66EC}" srcOrd="0" destOrd="0" parTransId="{C8562C53-23F9-F443-9B8F-1077ED4A18E8}" sibTransId="{0BE0F917-EC48-F644-A970-197EDF54B286}"/>
+    <dgm:cxn modelId="{891EEEB9-7516-3440-A9C8-56B2F35669AE}" type="presOf" srcId="{DEA654AB-2A99-2D4C-B37D-0D0D4A47C4A4}" destId="{F59F843F-AF38-864F-8FF5-3C3792E5C3B4}" srcOrd="0" destOrd="0" presId="urn:microsoft.com/office/officeart/2005/8/layout/hierarchy2"/>
+    <dgm:cxn modelId="{4751F521-9A3A-D04F-9D3E-4B04A12F27D6}" type="presParOf" srcId="{5EA4AC85-FB1A-0548-907E-86F8A5B8BD84}" destId="{25360E68-A1F2-B847-9716-10E447DC744E}" srcOrd="0" destOrd="0" presId="urn:microsoft.com/office/officeart/2005/8/layout/hierarchy2"/>
+    <dgm:cxn modelId="{486D0A9B-A1A8-3A4C-9A1B-B2DE28658803}" type="presParOf" srcId="{25360E68-A1F2-B847-9716-10E447DC744E}" destId="{F78999E4-C30E-7D49-96FD-7D69FE977A9B}" srcOrd="0" destOrd="0" presId="urn:microsoft.com/office/officeart/2005/8/layout/hierarchy2"/>
+    <dgm:cxn modelId="{CC2787EE-0629-6F48-9CA5-78BF620509D6}" type="presParOf" srcId="{25360E68-A1F2-B847-9716-10E447DC744E}" destId="{3DDB586E-5547-474D-9B83-C483C815FA08}" srcOrd="1" destOrd="0" presId="urn:microsoft.com/office/officeart/2005/8/layout/hierarchy2"/>
+    <dgm:cxn modelId="{CC317A13-C5B4-D44D-A71E-C6720A8C7C49}" type="presParOf" srcId="{3DDB586E-5547-474D-9B83-C483C815FA08}" destId="{59E7AC12-9C23-DD47-BCF4-94CAA60225DF}" srcOrd="0" destOrd="0" presId="urn:microsoft.com/office/officeart/2005/8/layout/hierarchy2"/>
+    <dgm:cxn modelId="{D5C0944D-AFC0-2847-A057-CFADB5DBC468}" type="presParOf" srcId="{59E7AC12-9C23-DD47-BCF4-94CAA60225DF}" destId="{570BF7CA-5857-D74C-B99E-3A5E92FC6CA2}" srcOrd="0" destOrd="0" presId="urn:microsoft.com/office/officeart/2005/8/layout/hierarchy2"/>
+    <dgm:cxn modelId="{95FD1CBF-6AA1-3E45-BD63-3B84FB91C816}" type="presParOf" srcId="{3DDB586E-5547-474D-9B83-C483C815FA08}" destId="{A147D8AE-5B5E-1F47-B70D-5AF5BF0C234F}" srcOrd="1" destOrd="0" presId="urn:microsoft.com/office/officeart/2005/8/layout/hierarchy2"/>
+    <dgm:cxn modelId="{3AC4CCA0-CF04-9846-B62C-14B9B740C083}" type="presParOf" srcId="{A147D8AE-5B5E-1F47-B70D-5AF5BF0C234F}" destId="{F59F843F-AF38-864F-8FF5-3C3792E5C3B4}" srcOrd="0" destOrd="0" presId="urn:microsoft.com/office/officeart/2005/8/layout/hierarchy2"/>
+    <dgm:cxn modelId="{EA795852-D22D-A944-B6E6-6725DA6ED5AA}" type="presParOf" srcId="{A147D8AE-5B5E-1F47-B70D-5AF5BF0C234F}" destId="{8FFC20E1-BE30-1646-B9B5-E72C0E1831F0}" srcOrd="1" destOrd="0" presId="urn:microsoft.com/office/officeart/2005/8/layout/hierarchy2"/>
+    <dgm:cxn modelId="{A064CAA1-F23A-6346-87A2-730C8AEC917D}" type="presParOf" srcId="{8FFC20E1-BE30-1646-B9B5-E72C0E1831F0}" destId="{1CB4ECB9-C5D2-424A-A5EB-50FA3C077CB5}" srcOrd="0" destOrd="0" presId="urn:microsoft.com/office/officeart/2005/8/layout/hierarchy2"/>
+    <dgm:cxn modelId="{14CE60A6-05B3-744B-BFA5-6AD60DB60A27}" type="presParOf" srcId="{1CB4ECB9-C5D2-424A-A5EB-50FA3C077CB5}" destId="{3E9F50F9-F4CC-D14D-A9FF-B02A6C7061EB}" srcOrd="0" destOrd="0" presId="urn:microsoft.com/office/officeart/2005/8/layout/hierarchy2"/>
+    <dgm:cxn modelId="{5A7D2524-7561-134F-A5FF-17CAF9E12327}" type="presParOf" srcId="{8FFC20E1-BE30-1646-B9B5-E72C0E1831F0}" destId="{F8D18F08-4E50-D748-9E2B-6BA94F469315}" srcOrd="1" destOrd="0" presId="urn:microsoft.com/office/officeart/2005/8/layout/hierarchy2"/>
+    <dgm:cxn modelId="{9F1D3BA6-95DE-F543-B1FA-FFFA7C6BDB3C}" type="presParOf" srcId="{F8D18F08-4E50-D748-9E2B-6BA94F469315}" destId="{56DEDB26-8E42-E241-9387-B06B6A6706A0}" srcOrd="0" destOrd="0" presId="urn:microsoft.com/office/officeart/2005/8/layout/hierarchy2"/>
+    <dgm:cxn modelId="{0455E3C1-0398-EB46-87E4-7B0990457214}" type="presParOf" srcId="{F8D18F08-4E50-D748-9E2B-6BA94F469315}" destId="{7F12A511-9FF4-C84D-95E4-E6171763BF02}" srcOrd="1" destOrd="0" presId="urn:microsoft.com/office/officeart/2005/8/layout/hierarchy2"/>
+    <dgm:cxn modelId="{703ACEE2-FA88-8747-AD4F-A57D1B3D6A4C}" type="presParOf" srcId="{7F12A511-9FF4-C84D-95E4-E6171763BF02}" destId="{7E260FB5-83CC-D64C-B7CB-8B3DCADF89A5}" srcOrd="0" destOrd="0" presId="urn:microsoft.com/office/officeart/2005/8/layout/hierarchy2"/>
+    <dgm:cxn modelId="{0D619CA3-0464-1C4F-89E5-016D9F9F062D}" type="presParOf" srcId="{7E260FB5-83CC-D64C-B7CB-8B3DCADF89A5}" destId="{1BFA7BDB-9D29-BA4F-B15E-8F749A2CD997}" srcOrd="0" destOrd="0" presId="urn:microsoft.com/office/officeart/2005/8/layout/hierarchy2"/>
+    <dgm:cxn modelId="{7E6B0FF7-121F-E44D-8052-4872CD49BBCC}" type="presParOf" srcId="{7F12A511-9FF4-C84D-95E4-E6171763BF02}" destId="{89D4C496-C8F6-9D44-95A1-AEF7F19A8827}" srcOrd="1" destOrd="0" presId="urn:microsoft.com/office/officeart/2005/8/layout/hierarchy2"/>
+    <dgm:cxn modelId="{4D3DAA45-96B8-1049-A046-10A1EB0433C6}" type="presParOf" srcId="{89D4C496-C8F6-9D44-95A1-AEF7F19A8827}" destId="{2F884030-3C31-7A45-BCC3-F16870E41558}" srcOrd="0" destOrd="0" presId="urn:microsoft.com/office/officeart/2005/8/layout/hierarchy2"/>
+    <dgm:cxn modelId="{8872F6B2-7433-E74B-839F-5A7B2939A2CF}" type="presParOf" srcId="{89D4C496-C8F6-9D44-95A1-AEF7F19A8827}" destId="{5582945A-1302-864F-AE7E-4DC5A75A1282}" srcOrd="1" destOrd="0" presId="urn:microsoft.com/office/officeart/2005/8/layout/hierarchy2"/>
+    <dgm:cxn modelId="{D95918D5-CDEE-644C-87D4-97827868F6BF}" type="presParOf" srcId="{3DDB586E-5547-474D-9B83-C483C815FA08}" destId="{4A3F2E00-CDDC-2545-AC26-7AC50DF94A5F}" srcOrd="2" destOrd="0" presId="urn:microsoft.com/office/officeart/2005/8/layout/hierarchy2"/>
+    <dgm:cxn modelId="{D6AF76F7-423E-5140-9D9C-98D3C4D07F63}" type="presParOf" srcId="{4A3F2E00-CDDC-2545-AC26-7AC50DF94A5F}" destId="{977A7E78-6DB1-D343-8E0B-E969B0EDC8EE}" srcOrd="0" destOrd="0" presId="urn:microsoft.com/office/officeart/2005/8/layout/hierarchy2"/>
+    <dgm:cxn modelId="{7D1977FD-6558-134C-9323-289E5B88DCD9}" type="presParOf" srcId="{3DDB586E-5547-474D-9B83-C483C815FA08}" destId="{1A76F101-87BE-7346-8C2B-3E9E252E0AFA}" srcOrd="3" destOrd="0" presId="urn:microsoft.com/office/officeart/2005/8/layout/hierarchy2"/>
+    <dgm:cxn modelId="{35F7346A-0506-9949-AA68-1432EFD0B89F}" type="presParOf" srcId="{1A76F101-87BE-7346-8C2B-3E9E252E0AFA}" destId="{EFBC0DDB-71A7-A443-88DA-64D1D04C1557}" srcOrd="0" destOrd="0" presId="urn:microsoft.com/office/officeart/2005/8/layout/hierarchy2"/>
+    <dgm:cxn modelId="{9A3A06AC-0FD3-2642-864A-883575B0BDB1}" type="presParOf" srcId="{1A76F101-87BE-7346-8C2B-3E9E252E0AFA}" destId="{EBFA5A11-4199-E142-B776-0CF1E56A8265}" srcOrd="1" destOrd="0" presId="urn:microsoft.com/office/officeart/2005/8/layout/hierarchy2"/>
+    <dgm:cxn modelId="{2000C779-A206-814B-B90C-8C34A712DACC}" type="presParOf" srcId="{EBFA5A11-4199-E142-B776-0CF1E56A8265}" destId="{3A391B2A-E811-CB42-AB8D-4DA069BC91C5}" srcOrd="0" destOrd="0" presId="urn:microsoft.com/office/officeart/2005/8/layout/hierarchy2"/>
+    <dgm:cxn modelId="{BD6D2AC5-96E3-5342-B4C1-A1F72BB25A01}" type="presParOf" srcId="{3A391B2A-E811-CB42-AB8D-4DA069BC91C5}" destId="{1FCA5831-8FEF-EB46-8B92-692026EED4C7}" srcOrd="0" destOrd="0" presId="urn:microsoft.com/office/officeart/2005/8/layout/hierarchy2"/>
+    <dgm:cxn modelId="{84C94D6A-0F3F-194D-8106-FF2FA9B39B5B}" type="presParOf" srcId="{EBFA5A11-4199-E142-B776-0CF1E56A8265}" destId="{1BFD691A-D1FC-A04F-A726-600810B69652}" srcOrd="1" destOrd="0" presId="urn:microsoft.com/office/officeart/2005/8/layout/hierarchy2"/>
+    <dgm:cxn modelId="{2995E5BD-EBD4-284D-9EA0-AC9A32E18397}" type="presParOf" srcId="{1BFD691A-D1FC-A04F-A726-600810B69652}" destId="{883936E3-F0AF-3F41-B536-12426BAF9D16}" srcOrd="0" destOrd="0" presId="urn:microsoft.com/office/officeart/2005/8/layout/hierarchy2"/>
+    <dgm:cxn modelId="{BBF177EA-7E9D-6A4C-B2D6-59195D221D45}" type="presParOf" srcId="{1BFD691A-D1FC-A04F-A726-600810B69652}" destId="{114A0B62-0E79-0F40-BA9C-F1C3F30E04E9}" srcOrd="1" destOrd="0" presId="urn:microsoft.com/office/officeart/2005/8/layout/hierarchy2"/>
+    <dgm:cxn modelId="{4D1C9776-8A3C-BA42-8FE5-ED27D4C8953E}" type="presParOf" srcId="{114A0B62-0E79-0F40-BA9C-F1C3F30E04E9}" destId="{F905D205-D40B-244F-8762-36981FA53A25}" srcOrd="0" destOrd="0" presId="urn:microsoft.com/office/officeart/2005/8/layout/hierarchy2"/>
+    <dgm:cxn modelId="{51A2E990-7A05-B041-9872-1816F1BB154A}" type="presParOf" srcId="{F905D205-D40B-244F-8762-36981FA53A25}" destId="{9E24C2FF-0426-4E44-935C-3DAF0EBEAC15}" srcOrd="0" destOrd="0" presId="urn:microsoft.com/office/officeart/2005/8/layout/hierarchy2"/>
+    <dgm:cxn modelId="{D7DDD193-2E4F-6049-B9B9-4BC3D30EDCA0}" type="presParOf" srcId="{114A0B62-0E79-0F40-BA9C-F1C3F30E04E9}" destId="{0678F5D5-3ED4-684F-9692-7484CD8CE5F9}" srcOrd="1" destOrd="0" presId="urn:microsoft.com/office/officeart/2005/8/layout/hierarchy2"/>
+    <dgm:cxn modelId="{EE5FD793-2972-D944-A89B-5870E23FA101}" type="presParOf" srcId="{0678F5D5-3ED4-684F-9692-7484CD8CE5F9}" destId="{258DAB30-C53A-A947-8BD3-885D6DDA6638}" srcOrd="0" destOrd="0" presId="urn:microsoft.com/office/officeart/2005/8/layout/hierarchy2"/>
+    <dgm:cxn modelId="{FC0C2C35-AE86-E04F-A630-11F827EEC366}" type="presParOf" srcId="{0678F5D5-3ED4-684F-9692-7484CD8CE5F9}" destId="{D1E8033C-A89F-BB44-9125-8DE6B7EF6891}" srcOrd="1" destOrd="0" presId="urn:microsoft.com/office/officeart/2005/8/layout/hierarchy2"/>
+  </dgm:cxnLst>
+  <dgm:bg/>
+  <dgm:whole/>
+  <dgm:extLst>
+    <a:ext uri="http://schemas.microsoft.com/office/drawing/2008/diagram">
+      <dsp:dataModelExt xmlns:dsp="http://schemas.microsoft.com/office/drawing/2008/diagram" relId="rId6" minVer="http://schemas.openxmlformats.org/drawingml/2006/diagram"/>
+    </a:ext>
+  </dgm:extLst>
+</dgm:dataModel>
+</file>
+
+<file path=ppt/diagrams/drawing1.xml><?xml version="1.0" encoding="utf-8"?>
+<dsp:drawing xmlns:dgm="http://schemas.openxmlformats.org/drawingml/2006/diagram" xmlns:dsp="http://schemas.microsoft.com/office/drawing/2008/diagram" xmlns:a="http://schemas.openxmlformats.org/drawingml/2006/main">
+  <dsp:spTree>
+    <dsp:nvGrpSpPr>
+      <dsp:cNvPr id="0" name=""/>
+      <dsp:cNvGrpSpPr/>
+    </dsp:nvGrpSpPr>
+    <dsp:grpSpPr/>
+    <dsp:sp modelId="{F78999E4-C30E-7D49-96FD-7D69FE977A9B}">
+      <dsp:nvSpPr>
+        <dsp:cNvPr id="0" name=""/>
+        <dsp:cNvSpPr/>
+      </dsp:nvSpPr>
+      <dsp:spPr>
+        <a:xfrm>
+          <a:off x="10855" y="2217790"/>
+          <a:ext cx="1875069" cy="1799551"/>
+        </a:xfrm>
+        <a:prstGeom prst="roundRect">
+          <a:avLst>
+            <a:gd name="adj" fmla="val 10000"/>
+          </a:avLst>
+        </a:prstGeom>
+        <a:solidFill>
+          <a:schemeClr val="accent4">
+            <a:hueOff val="0"/>
+            <a:satOff val="0"/>
+            <a:lumOff val="0"/>
+            <a:alphaOff val="0"/>
+          </a:schemeClr>
+        </a:solidFill>
+        <a:ln w="12700" cap="flat" cmpd="sng" algn="ctr">
+          <a:solidFill>
+            <a:schemeClr val="lt1">
+              <a:hueOff val="0"/>
+              <a:satOff val="0"/>
+              <a:lumOff val="0"/>
+              <a:alphaOff val="0"/>
+            </a:schemeClr>
+          </a:solidFill>
+          <a:prstDash val="solid"/>
+          <a:miter lim="800000"/>
+        </a:ln>
+        <a:effectLst/>
+      </dsp:spPr>
+      <dsp:style>
+        <a:lnRef idx="2">
+          <a:scrgbClr r="0" g="0" b="0"/>
+        </a:lnRef>
+        <a:fillRef idx="1">
+          <a:scrgbClr r="0" g="0" b="0"/>
+        </a:fillRef>
+        <a:effectRef idx="0">
+          <a:scrgbClr r="0" g="0" b="0"/>
+        </a:effectRef>
+        <a:fontRef idx="minor">
+          <a:schemeClr val="lt1"/>
+        </a:fontRef>
+      </dsp:style>
+      <dsp:txBody>
+        <a:bodyPr spcFirstLastPara="0" vert="horz" wrap="square" lIns="12700" tIns="12700" rIns="12700" bIns="12700" numCol="1" spcCol="1270" anchor="ctr" anchorCtr="0">
+          <a:noAutofit/>
+        </a:bodyPr>
+        <a:lstStyle/>
+        <a:p>
+          <a:pPr lvl="0" algn="ctr" defTabSz="889000">
+            <a:lnSpc>
+              <a:spcPct val="90000"/>
+            </a:lnSpc>
+            <a:spcBef>
+              <a:spcPct val="0"/>
+            </a:spcBef>
+            <a:spcAft>
+              <a:spcPct val="35000"/>
+            </a:spcAft>
+          </a:pPr>
+          <a:r>
+            <a:rPr lang="en-US" sz="2000" kern="1200" dirty="0" smtClean="0"/>
+            <a:t>Data </a:t>
+          </a:r>
+        </a:p>
+        <a:p>
+          <a:pPr lvl="0" algn="ctr" defTabSz="889000">
+            <a:lnSpc>
+              <a:spcPct val="90000"/>
+            </a:lnSpc>
+            <a:spcBef>
+              <a:spcPct val="0"/>
+            </a:spcBef>
+            <a:spcAft>
+              <a:spcPct val="35000"/>
+            </a:spcAft>
+          </a:pPr>
+          <a:r>
+            <a:rPr lang="en-US" sz="2000" kern="1200" dirty="0" smtClean="0"/>
+            <a:t>(EEG seizure and non-seizure clips)</a:t>
+          </a:r>
+          <a:endParaRPr lang="en-US" sz="2000" kern="1200" dirty="0"/>
+        </a:p>
+      </dsp:txBody>
+      <dsp:txXfrm>
+        <a:off x="63562" y="2270497"/>
+        <a:ext cx="1769655" cy="1694137"/>
+      </dsp:txXfrm>
+    </dsp:sp>
+    <dsp:sp modelId="{59E7AC12-9C23-DD47-BCF4-94CAA60225DF}">
+      <dsp:nvSpPr>
+        <dsp:cNvPr id="0" name=""/>
+        <dsp:cNvSpPr/>
+      </dsp:nvSpPr>
+      <dsp:spPr>
+        <a:xfrm rot="18282288">
+          <a:off x="1594962" y="2548477"/>
+          <a:ext cx="1351266" cy="27307"/>
+        </a:xfrm>
+        <a:custGeom>
+          <a:avLst/>
+          <a:gdLst/>
+          <a:ahLst/>
+          <a:cxnLst/>
+          <a:rect l="0" t="0" r="0" b="0"/>
+          <a:pathLst>
+            <a:path>
+              <a:moveTo>
+                <a:pt x="0" y="13653"/>
+              </a:moveTo>
+              <a:lnTo>
+                <a:pt x="1351266" y="13653"/>
+              </a:lnTo>
+            </a:path>
+          </a:pathLst>
+        </a:custGeom>
+        <a:noFill/>
+        <a:ln w="12700" cap="flat" cmpd="sng" algn="ctr">
+          <a:solidFill>
+            <a:scrgbClr r="0" g="0" b="0"/>
+          </a:solidFill>
+          <a:prstDash val="solid"/>
+          <a:miter lim="800000"/>
+          <a:tailEnd type="triangle"/>
+        </a:ln>
+        <a:effectLst/>
+      </dsp:spPr>
+      <dsp:style>
+        <a:lnRef idx="2">
+          <a:scrgbClr r="0" g="0" b="0"/>
+        </a:lnRef>
+        <a:fillRef idx="0">
+          <a:scrgbClr r="0" g="0" b="0"/>
+        </a:fillRef>
+        <a:effectRef idx="0">
+          <a:scrgbClr r="0" g="0" b="0"/>
+        </a:effectRef>
+        <a:fontRef idx="minor"/>
+      </dsp:style>
+      <dsp:txBody>
+        <a:bodyPr spcFirstLastPara="0" vert="horz" wrap="square" lIns="12700" tIns="0" rIns="12700" bIns="0" numCol="1" spcCol="1270" anchor="ctr" anchorCtr="0">
+          <a:noAutofit/>
+        </a:bodyPr>
+        <a:lstStyle/>
+        <a:p>
+          <a:pPr lvl="0" algn="ctr" defTabSz="889000">
+            <a:lnSpc>
+              <a:spcPct val="90000"/>
+            </a:lnSpc>
+            <a:spcBef>
+              <a:spcPct val="0"/>
+            </a:spcBef>
+            <a:spcAft>
+              <a:spcPct val="35000"/>
+            </a:spcAft>
+          </a:pPr>
+          <a:endParaRPr lang="en-US" sz="2000" kern="1200"/>
+        </a:p>
+      </dsp:txBody>
+      <dsp:txXfrm>
+        <a:off x="2236814" y="2528349"/>
+        <a:ext cx="67563" cy="67563"/>
+      </dsp:txXfrm>
+    </dsp:sp>
+    <dsp:sp modelId="{F59F843F-AF38-864F-8FF5-3C3792E5C3B4}">
+      <dsp:nvSpPr>
+        <dsp:cNvPr id="0" name=""/>
+        <dsp:cNvSpPr/>
+      </dsp:nvSpPr>
+      <dsp:spPr>
+        <a:xfrm>
+          <a:off x="2655266" y="1113505"/>
+          <a:ext cx="1875069" cy="1786378"/>
+        </a:xfrm>
+        <a:prstGeom prst="roundRect">
+          <a:avLst>
+            <a:gd name="adj" fmla="val 10000"/>
+          </a:avLst>
+        </a:prstGeom>
+        <a:solidFill>
+          <a:schemeClr val="accent6">
+            <a:hueOff val="0"/>
+            <a:satOff val="0"/>
+            <a:lumOff val="0"/>
+          </a:schemeClr>
+        </a:solidFill>
+        <a:ln w="12700" cap="flat" cmpd="sng" algn="ctr">
+          <a:solidFill>
+            <a:schemeClr val="lt1">
+              <a:hueOff val="0"/>
+              <a:satOff val="0"/>
+              <a:lumOff val="0"/>
+              <a:alphaOff val="0"/>
+            </a:schemeClr>
+          </a:solidFill>
+          <a:prstDash val="solid"/>
+          <a:miter lim="800000"/>
+        </a:ln>
+        <a:effectLst/>
+      </dsp:spPr>
+      <dsp:style>
+        <a:lnRef idx="2">
+          <a:scrgbClr r="0" g="0" b="0"/>
+        </a:lnRef>
+        <a:fillRef idx="1">
+          <a:scrgbClr r="0" g="0" b="0"/>
+        </a:fillRef>
+        <a:effectRef idx="0">
+          <a:scrgbClr r="0" g="0" b="0"/>
+        </a:effectRef>
+        <a:fontRef idx="minor">
+          <a:schemeClr val="lt1"/>
+        </a:fontRef>
+      </dsp:style>
+      <dsp:txBody>
+        <a:bodyPr spcFirstLastPara="0" vert="horz" wrap="square" lIns="12700" tIns="12700" rIns="12700" bIns="12700" numCol="1" spcCol="1270" anchor="ctr" anchorCtr="0">
+          <a:noAutofit/>
+        </a:bodyPr>
+        <a:lstStyle/>
+        <a:p>
+          <a:pPr lvl="0" algn="ctr" defTabSz="889000">
+            <a:lnSpc>
+              <a:spcPct val="90000"/>
+            </a:lnSpc>
+            <a:spcBef>
+              <a:spcPct val="0"/>
+            </a:spcBef>
+            <a:spcAft>
+              <a:spcPct val="35000"/>
+            </a:spcAft>
+          </a:pPr>
+          <a:r>
+            <a:rPr lang="en-US" sz="2000" kern="1200" dirty="0" smtClean="0"/>
+            <a:t>Training data</a:t>
+          </a:r>
+        </a:p>
+        <a:p>
+          <a:pPr lvl="0" algn="ctr" defTabSz="889000">
+            <a:lnSpc>
+              <a:spcPct val="90000"/>
+            </a:lnSpc>
+            <a:spcBef>
+              <a:spcPct val="0"/>
+            </a:spcBef>
+            <a:spcAft>
+              <a:spcPct val="35000"/>
+            </a:spcAft>
+          </a:pPr>
+          <a:r>
+            <a:rPr lang="en-US" sz="2000" kern="1200" dirty="0" smtClean="0"/>
+            <a:t>(EEG clips labeled as seizure or non-seizure) </a:t>
+          </a:r>
+          <a:endParaRPr lang="en-US" sz="2000" kern="1200" dirty="0"/>
+        </a:p>
+      </dsp:txBody>
+      <dsp:txXfrm>
+        <a:off x="2707587" y="1165826"/>
+        <a:ext cx="1770427" cy="1681736"/>
+      </dsp:txXfrm>
+    </dsp:sp>
+    <dsp:sp modelId="{1CB4ECB9-C5D2-424A-A5EB-50FA3C077CB5}">
+      <dsp:nvSpPr>
+        <dsp:cNvPr id="0" name=""/>
+        <dsp:cNvSpPr/>
+      </dsp:nvSpPr>
+      <dsp:spPr>
+        <a:xfrm>
+          <a:off x="4530336" y="1993041"/>
+          <a:ext cx="750027" cy="27307"/>
+        </a:xfrm>
+        <a:custGeom>
+          <a:avLst/>
+          <a:gdLst/>
+          <a:ahLst/>
+          <a:cxnLst/>
+          <a:rect l="0" t="0" r="0" b="0"/>
+          <a:pathLst>
+            <a:path>
+              <a:moveTo>
+                <a:pt x="0" y="13653"/>
+              </a:moveTo>
+              <a:lnTo>
+                <a:pt x="750027" y="13653"/>
+              </a:lnTo>
+            </a:path>
+          </a:pathLst>
+        </a:custGeom>
+        <a:noFill/>
+        <a:ln w="12700" cap="flat" cmpd="sng" algn="ctr">
+          <a:solidFill>
+            <a:scrgbClr r="0" g="0" b="0"/>
+          </a:solidFill>
+          <a:prstDash val="solid"/>
+          <a:miter lim="800000"/>
+          <a:headEnd type="none"/>
+          <a:tailEnd type="stealth"/>
+        </a:ln>
+        <a:effectLst/>
+      </dsp:spPr>
+      <dsp:style>
+        <a:lnRef idx="2">
+          <a:scrgbClr r="0" g="0" b="0"/>
+        </a:lnRef>
+        <a:fillRef idx="0">
+          <a:scrgbClr r="0" g="0" b="0"/>
+        </a:fillRef>
+        <a:effectRef idx="0">
+          <a:scrgbClr r="0" g="0" b="0"/>
+        </a:effectRef>
+        <a:fontRef idx="minor"/>
+      </dsp:style>
+      <dsp:txBody>
+        <a:bodyPr spcFirstLastPara="0" vert="horz" wrap="square" lIns="12700" tIns="0" rIns="12700" bIns="0" numCol="1" spcCol="1270" anchor="ctr" anchorCtr="0">
+          <a:noAutofit/>
+        </a:bodyPr>
+        <a:lstStyle/>
+        <a:p>
+          <a:pPr lvl="0" algn="ctr" defTabSz="889000">
+            <a:lnSpc>
+              <a:spcPct val="90000"/>
+            </a:lnSpc>
+            <a:spcBef>
+              <a:spcPct val="0"/>
+            </a:spcBef>
+            <a:spcAft>
+              <a:spcPct val="35000"/>
+            </a:spcAft>
+          </a:pPr>
+          <a:endParaRPr lang="en-US" sz="2000" kern="1200"/>
+        </a:p>
+      </dsp:txBody>
+      <dsp:txXfrm>
+        <a:off x="4886599" y="1987944"/>
+        <a:ext cx="37501" cy="37501"/>
+      </dsp:txXfrm>
+    </dsp:sp>
+    <dsp:sp modelId="{56DEDB26-8E42-E241-9387-B06B6A6706A0}">
+      <dsp:nvSpPr>
+        <dsp:cNvPr id="0" name=""/>
+        <dsp:cNvSpPr/>
+      </dsp:nvSpPr>
+      <dsp:spPr>
+        <a:xfrm>
+          <a:off x="5280364" y="1058271"/>
+          <a:ext cx="1875069" cy="1896848"/>
+        </a:xfrm>
+        <a:prstGeom prst="roundRect">
+          <a:avLst>
+            <a:gd name="adj" fmla="val 10000"/>
+          </a:avLst>
+        </a:prstGeom>
+        <a:solidFill>
+          <a:schemeClr val="accent6">
+            <a:hueOff val="0"/>
+            <a:satOff val="0"/>
+            <a:lumOff val="0"/>
+          </a:schemeClr>
+        </a:solidFill>
+        <a:ln w="12700" cap="flat" cmpd="sng" algn="ctr">
+          <a:solidFill>
+            <a:schemeClr val="lt1">
+              <a:hueOff val="0"/>
+              <a:satOff val="0"/>
+              <a:lumOff val="0"/>
+              <a:alphaOff val="0"/>
+            </a:schemeClr>
+          </a:solidFill>
+          <a:prstDash val="solid"/>
+          <a:miter lim="800000"/>
+        </a:ln>
+        <a:effectLst/>
+      </dsp:spPr>
+      <dsp:style>
+        <a:lnRef idx="2">
+          <a:scrgbClr r="0" g="0" b="0"/>
+        </a:lnRef>
+        <a:fillRef idx="1">
+          <a:scrgbClr r="0" g="0" b="0"/>
+        </a:fillRef>
+        <a:effectRef idx="0">
+          <a:scrgbClr r="0" g="0" b="0"/>
+        </a:effectRef>
+        <a:fontRef idx="minor">
+          <a:schemeClr val="lt1"/>
+        </a:fontRef>
+      </dsp:style>
+      <dsp:txBody>
+        <a:bodyPr spcFirstLastPara="0" vert="horz" wrap="square" lIns="12700" tIns="12700" rIns="12700" bIns="12700" numCol="1" spcCol="1270" anchor="ctr" anchorCtr="0">
+          <a:noAutofit/>
+        </a:bodyPr>
+        <a:lstStyle/>
+        <a:p>
+          <a:pPr lvl="0" algn="ctr" defTabSz="889000">
+            <a:lnSpc>
+              <a:spcPct val="90000"/>
+            </a:lnSpc>
+            <a:spcBef>
+              <a:spcPct val="0"/>
+            </a:spcBef>
+            <a:spcAft>
+              <a:spcPct val="35000"/>
+            </a:spcAft>
+          </a:pPr>
+          <a:r>
+            <a:rPr lang="en-US" sz="2000" kern="1200" dirty="0" smtClean="0"/>
+            <a:t>Extract signal</a:t>
+          </a:r>
+          <a:r>
+            <a:rPr lang="en-US" sz="2000" kern="1200" baseline="0" dirty="0" smtClean="0"/>
+            <a:t> </a:t>
+          </a:r>
+          <a:r>
+            <a:rPr lang="en-US" sz="2000" kern="1200" dirty="0" smtClean="0"/>
+            <a:t>features from each clip</a:t>
+          </a:r>
+        </a:p>
+      </dsp:txBody>
+      <dsp:txXfrm>
+        <a:off x="5335283" y="1113190"/>
+        <a:ext cx="1765231" cy="1787010"/>
+      </dsp:txXfrm>
+    </dsp:sp>
+    <dsp:sp modelId="{7E260FB5-83CC-D64C-B7CB-8B3DCADF89A5}">
+      <dsp:nvSpPr>
+        <dsp:cNvPr id="0" name=""/>
+        <dsp:cNvSpPr/>
+      </dsp:nvSpPr>
+      <dsp:spPr>
+        <a:xfrm rot="26294">
+          <a:off x="7155423" y="1995877"/>
+          <a:ext cx="741592" cy="27307"/>
+        </a:xfrm>
+        <a:custGeom>
+          <a:avLst/>
+          <a:gdLst/>
+          <a:ahLst/>
+          <a:cxnLst/>
+          <a:rect l="0" t="0" r="0" b="0"/>
+          <a:pathLst>
+            <a:path>
+              <a:moveTo>
+                <a:pt x="0" y="13653"/>
+              </a:moveTo>
+              <a:lnTo>
+                <a:pt x="741592" y="13653"/>
+              </a:lnTo>
+            </a:path>
+          </a:pathLst>
+        </a:custGeom>
+        <a:noFill/>
+        <a:ln w="12700" cap="flat" cmpd="sng" algn="ctr">
+          <a:solidFill>
+            <a:schemeClr val="tx1"/>
+          </a:solidFill>
+          <a:prstDash val="solid"/>
+          <a:miter lim="800000"/>
+          <a:tailEnd type="triangle"/>
+        </a:ln>
+        <a:effectLst/>
+      </dsp:spPr>
+      <dsp:style>
+        <a:lnRef idx="2">
+          <a:scrgbClr r="0" g="0" b="0"/>
+        </a:lnRef>
+        <a:fillRef idx="0">
+          <a:scrgbClr r="0" g="0" b="0"/>
+        </a:fillRef>
+        <a:effectRef idx="0">
+          <a:scrgbClr r="0" g="0" b="0"/>
+        </a:effectRef>
+        <a:fontRef idx="minor"/>
+      </dsp:style>
+      <dsp:txBody>
+        <a:bodyPr spcFirstLastPara="0" vert="horz" wrap="square" lIns="12700" tIns="0" rIns="12700" bIns="0" numCol="1" spcCol="1270" anchor="ctr" anchorCtr="0">
+          <a:noAutofit/>
+        </a:bodyPr>
+        <a:lstStyle/>
+        <a:p>
+          <a:pPr lvl="0" algn="ctr" defTabSz="889000">
+            <a:lnSpc>
+              <a:spcPct val="90000"/>
+            </a:lnSpc>
+            <a:spcBef>
+              <a:spcPct val="0"/>
+            </a:spcBef>
+            <a:spcAft>
+              <a:spcPct val="35000"/>
+            </a:spcAft>
+          </a:pPr>
+          <a:endParaRPr lang="en-US" sz="2000" kern="1200"/>
+        </a:p>
+      </dsp:txBody>
+      <dsp:txXfrm>
+        <a:off x="7507679" y="1990991"/>
+        <a:ext cx="37079" cy="37079"/>
+      </dsp:txXfrm>
+    </dsp:sp>
+    <dsp:sp modelId="{2F884030-3C31-7A45-BCC3-F16870E41558}">
+      <dsp:nvSpPr>
+        <dsp:cNvPr id="0" name=""/>
+        <dsp:cNvSpPr/>
+      </dsp:nvSpPr>
+      <dsp:spPr>
+        <a:xfrm>
+          <a:off x="7897004" y="1069615"/>
+          <a:ext cx="1875069" cy="1885504"/>
+        </a:xfrm>
+        <a:prstGeom prst="roundRect">
+          <a:avLst>
+            <a:gd name="adj" fmla="val 10000"/>
+          </a:avLst>
+        </a:prstGeom>
+        <a:solidFill>
+          <a:schemeClr val="accent6">
+            <a:hueOff val="0"/>
+            <a:satOff val="0"/>
+            <a:lumOff val="0"/>
+          </a:schemeClr>
+        </a:solidFill>
+        <a:ln w="12700" cap="flat" cmpd="sng" algn="ctr">
+          <a:solidFill>
+            <a:schemeClr val="lt1">
+              <a:hueOff val="0"/>
+              <a:satOff val="0"/>
+              <a:lumOff val="0"/>
+              <a:alphaOff val="0"/>
+            </a:schemeClr>
+          </a:solidFill>
+          <a:prstDash val="solid"/>
+          <a:miter lim="800000"/>
+        </a:ln>
+        <a:effectLst/>
+      </dsp:spPr>
+      <dsp:style>
+        <a:lnRef idx="2">
+          <a:scrgbClr r="0" g="0" b="0"/>
+        </a:lnRef>
+        <a:fillRef idx="1">
+          <a:scrgbClr r="0" g="0" b="0"/>
+        </a:fillRef>
+        <a:effectRef idx="0">
+          <a:scrgbClr r="0" g="0" b="0"/>
+        </a:effectRef>
+        <a:fontRef idx="minor">
+          <a:schemeClr val="lt1"/>
+        </a:fontRef>
+      </dsp:style>
+      <dsp:txBody>
+        <a:bodyPr spcFirstLastPara="0" vert="horz" wrap="square" lIns="12700" tIns="12700" rIns="12700" bIns="12700" numCol="1" spcCol="1270" anchor="ctr" anchorCtr="0">
+          <a:noAutofit/>
+        </a:bodyPr>
+        <a:lstStyle/>
+        <a:p>
+          <a:pPr lvl="0" algn="ctr" defTabSz="889000">
+            <a:lnSpc>
+              <a:spcPct val="90000"/>
+            </a:lnSpc>
+            <a:spcBef>
+              <a:spcPct val="0"/>
+            </a:spcBef>
+            <a:spcAft>
+              <a:spcPct val="35000"/>
+            </a:spcAft>
+          </a:pPr>
+          <a:r>
+            <a:rPr lang="en-US" sz="2000" kern="1200" dirty="0" smtClean="0"/>
+            <a:t>Feed features into predictive machine learning  model</a:t>
+          </a:r>
+          <a:endParaRPr lang="en-US" sz="2000" kern="1200" dirty="0"/>
+        </a:p>
+      </dsp:txBody>
+      <dsp:txXfrm>
+        <a:off x="7951923" y="1124534"/>
+        <a:ext cx="1765231" cy="1775666"/>
+      </dsp:txXfrm>
+    </dsp:sp>
+    <dsp:sp modelId="{4A3F2E00-CDDC-2545-AC26-7AC50DF94A5F}">
+      <dsp:nvSpPr>
+        <dsp:cNvPr id="0" name=""/>
+        <dsp:cNvSpPr/>
+      </dsp:nvSpPr>
+      <dsp:spPr>
+        <a:xfrm rot="3427550">
+          <a:off x="1570046" y="3684169"/>
+          <a:ext cx="1381786" cy="27307"/>
+        </a:xfrm>
+        <a:custGeom>
+          <a:avLst/>
+          <a:gdLst/>
+          <a:ahLst/>
+          <a:cxnLst/>
+          <a:rect l="0" t="0" r="0" b="0"/>
+          <a:pathLst>
+            <a:path>
+              <a:moveTo>
+                <a:pt x="0" y="13653"/>
+              </a:moveTo>
+              <a:lnTo>
+                <a:pt x="1381786" y="13653"/>
+              </a:lnTo>
+            </a:path>
+          </a:pathLst>
+        </a:custGeom>
+        <a:noFill/>
+        <a:ln w="12700" cap="flat" cmpd="sng" algn="ctr">
+          <a:solidFill>
+            <a:scrgbClr r="0" g="0" b="0"/>
+          </a:solidFill>
+          <a:prstDash val="solid"/>
+          <a:miter lim="800000"/>
+          <a:tailEnd type="triangle"/>
+        </a:ln>
+        <a:effectLst/>
+      </dsp:spPr>
+      <dsp:style>
+        <a:lnRef idx="2">
+          <a:scrgbClr r="0" g="0" b="0"/>
+        </a:lnRef>
+        <a:fillRef idx="0">
+          <a:scrgbClr r="0" g="0" b="0"/>
+        </a:fillRef>
+        <a:effectRef idx="0">
+          <a:scrgbClr r="0" g="0" b="0"/>
+        </a:effectRef>
+        <a:fontRef idx="minor"/>
+      </dsp:style>
+      <dsp:txBody>
+        <a:bodyPr spcFirstLastPara="0" vert="horz" wrap="square" lIns="12700" tIns="0" rIns="12700" bIns="0" numCol="1" spcCol="1270" anchor="ctr" anchorCtr="0">
+          <a:noAutofit/>
+        </a:bodyPr>
+        <a:lstStyle/>
+        <a:p>
+          <a:pPr lvl="0" algn="ctr" defTabSz="889000">
+            <a:lnSpc>
+              <a:spcPct val="90000"/>
+            </a:lnSpc>
+            <a:spcBef>
+              <a:spcPct val="0"/>
+            </a:spcBef>
+            <a:spcAft>
+              <a:spcPct val="35000"/>
+            </a:spcAft>
+          </a:pPr>
+          <a:endParaRPr lang="en-US" sz="2000" kern="1200"/>
+        </a:p>
+      </dsp:txBody>
+      <dsp:txXfrm>
+        <a:off x="2226394" y="3663278"/>
+        <a:ext cx="69089" cy="69089"/>
+      </dsp:txXfrm>
+    </dsp:sp>
+    <dsp:sp modelId="{EFBC0DDB-71A7-A443-88DA-64D1D04C1557}">
+      <dsp:nvSpPr>
+        <dsp:cNvPr id="0" name=""/>
+        <dsp:cNvSpPr/>
+      </dsp:nvSpPr>
+      <dsp:spPr>
+        <a:xfrm>
+          <a:off x="2635953" y="3373780"/>
+          <a:ext cx="1875069" cy="1808598"/>
+        </a:xfrm>
+        <a:prstGeom prst="roundRect">
+          <a:avLst>
+            <a:gd name="adj" fmla="val 10000"/>
+          </a:avLst>
+        </a:prstGeom>
+        <a:solidFill>
+          <a:schemeClr val="accent1"/>
+        </a:solidFill>
+        <a:ln w="12700" cap="flat" cmpd="sng" algn="ctr">
+          <a:solidFill>
+            <a:schemeClr val="lt1">
+              <a:hueOff val="0"/>
+              <a:satOff val="0"/>
+              <a:lumOff val="0"/>
+              <a:alphaOff val="0"/>
+            </a:schemeClr>
+          </a:solidFill>
+          <a:prstDash val="solid"/>
+          <a:miter lim="800000"/>
+        </a:ln>
+        <a:effectLst/>
+      </dsp:spPr>
+      <dsp:style>
+        <a:lnRef idx="2">
+          <a:scrgbClr r="0" g="0" b="0"/>
+        </a:lnRef>
+        <a:fillRef idx="1">
+          <a:scrgbClr r="0" g="0" b="0"/>
+        </a:fillRef>
+        <a:effectRef idx="0">
+          <a:scrgbClr r="0" g="0" b="0"/>
+        </a:effectRef>
+        <a:fontRef idx="minor">
+          <a:schemeClr val="lt1"/>
+        </a:fontRef>
+      </dsp:style>
+      <dsp:txBody>
+        <a:bodyPr spcFirstLastPara="0" vert="horz" wrap="square" lIns="12700" tIns="12700" rIns="12700" bIns="12700" numCol="1" spcCol="1270" anchor="ctr" anchorCtr="0">
+          <a:noAutofit/>
+        </a:bodyPr>
+        <a:lstStyle/>
+        <a:p>
+          <a:pPr lvl="0" algn="ctr" defTabSz="889000">
+            <a:lnSpc>
+              <a:spcPct val="90000"/>
+            </a:lnSpc>
+            <a:spcBef>
+              <a:spcPct val="0"/>
+            </a:spcBef>
+            <a:spcAft>
+              <a:spcPct val="35000"/>
+            </a:spcAft>
+          </a:pPr>
+          <a:r>
+            <a:rPr lang="en-US" sz="2000" kern="1200" dirty="0" smtClean="0"/>
+            <a:t>Testing data</a:t>
+          </a:r>
+        </a:p>
+        <a:p>
+          <a:pPr lvl="0" algn="ctr" defTabSz="889000">
+            <a:lnSpc>
+              <a:spcPct val="90000"/>
+            </a:lnSpc>
+            <a:spcBef>
+              <a:spcPct val="0"/>
+            </a:spcBef>
+            <a:spcAft>
+              <a:spcPct val="35000"/>
+            </a:spcAft>
+          </a:pPr>
+          <a:r>
+            <a:rPr lang="en-US" sz="2000" kern="1200" dirty="0" smtClean="0"/>
+            <a:t> (EEG clips we</a:t>
+          </a:r>
+          <a:r>
+            <a:rPr lang="en-US" sz="2000" kern="1200" baseline="0" dirty="0" smtClean="0"/>
+            <a:t> want to classify as seizure v. non-seizure</a:t>
+          </a:r>
+          <a:r>
+            <a:rPr lang="en-US" sz="2000" kern="1200" dirty="0" smtClean="0"/>
+            <a:t>)</a:t>
+          </a:r>
+          <a:endParaRPr lang="en-US" sz="2000" kern="1200" dirty="0"/>
+        </a:p>
+      </dsp:txBody>
+      <dsp:txXfrm>
+        <a:off x="2688925" y="3426752"/>
+        <a:ext cx="1769125" cy="1702654"/>
+      </dsp:txXfrm>
+    </dsp:sp>
+    <dsp:sp modelId="{3A391B2A-E811-CB42-AB8D-4DA069BC91C5}">
+      <dsp:nvSpPr>
+        <dsp:cNvPr id="0" name=""/>
+        <dsp:cNvSpPr/>
+      </dsp:nvSpPr>
+      <dsp:spPr>
+        <a:xfrm>
+          <a:off x="4511023" y="4264426"/>
+          <a:ext cx="750027" cy="27307"/>
+        </a:xfrm>
+        <a:custGeom>
+          <a:avLst/>
+          <a:gdLst/>
+          <a:ahLst/>
+          <a:cxnLst/>
+          <a:rect l="0" t="0" r="0" b="0"/>
+          <a:pathLst>
+            <a:path>
+              <a:moveTo>
+                <a:pt x="0" y="13653"/>
+              </a:moveTo>
+              <a:lnTo>
+                <a:pt x="750027" y="13653"/>
+              </a:lnTo>
+            </a:path>
+          </a:pathLst>
+        </a:custGeom>
+        <a:noFill/>
+        <a:ln w="12700" cap="flat" cmpd="sng" algn="ctr">
+          <a:solidFill>
+            <a:scrgbClr r="0" g="0" b="0"/>
+          </a:solidFill>
+          <a:prstDash val="solid"/>
+          <a:miter lim="800000"/>
+          <a:tailEnd type="triangle"/>
+        </a:ln>
+        <a:effectLst/>
+      </dsp:spPr>
+      <dsp:style>
+        <a:lnRef idx="2">
+          <a:scrgbClr r="0" g="0" b="0"/>
+        </a:lnRef>
+        <a:fillRef idx="0">
+          <a:scrgbClr r="0" g="0" b="0"/>
+        </a:fillRef>
+        <a:effectRef idx="0">
+          <a:scrgbClr r="0" g="0" b="0"/>
+        </a:effectRef>
+        <a:fontRef idx="minor"/>
+      </dsp:style>
+      <dsp:txBody>
+        <a:bodyPr spcFirstLastPara="0" vert="horz" wrap="square" lIns="12700" tIns="0" rIns="12700" bIns="0" numCol="1" spcCol="1270" anchor="ctr" anchorCtr="0">
+          <a:noAutofit/>
+        </a:bodyPr>
+        <a:lstStyle/>
+        <a:p>
+          <a:pPr lvl="0" algn="ctr" defTabSz="889000">
+            <a:lnSpc>
+              <a:spcPct val="90000"/>
+            </a:lnSpc>
+            <a:spcBef>
+              <a:spcPct val="0"/>
+            </a:spcBef>
+            <a:spcAft>
+              <a:spcPct val="35000"/>
+            </a:spcAft>
+          </a:pPr>
+          <a:endParaRPr lang="en-US" sz="2000" kern="1200"/>
+        </a:p>
+      </dsp:txBody>
+      <dsp:txXfrm>
+        <a:off x="4867286" y="4259329"/>
+        <a:ext cx="37501" cy="37501"/>
+      </dsp:txXfrm>
+    </dsp:sp>
+    <dsp:sp modelId="{883936E3-F0AF-3F41-B536-12426BAF9D16}">
+      <dsp:nvSpPr>
+        <dsp:cNvPr id="0" name=""/>
+        <dsp:cNvSpPr/>
+      </dsp:nvSpPr>
+      <dsp:spPr>
+        <a:xfrm>
+          <a:off x="5261050" y="3374347"/>
+          <a:ext cx="1875069" cy="1807464"/>
+        </a:xfrm>
+        <a:prstGeom prst="roundRect">
+          <a:avLst>
+            <a:gd name="adj" fmla="val 10000"/>
+          </a:avLst>
+        </a:prstGeom>
+        <a:solidFill>
+          <a:schemeClr val="accent1"/>
+        </a:solidFill>
+        <a:ln w="12700" cap="flat" cmpd="sng" algn="ctr">
+          <a:solidFill>
+            <a:schemeClr val="lt1">
+              <a:hueOff val="0"/>
+              <a:satOff val="0"/>
+              <a:lumOff val="0"/>
+              <a:alphaOff val="0"/>
+            </a:schemeClr>
+          </a:solidFill>
+          <a:prstDash val="solid"/>
+          <a:miter lim="800000"/>
+        </a:ln>
+        <a:effectLst/>
+      </dsp:spPr>
+      <dsp:style>
+        <a:lnRef idx="2">
+          <a:scrgbClr r="0" g="0" b="0"/>
+        </a:lnRef>
+        <a:fillRef idx="1">
+          <a:scrgbClr r="0" g="0" b="0"/>
+        </a:fillRef>
+        <a:effectRef idx="0">
+          <a:scrgbClr r="0" g="0" b="0"/>
+        </a:effectRef>
+        <a:fontRef idx="minor">
+          <a:schemeClr val="lt1"/>
+        </a:fontRef>
+      </dsp:style>
+      <dsp:txBody>
+        <a:bodyPr spcFirstLastPara="0" vert="horz" wrap="square" lIns="12700" tIns="12700" rIns="12700" bIns="12700" numCol="1" spcCol="1270" anchor="ctr" anchorCtr="0">
+          <a:noAutofit/>
+        </a:bodyPr>
+        <a:lstStyle/>
+        <a:p>
+          <a:pPr lvl="0" algn="ctr" defTabSz="889000">
+            <a:lnSpc>
+              <a:spcPct val="90000"/>
+            </a:lnSpc>
+            <a:spcBef>
+              <a:spcPct val="0"/>
+            </a:spcBef>
+            <a:spcAft>
+              <a:spcPct val="35000"/>
+            </a:spcAft>
+          </a:pPr>
+          <a:r>
+            <a:rPr lang="en-US" sz="2000" kern="1200" dirty="0" smtClean="0"/>
+            <a:t>Extract</a:t>
+          </a:r>
+          <a:r>
+            <a:rPr lang="en-US" sz="2000" kern="1200" baseline="0" dirty="0" smtClean="0"/>
+            <a:t> signal features from each clip</a:t>
+          </a:r>
+          <a:endParaRPr lang="en-US" sz="2000" kern="1200" dirty="0" smtClean="0"/>
+        </a:p>
+      </dsp:txBody>
+      <dsp:txXfrm>
+        <a:off x="5313989" y="3427286"/>
+        <a:ext cx="1769191" cy="1701586"/>
+      </dsp:txXfrm>
+    </dsp:sp>
+    <dsp:sp modelId="{F905D205-D40B-244F-8762-36981FA53A25}">
+      <dsp:nvSpPr>
+        <dsp:cNvPr id="0" name=""/>
+        <dsp:cNvSpPr/>
+      </dsp:nvSpPr>
+      <dsp:spPr>
+        <a:xfrm>
+          <a:off x="7136120" y="4264426"/>
+          <a:ext cx="750027" cy="27307"/>
+        </a:xfrm>
+        <a:custGeom>
+          <a:avLst/>
+          <a:gdLst/>
+          <a:ahLst/>
+          <a:cxnLst/>
+          <a:rect l="0" t="0" r="0" b="0"/>
+          <a:pathLst>
+            <a:path>
+              <a:moveTo>
+                <a:pt x="0" y="13653"/>
+              </a:moveTo>
+              <a:lnTo>
+                <a:pt x="750027" y="13653"/>
+              </a:lnTo>
+            </a:path>
+          </a:pathLst>
+        </a:custGeom>
+        <a:noFill/>
+        <a:ln w="12700" cap="flat" cmpd="sng" algn="ctr">
+          <a:solidFill>
+            <a:scrgbClr r="0" g="0" b="0"/>
+          </a:solidFill>
+          <a:prstDash val="solid"/>
+          <a:miter lim="800000"/>
+          <a:tailEnd type="triangle"/>
+        </a:ln>
+        <a:effectLst/>
+      </dsp:spPr>
+      <dsp:style>
+        <a:lnRef idx="2">
+          <a:scrgbClr r="0" g="0" b="0"/>
+        </a:lnRef>
+        <a:fillRef idx="0">
+          <a:scrgbClr r="0" g="0" b="0"/>
+        </a:fillRef>
+        <a:effectRef idx="0">
+          <a:scrgbClr r="0" g="0" b="0"/>
+        </a:effectRef>
+        <a:fontRef idx="minor"/>
+      </dsp:style>
+      <dsp:txBody>
+        <a:bodyPr spcFirstLastPara="0" vert="horz" wrap="square" lIns="12700" tIns="0" rIns="12700" bIns="0" numCol="1" spcCol="1270" anchor="ctr" anchorCtr="0">
+          <a:noAutofit/>
+        </a:bodyPr>
+        <a:lstStyle/>
+        <a:p>
+          <a:pPr lvl="0" algn="ctr" defTabSz="889000">
+            <a:lnSpc>
+              <a:spcPct val="90000"/>
+            </a:lnSpc>
+            <a:spcBef>
+              <a:spcPct val="0"/>
+            </a:spcBef>
+            <a:spcAft>
+              <a:spcPct val="35000"/>
+            </a:spcAft>
+          </a:pPr>
+          <a:endParaRPr lang="en-US" sz="2000" kern="1200"/>
+        </a:p>
+      </dsp:txBody>
+      <dsp:txXfrm>
+        <a:off x="7492383" y="4259329"/>
+        <a:ext cx="37501" cy="37501"/>
+      </dsp:txXfrm>
+    </dsp:sp>
+    <dsp:sp modelId="{258DAB30-C53A-A947-8BD3-885D6DDA6638}">
+      <dsp:nvSpPr>
+        <dsp:cNvPr id="0" name=""/>
+        <dsp:cNvSpPr/>
+      </dsp:nvSpPr>
+      <dsp:spPr>
+        <a:xfrm>
+          <a:off x="7886148" y="3389854"/>
+          <a:ext cx="1875069" cy="1776450"/>
+        </a:xfrm>
+        <a:prstGeom prst="roundRect">
+          <a:avLst>
+            <a:gd name="adj" fmla="val 10000"/>
+          </a:avLst>
+        </a:prstGeom>
+        <a:solidFill>
+          <a:schemeClr val="accent1"/>
+        </a:solidFill>
+        <a:ln w="12700" cap="flat" cmpd="sng" algn="ctr">
+          <a:solidFill>
+            <a:schemeClr val="lt1">
+              <a:hueOff val="0"/>
+              <a:satOff val="0"/>
+              <a:lumOff val="0"/>
+              <a:alphaOff val="0"/>
+            </a:schemeClr>
+          </a:solidFill>
+          <a:prstDash val="solid"/>
+          <a:miter lim="800000"/>
+        </a:ln>
+        <a:effectLst/>
+      </dsp:spPr>
+      <dsp:style>
+        <a:lnRef idx="2">
+          <a:scrgbClr r="0" g="0" b="0"/>
+        </a:lnRef>
+        <a:fillRef idx="1">
+          <a:scrgbClr r="0" g="0" b="0"/>
+        </a:fillRef>
+        <a:effectRef idx="0">
+          <a:scrgbClr r="0" g="0" b="0"/>
+        </a:effectRef>
+        <a:fontRef idx="minor">
+          <a:schemeClr val="lt1"/>
+        </a:fontRef>
+      </dsp:style>
+      <dsp:txBody>
+        <a:bodyPr spcFirstLastPara="0" vert="horz" wrap="square" lIns="12700" tIns="12700" rIns="12700" bIns="12700" numCol="1" spcCol="1270" anchor="ctr" anchorCtr="0">
+          <a:noAutofit/>
+        </a:bodyPr>
+        <a:lstStyle/>
+        <a:p>
+          <a:pPr lvl="0" algn="ctr" defTabSz="889000">
+            <a:lnSpc>
+              <a:spcPct val="90000"/>
+            </a:lnSpc>
+            <a:spcBef>
+              <a:spcPct val="0"/>
+            </a:spcBef>
+            <a:spcAft>
+              <a:spcPct val="35000"/>
+            </a:spcAft>
+          </a:pPr>
+          <a:r>
+            <a:rPr lang="en-US" sz="2000" kern="1200" dirty="0" smtClean="0"/>
+            <a:t>Generate</a:t>
+          </a:r>
+          <a:r>
+            <a:rPr lang="en-US" sz="2000" kern="1200" baseline="0" dirty="0" smtClean="0"/>
+            <a:t> p</a:t>
+          </a:r>
+          <a:r>
+            <a:rPr lang="en-US" sz="2000" kern="1200" dirty="0" smtClean="0"/>
+            <a:t>redictions  (compare predicted vs true</a:t>
+          </a:r>
+          <a:r>
+            <a:rPr lang="en-US" sz="2000" kern="1200" baseline="0" dirty="0" smtClean="0"/>
+            <a:t> labels for accuracy)</a:t>
+          </a:r>
+          <a:endParaRPr lang="en-US" sz="2000" kern="1200" dirty="0"/>
+        </a:p>
+      </dsp:txBody>
+      <dsp:txXfrm>
+        <a:off x="7938178" y="3441884"/>
+        <a:ext cx="1771009" cy="1672390"/>
+      </dsp:txXfrm>
+    </dsp:sp>
+  </dsp:spTree>
+</dsp:drawing>
+</file>
+
+<file path=ppt/diagrams/layout1.xml><?xml version="1.0" encoding="utf-8"?>
+<dgm:layoutDef xmlns:dgm="http://schemas.openxmlformats.org/drawingml/2006/diagram" xmlns:a="http://schemas.openxmlformats.org/drawingml/2006/main" uniqueId="urn:microsoft.com/office/officeart/2005/8/layout/hierarchy2">
+  <dgm:title val=""/>
+  <dgm:desc val=""/>
+  <dgm:catLst>
+    <dgm:cat type="hierarchy" pri="5000"/>
+  </dgm:catLst>
+  <dgm:sampData>
+    <dgm:dataModel>
+      <dgm:ptLst>
+        <dgm:pt modelId="0" type="doc"/>
+        <dgm:pt modelId="1">
+          <dgm:prSet phldr="1"/>
+        </dgm:pt>
+        <dgm:pt modelId="2">
+          <dgm:prSet phldr="1"/>
+        </dgm:pt>
+        <dgm:pt modelId="21">
+          <dgm:prSet phldr="1"/>
+        </dgm:pt>
+        <dgm:pt modelId="22">
+          <dgm:prSet phldr="1"/>
+        </dgm:pt>
+        <dgm:pt modelId="3">
+          <dgm:prSet phldr="1"/>
+        </dgm:pt>
+        <dgm:pt modelId="31">
+          <dgm:prSet phldr="1"/>
+        </dgm:pt>
+      </dgm:ptLst>
+      <dgm:cxnLst>
+        <dgm:cxn modelId="4" srcId="0" destId="1" srcOrd="0" destOrd="0"/>
+        <dgm:cxn modelId="5" srcId="1" destId="2" srcOrd="0" destOrd="0"/>
+        <dgm:cxn modelId="6" srcId="1" destId="3" srcOrd="1" destOrd="0"/>
+        <dgm:cxn modelId="23" srcId="2" destId="21" srcOrd="0" destOrd="0"/>
+        <dgm:cxn modelId="24" srcId="2" destId="22" srcOrd="1" destOrd="0"/>
+        <dgm:cxn modelId="33" srcId="3" destId="31" srcOrd="0" destOrd="0"/>
+      </dgm:cxnLst>
+      <dgm:bg/>
+      <dgm:whole/>
+    </dgm:dataModel>
+  </dgm:sampData>
+  <dgm:styleData>
+    <dgm:dataModel>
+      <dgm:ptLst>
+        <dgm:pt modelId="0" type="doc"/>
+        <dgm:pt modelId="1"/>
+        <dgm:pt modelId="11"/>
+        <dgm:pt modelId="12"/>
+      </dgm:ptLst>
+      <dgm:cxnLst>
+        <dgm:cxn modelId="2" srcId="0" destId="1" srcOrd="0" destOrd="0"/>
+        <dgm:cxn modelId="13" srcId="1" destId="11" srcOrd="0" destOrd="0"/>
+        <dgm:cxn modelId="14" srcId="1" destId="12" srcOrd="1" destOrd="0"/>
+      </dgm:cxnLst>
+      <dgm:bg/>
+      <dgm:whole/>
+    </dgm:dataModel>
+  </dgm:styleData>
+  <dgm:clrData>
+    <dgm:dataModel>
+      <dgm:ptLst>
+        <dgm:pt modelId="0" type="doc"/>
+        <dgm:pt modelId="1"/>
+        <dgm:pt modelId="2"/>
+        <dgm:pt modelId="21"/>
+        <dgm:pt modelId="211"/>
+        <dgm:pt modelId="3"/>
+        <dgm:pt modelId="31"/>
+        <dgm:pt modelId="311"/>
+      </dgm:ptLst>
+      <dgm:cxnLst>
+        <dgm:cxn modelId="4" srcId="0" destId="1" srcOrd="0" destOrd="0"/>
+        <dgm:cxn modelId="5" srcId="1" destId="2" srcOrd="0" destOrd="0"/>
+        <dgm:cxn modelId="6" srcId="1" destId="3" srcOrd="1" destOrd="0"/>
+        <dgm:cxn modelId="23" srcId="2" destId="21" srcOrd="0" destOrd="0"/>
+        <dgm:cxn modelId="24" srcId="21" destId="211" srcOrd="0" destOrd="0"/>
+        <dgm:cxn modelId="33" srcId="3" destId="31" srcOrd="0" destOrd="0"/>
+        <dgm:cxn modelId="34" srcId="31" destId="311" srcOrd="0" destOrd="0"/>
+      </dgm:cxnLst>
+      <dgm:bg/>
+      <dgm:whole/>
+    </dgm:dataModel>
+  </dgm:clrData>
+  <dgm:layoutNode name="diagram">
+    <dgm:varLst>
+      <dgm:chPref val="1"/>
+      <dgm:dir/>
+      <dgm:animOne val="branch"/>
+      <dgm:animLvl val="lvl"/>
+      <dgm:resizeHandles val="exact"/>
+    </dgm:varLst>
+    <dgm:choose name="Name0">
+      <dgm:if name="Name1" func="var" arg="dir" op="equ" val="norm">
+        <dgm:alg type="hierChild">
+          <dgm:param type="linDir" val="fromT"/>
+          <dgm:param type="chAlign" val="l"/>
+        </dgm:alg>
+      </dgm:if>
+      <dgm:else name="Name2">
+        <dgm:alg type="hierChild">
+          <dgm:param type="linDir" val="fromT"/>
+          <dgm:param type="chAlign" val="r"/>
+        </dgm:alg>
+      </dgm:else>
+    </dgm:choose>
+    <dgm:shape xmlns:r="http://schemas.openxmlformats.org/officeDocument/2006/relationships" r:blip="">
+      <dgm:adjLst/>
+    </dgm:shape>
+    <dgm:presOf/>
+    <dgm:constrLst>
+      <dgm:constr type="h" for="des" ptType="node" refType="h"/>
+      <dgm:constr type="w" for="des" ptType="node" refType="h" refFor="des" refPtType="node" fact="2"/>
+      <dgm:constr type="sibSp" refType="h" refFor="des" refPtType="node" op="equ" fact="0.15"/>
+      <dgm:constr type="sibSp" for="des" forName="level2hierChild" refType="h" refFor="des" refPtType="node" op="equ" fact="0.15"/>
+      <dgm:constr type="sibSp" for="des" forName="level3hierChild" refType="h" refFor="des" refPtType="node" op="equ" fact="0.15"/>
+      <dgm:constr type="sp" for="des" forName="root1" refType="w" refFor="des" refPtType="node" fact="0.4"/>
+      <dgm:constr type="sp" for="des" forName="root2" refType="sp" refFor="des" refForName="root1" op="equ"/>
+      <dgm:constr type="primFontSz" for="des" ptType="node" op="equ" val="65"/>
+      <dgm:constr type="primFontSz" for="des" forName="connTx" op="equ" val="55"/>
+      <dgm:constr type="primFontSz" for="des" forName="connTx" refType="primFontSz" refFor="des" refPtType="node" op="lte" fact="0.8"/>
+    </dgm:constrLst>
+    <dgm:ruleLst/>
+    <dgm:forEach name="Name3" axis="ch">
+      <dgm:forEach name="Name4" axis="self" ptType="node">
+        <dgm:layoutNode name="root1">
+          <dgm:choose name="Name5">
+            <dgm:if name="Name6" func="var" arg="dir" op="equ" val="norm">
+              <dgm:alg type="hierRoot">
+                <dgm:param type="hierAlign" val="lCtrCh"/>
+              </dgm:alg>
+            </dgm:if>
+            <dgm:else name="Name7">
+              <dgm:alg type="hierRoot">
+                <dgm:param type="hierAlign" val="rCtrCh"/>
+              </dgm:alg>
+            </dgm:else>
+          </dgm:choose>
+          <dgm:shape xmlns:r="http://schemas.openxmlformats.org/officeDocument/2006/relationships" r:blip="">
+            <dgm:adjLst/>
+          </dgm:shape>
+          <dgm:presOf/>
+          <dgm:constrLst/>
+          <dgm:ruleLst/>
+          <dgm:layoutNode name="LevelOneTextNode" styleLbl="node0">
+            <dgm:varLst>
+              <dgm:chPref val="3"/>
+            </dgm:varLst>
+            <dgm:alg type="tx"/>
+            <dgm:shape xmlns:r="http://schemas.openxmlformats.org/officeDocument/2006/relationships" type="roundRect" r:blip="">
+              <dgm:adjLst>
+                <dgm:adj idx="1" val="0.1"/>
+              </dgm:adjLst>
+            </dgm:shape>
+            <dgm:presOf axis="self"/>
+            <dgm:constrLst>
+              <dgm:constr type="tMarg" refType="primFontSz" fact="0.05"/>
+              <dgm:constr type="bMarg" refType="primFontSz" fact="0.05"/>
+              <dgm:constr type="lMarg" refType="primFontSz" fact="0.05"/>
+              <dgm:constr type="rMarg" refType="primFontSz" fact="0.05"/>
+            </dgm:constrLst>
+            <dgm:ruleLst>
+              <dgm:rule type="primFontSz" val="5" fact="NaN" max="NaN"/>
+            </dgm:ruleLst>
+          </dgm:layoutNode>
+          <dgm:layoutNode name="level2hierChild">
+            <dgm:choose name="Name8">
+              <dgm:if name="Name9" func="var" arg="dir" op="equ" val="norm">
+                <dgm:alg type="hierChild">
+                  <dgm:param type="linDir" val="fromT"/>
+                  <dgm:param type="chAlign" val="l"/>
+                </dgm:alg>
+              </dgm:if>
+              <dgm:else name="Name10">
+                <dgm:alg type="hierChild">
+                  <dgm:param type="linDir" val="fromT"/>
+                  <dgm:param type="chAlign" val="r"/>
+                </dgm:alg>
+              </dgm:else>
+            </dgm:choose>
+            <dgm:shape xmlns:r="http://schemas.openxmlformats.org/officeDocument/2006/relationships" r:blip="">
+              <dgm:adjLst/>
+            </dgm:shape>
+            <dgm:presOf/>
+            <dgm:constrLst/>
+            <dgm:ruleLst/>
+            <dgm:forEach name="repeat" axis="ch">
+              <dgm:forEach name="Name11" axis="self" ptType="parTrans" cnt="1">
+                <dgm:layoutNode name="conn2-1">
+                  <dgm:choose name="Name12">
+                    <dgm:if name="Name13" func="var" arg="dir" op="equ" val="norm">
+                      <dgm:alg type="conn">
+                        <dgm:param type="dim" val="1D"/>
+                        <dgm:param type="begPts" val="midR"/>
+                        <dgm:param type="endPts" val="midL"/>
+                        <dgm:param type="endSty" val="noArr"/>
+                      </dgm:alg>
+                    </dgm:if>
+                    <dgm:else name="Name14">
+                      <dgm:alg type="conn">
+                        <dgm:param type="dim" val="1D"/>
+                        <dgm:param type="begPts" val="midL"/>
+                        <dgm:param type="endPts" val="midR"/>
+                        <dgm:param type="endSty" val="noArr"/>
+                      </dgm:alg>
+                    </dgm:else>
+                  </dgm:choose>
+                  <dgm:shape xmlns:r="http://schemas.openxmlformats.org/officeDocument/2006/relationships" type="conn" r:blip="">
+                    <dgm:adjLst/>
+                  </dgm:shape>
+                  <dgm:presOf axis="self"/>
+                  <dgm:constrLst>
+                    <dgm:constr type="w" val="1"/>
+                    <dgm:constr type="h" val="5"/>
+                    <dgm:constr type="connDist"/>
+                    <dgm:constr type="begPad"/>
+                    <dgm:constr type="endPad"/>
+                    <dgm:constr type="userA" for="ch" refType="connDist"/>
+                  </dgm:constrLst>
+                  <dgm:ruleLst/>
+                  <dgm:layoutNode name="connTx">
+                    <dgm:alg type="tx">
+                      <dgm:param type="autoTxRot" val="grav"/>
+                    </dgm:alg>
+                    <dgm:shape xmlns:r="http://schemas.openxmlformats.org/officeDocument/2006/relationships" type="rect" r:blip="" hideGeom="1">
+                      <dgm:adjLst/>
+                    </dgm:shape>
+                    <dgm:presOf axis="self"/>
+                    <dgm:constrLst>
+                      <dgm:constr type="userA"/>
+                      <dgm:constr type="w" refType="userA" fact="0.05"/>
+                      <dgm:constr type="h" refType="userA" fact="0.05"/>
+                      <dgm:constr type="lMarg" val="1"/>
+                      <dgm:constr type="rMarg" val="1"/>
+                      <dgm:constr type="tMarg"/>
+                      <dgm:constr type="bMarg"/>
+                    </dgm:constrLst>
+                    <dgm:ruleLst>
+                      <dgm:rule type="h" val="NaN" fact="0.25" max="NaN"/>
+                      <dgm:rule type="w" val="NaN" fact="0.8" max="NaN"/>
+                      <dgm:rule type="primFontSz" val="5" fact="NaN" max="NaN"/>
+                    </dgm:ruleLst>
+                  </dgm:layoutNode>
+                </dgm:layoutNode>
+              </dgm:forEach>
+              <dgm:forEach name="Name15" axis="self" ptType="node">
+                <dgm:layoutNode name="root2">
+                  <dgm:choose name="Name16">
+                    <dgm:if name="Name17" func="var" arg="dir" op="equ" val="norm">
+                      <dgm:alg type="hierRoot">
+                        <dgm:param type="hierAlign" val="lCtrCh"/>
+                      </dgm:alg>
+                    </dgm:if>
+                    <dgm:else name="Name18">
+                      <dgm:alg type="hierRoot">
+                        <dgm:param type="hierAlign" val="rCtrCh"/>
+                      </dgm:alg>
+                    </dgm:else>
+                  </dgm:choose>
+                  <dgm:shape xmlns:r="http://schemas.openxmlformats.org/officeDocument/2006/relationships" r:blip="">
+                    <dgm:adjLst/>
+                  </dgm:shape>
+                  <dgm:presOf/>
+                  <dgm:constrLst/>
+                  <dgm:ruleLst/>
+                  <dgm:layoutNode name="LevelTwoTextNode">
+                    <dgm:varLst>
+                      <dgm:chPref val="3"/>
+                    </dgm:varLst>
+                    <dgm:alg type="tx"/>
+                    <dgm:shape xmlns:r="http://schemas.openxmlformats.org/officeDocument/2006/relationships" type="roundRect" r:blip="">
+                      <dgm:adjLst>
+                        <dgm:adj idx="1" val="0.1"/>
+                      </dgm:adjLst>
+                    </dgm:shape>
+                    <dgm:presOf axis="self"/>
+                    <dgm:constrLst>
+                      <dgm:constr type="tMarg" refType="primFontSz" fact="0.05"/>
+                      <dgm:constr type="bMarg" refType="primFontSz" fact="0.05"/>
+                      <dgm:constr type="lMarg" refType="primFontSz" fact="0.05"/>
+                      <dgm:constr type="rMarg" refType="primFontSz" fact="0.05"/>
+                    </dgm:constrLst>
+                    <dgm:ruleLst>
+                      <dgm:rule type="primFontSz" val="5" fact="NaN" max="NaN"/>
+                    </dgm:ruleLst>
+                  </dgm:layoutNode>
+                  <dgm:layoutNode name="level3hierChild">
+                    <dgm:choose name="Name19">
+                      <dgm:if name="Name20" func="var" arg="dir" op="equ" val="norm">
+                        <dgm:alg type="hierChild">
+                          <dgm:param type="linDir" val="fromT"/>
+                          <dgm:param type="chAlign" val="l"/>
+                        </dgm:alg>
+                      </dgm:if>
+                      <dgm:else name="Name21">
+                        <dgm:alg type="hierChild">
+                          <dgm:param type="linDir" val="fromT"/>
+                          <dgm:param type="chAlign" val="r"/>
+                        </dgm:alg>
+                      </dgm:else>
+                    </dgm:choose>
+                    <dgm:shape xmlns:r="http://schemas.openxmlformats.org/officeDocument/2006/relationships" r:blip="">
+                      <dgm:adjLst/>
+                    </dgm:shape>
+                    <dgm:presOf/>
+                    <dgm:constrLst/>
+                    <dgm:ruleLst/>
+                    <dgm:forEach name="Name22" ref="repeat"/>
+                  </dgm:layoutNode>
+                </dgm:layoutNode>
+              </dgm:forEach>
+            </dgm:forEach>
+          </dgm:layoutNode>
+        </dgm:layoutNode>
+      </dgm:forEach>
+    </dgm:forEach>
+  </dgm:layoutNode>
+</dgm:layoutDef>
+</file>
+
+<file path=ppt/diagrams/quickStyle1.xml><?xml version="1.0" encoding="utf-8"?>
+<dgm:styleDef xmlns:dgm="http://schemas.openxmlformats.org/drawingml/2006/diagram" xmlns:a="http://schemas.openxmlformats.org/drawingml/2006/main" uniqueId="urn:microsoft.com/office/officeart/2005/8/quickstyle/simple1">
+  <dgm:title val=""/>
+  <dgm:desc val=""/>
+  <dgm:catLst>
+    <dgm:cat type="simple" pri="10100"/>
+  </dgm:catLst>
+  <dgm:scene3d>
+    <a:camera prst="orthographicFront"/>
+    <a:lightRig rig="threePt" dir="t"/>
+  </dgm:scene3d>
+  <dgm:styleLbl name="node0">
+    <dgm:scene3d>
+      <a:camera prst="orthographicFront"/>
+      <a:lightRig rig="threePt" dir="t"/>
+    </dgm:scene3d>
+    <dgm:sp3d/>
+    <dgm:txPr/>
+    <dgm:style>
+      <a:lnRef idx="2">
+        <a:scrgbClr r="0" g="0" b="0"/>
+      </a:lnRef>
+      <a:fillRef idx="1">
+        <a:scrgbClr r="0" g="0" b="0"/>
+      </a:fillRef>
+      <a:effectRef idx="0">
+        <a:scrgbClr r="0" g="0" b="0"/>
+      </a:effectRef>
+      <a:fontRef idx="minor">
+        <a:schemeClr val="lt1"/>
+      </a:fontRef>
+    </dgm:style>
+  </dgm:styleLbl>
+  <dgm:styleLbl name="lnNode1">
+    <dgm:scene3d>
+      <a:camera prst="orthographicFront"/>
+      <a:lightRig rig="threePt" dir="t"/>
+    </dgm:scene3d>
+    <dgm:sp3d/>
+    <dgm:txPr/>
+    <dgm:style>
+      <a:lnRef idx="2">
+        <a:scrgbClr r="0" g="0" b="0"/>
+      </a:lnRef>
+      <a:fillRef idx="1">
+        <a:scrgbClr r="0" g="0" b="0"/>
+      </a:fillRef>
+      <a:effectRef idx="0">
+        <a:scrgbClr r="0" g="0" b="0"/>
+      </a:effectRef>
+      <a:fontRef idx="minor">
+        <a:schemeClr val="lt1"/>
+      </a:fontRef>
+    </dgm:style>
+  </dgm:styleLbl>
+  <dgm:styleLbl name="vennNode1">
+    <dgm:scene3d>
+      <a:camera prst="orthographicFront"/>
+      <a:lightRig rig="threePt" dir="t"/>
+    </dgm:scene3d>
+    <dgm:sp3d/>
+    <dgm:txPr/>
+    <dgm:style>
+      <a:lnRef idx="2">
+        <a:scrgbClr r="0" g="0" b="0"/>
+      </a:lnRef>
+      <a:fillRef idx="1">
+        <a:scrgbClr r="0" g="0" b="0"/>
+      </a:fillRef>
+      <a:effectRef idx="0">
+        <a:scrgbClr r="0" g="0" b="0"/>
+      </a:effectRef>
+      <a:fontRef idx="minor">
+        <a:schemeClr val="tx1"/>
+      </a:fontRef>
+    </dgm:style>
+  </dgm:styleLbl>
+  <dgm:styleLbl name="alignNode1">
+    <dgm:scene3d>
+      <a:camera prst="orthographicFront"/>
+      <a:lightRig rig="threePt" dir="t"/>
+    </dgm:scene3d>
+    <dgm:sp3d/>
+    <dgm:txPr/>
+    <dgm:style>
+      <a:lnRef idx="2">
+        <a:scrgbClr r="0" g="0" b="0"/>
+      </a:lnRef>
+      <a:fillRef idx="1">
+        <a:scrgbClr r="0" g="0" b="0"/>
+      </a:fillRef>
+      <a:effectRef idx="0">
+        <a:scrgbClr r="0" g="0" b="0"/>
+      </a:effectRef>
+      <a:fontRef idx="minor">
+        <a:schemeClr val="lt1"/>
+      </a:fontRef>
+    </dgm:style>
+  </dgm:styleLbl>
+  <dgm:styleLbl name="node1">
+    <dgm:scene3d>
+      <a:camera prst="orthographicFront"/>
+      <a:lightRig rig="threePt" dir="t"/>
+    </dgm:scene3d>
+    <dgm:sp3d/>
+    <dgm:txPr/>
+    <dgm:style>
+      <a:lnRef idx="2">
+        <a:scrgbClr r="0" g="0" b="0"/>
+      </a:lnRef>
+      <a:fillRef idx="1">
+        <a:scrgbClr r="0" g="0" b="0"/>
+      </a:fillRef>
+      <a:effectRef idx="0">
+        <a:scrgbClr r="0" g="0" b="0"/>
+      </a:effectRef>
+      <a:fontRef idx="minor">
+        <a:schemeClr val="lt1"/>
+      </a:fontRef>
+    </dgm:style>
+  </dgm:styleLbl>
+  <dgm:styleLbl name="node2">
+    <dgm:scene3d>
+      <a:camera prst="orthographicFront"/>
+      <a:lightRig rig="threePt" dir="t"/>
+    </dgm:scene3d>
+    <dgm:sp3d/>
+    <dgm:txPr/>
+    <dgm:style>
+      <a:lnRef idx="2">
+        <a:scrgbClr r="0" g="0" b="0"/>
+      </a:lnRef>
+      <a:fillRef idx="1">
+        <a:scrgbClr r="0" g="0" b="0"/>
+      </a:fillRef>
+      <a:effectRef idx="0">
+        <a:scrgbClr r="0" g="0" b="0"/>
+      </a:effectRef>
+      <a:fontRef idx="minor">
+        <a:schemeClr val="lt1"/>
+      </a:fontRef>
+    </dgm:style>
+  </dgm:styleLbl>
+  <dgm:styleLbl name="node3">
+    <dgm:scene3d>
+      <a:camera prst="orthographicFront"/>
+      <a:lightRig rig="threePt" dir="t"/>
+    </dgm:scene3d>
+    <dgm:sp3d/>
+    <dgm:txPr/>
+    <dgm:style>
+      <a:lnRef idx="2">
+        <a:scrgbClr r="0" g="0" b="0"/>
+      </a:lnRef>
+      <a:fillRef idx="1">
+        <a:scrgbClr r="0" g="0" b="0"/>
+      </a:fillRef>
+      <a:effectRef idx="0">
+        <a:scrgbClr r="0" g="0" b="0"/>
+      </a:effectRef>
+      <a:fontRef idx="minor">
+        <a:schemeClr val="lt1"/>
+      </a:fontRef>
+    </dgm:style>
+  </dgm:styleLbl>
+  <dgm:styleLbl name="node4">
+    <dgm:scene3d>
+      <a:camera prst="orthographicFront"/>
+      <a:lightRig rig="threePt" dir="t"/>
+    </dgm:scene3d>
+    <dgm:sp3d/>
+    <dgm:txPr/>
+    <dgm:style>
+      <a:lnRef idx="2">
+        <a:scrgbClr r="0" g="0" b="0"/>
+      </a:lnRef>
+      <a:fillRef idx="1">
+        <a:scrgbClr r="0" g="0" b="0"/>
+      </a:fillRef>
+      <a:effectRef idx="0">
+        <a:scrgbClr r="0" g="0" b="0"/>
+      </a:effectRef>
+      <a:fontRef idx="minor">
+        <a:schemeClr val="lt1"/>
+      </a:fontRef>
+    </dgm:style>
+  </dgm:styleLbl>
+  <dgm:styleLbl name="fgImgPlace1">
+    <dgm:scene3d>
+      <a:camera prst="orthographicFront"/>
+      <a:lightRig rig="threePt" dir="t"/>
+    </dgm:scene3d>
+    <dgm:sp3d/>
+    <dgm:txPr/>
+    <dgm:style>
+      <a:lnRef idx="2">
+        <a:scrgbClr r="0" g="0" b="0"/>
+      </a:lnRef>
+      <a:fillRef idx="1">
+        <a:scrgbClr r="0" g="0" b="0"/>
+      </a:fillRef>
+      <a:effectRef idx="0">
+        <a:scrgbClr r="0" g="0" b="0"/>
+      </a:effectRef>
+      <a:fontRef idx="minor"/>
+    </dgm:style>
+  </dgm:styleLbl>
+  <dgm:styleLbl name="alignImgPlace1">
+    <dgm:scene3d>
+      <a:camera prst="orthographicFront"/>
+      <a:lightRig rig="threePt" dir="t"/>
+    </dgm:scene3d>
+    <dgm:sp3d/>
+    <dgm:txPr/>
+    <dgm:style>
+      <a:lnRef idx="2">
+        <a:scrgbClr r="0" g="0" b="0"/>
+      </a:lnRef>
+      <a:fillRef idx="1">
+        <a:scrgbClr r="0" g="0" b="0"/>
+      </a:fillRef>
+      <a:effectRef idx="0">
+        <a:scrgbClr r="0" g="0" b="0"/>
+      </a:effectRef>
+      <a:fontRef idx="minor"/>
+    </dgm:style>
+  </dgm:styleLbl>
+  <dgm:styleLbl name="bgImgPlace1">
+    <dgm:scene3d>
+      <a:camera prst="orthographicFront"/>
+      <a:lightRig rig="threePt" dir="t"/>
+    </dgm:scene3d>
+    <dgm:sp3d/>
+    <dgm:txPr/>
+    <dgm:style>
+      <a:lnRef idx="2">
+        <a:scrgbClr r="0" g="0" b="0"/>
+      </a:lnRef>
+      <a:fillRef idx="1">
+        <a:scrgbClr r="0" g="0" b="0"/>
+      </a:fillRef>
+      <a:effectRef idx="0">
+        <a:scrgbClr r="0" g="0" b="0"/>
+      </a:effectRef>
+      <a:fontRef idx="minor"/>
+    </dgm:style>
+  </dgm:styleLbl>
+  <dgm:styleLbl name="sibTrans2D1">
+    <dgm:scene3d>
+      <a:camera prst="orthographicFront"/>
+      <a:lightRig rig="threePt" dir="t"/>
+    </dgm:scene3d>
+    <dgm:sp3d/>
+    <dgm:txPr/>
+    <dgm:style>
+      <a:lnRef idx="0">
+        <a:scrgbClr r="0" g="0" b="0"/>
+      </a:lnRef>
+      <a:fillRef idx="1">
+        <a:scrgbClr r="0" g="0" b="0"/>
+      </a:fillRef>
+      <a:effectRef idx="0">
+        <a:scrgbClr r="0" g="0" b="0"/>
+      </a:effectRef>
+      <a:fontRef idx="minor">
+        <a:schemeClr val="lt1"/>
+      </a:fontRef>
+    </dgm:style>
+  </dgm:styleLbl>
+  <dgm:styleLbl name="fgSibTrans2D1">
+    <dgm:scene3d>
+      <a:camera prst="orthographicFront"/>
+      <a:lightRig rig="threePt" dir="t"/>
+    </dgm:scene3d>
+    <dgm:sp3d/>
+    <dgm:txPr/>
+    <dgm:style>
+      <a:lnRef idx="0">
+        <a:scrgbClr r="0" g="0" b="0"/>
+      </a:lnRef>
+      <a:fillRef idx="1">
+        <a:scrgbClr r="0" g="0" b="0"/>
+      </a:fillRef>
+      <a:effectRef idx="0">
+        <a:scrgbClr r="0" g="0" b="0"/>
+      </a:effectRef>
+      <a:fontRef idx="minor">
+        <a:schemeClr val="lt1"/>
+      </a:fontRef>
+    </dgm:style>
+  </dgm:styleLbl>
+  <dgm:styleLbl name="bgSibTrans2D1">
+    <dgm:scene3d>
+      <a:camera prst="orthographicFront"/>
+      <a:lightRig rig="threePt" dir="t"/>
+    </dgm:scene3d>
+    <dgm:sp3d/>
+    <dgm:txPr/>
+    <dgm:style>
+      <a:lnRef idx="0">
+        <a:scrgbClr r="0" g="0" b="0"/>
+      </a:lnRef>
+      <a:fillRef idx="1">
+        <a:scrgbClr r="0" g="0" b="0"/>
+      </a:fillRef>
+      <a:effectRef idx="0">
+        <a:scrgbClr r="0" g="0" b="0"/>
+      </a:effectRef>
+      <a:fontRef idx="minor">
+        <a:schemeClr val="lt1"/>
+      </a:fontRef>
+    </dgm:style>
+  </dgm:styleLbl>
+  <dgm:styleLbl name="sibTrans1D1">
+    <dgm:scene3d>
+      <a:camera prst="orthographicFront"/>
+      <a:lightRig rig="threePt" dir="t"/>
+    </dgm:scene3d>
+    <dgm:sp3d/>
+    <dgm:txPr/>
+    <dgm:style>
+      <a:lnRef idx="1">
+        <a:scrgbClr r="0" g="0" b="0"/>
+      </a:lnRef>
+      <a:fillRef idx="0">
+        <a:scrgbClr r="0" g="0" b="0"/>
+      </a:fillRef>
+      <a:effectRef idx="0">
+        <a:scrgbClr r="0" g="0" b="0"/>
+      </a:effectRef>
+      <a:fontRef idx="minor"/>
+    </dgm:style>
+  </dgm:styleLbl>
+  <dgm:styleLbl name="callout">
+    <dgm:scene3d>
+      <a:camera prst="orthographicFront"/>
+      <a:lightRig rig="threePt" dir="t"/>
+    </dgm:scene3d>
+    <dgm:sp3d/>
+    <dgm:txPr/>
+    <dgm:style>
+      <a:lnRef idx="2">
+        <a:scrgbClr r="0" g="0" b="0"/>
+      </a:lnRef>
+      <a:fillRef idx="1">
+        <a:scrgbClr r="0" g="0" b="0"/>
+      </a:fillRef>
+      <a:effectRef idx="0">
+        <a:scrgbClr r="0" g="0" b="0"/>
+      </a:effectRef>
+      <a:fontRef idx="minor"/>
+    </dgm:style>
+  </dgm:styleLbl>
+  <dgm:styleLbl name="asst0">
+    <dgm:scene3d>
+      <a:camera prst="orthographicFront"/>
+      <a:lightRig rig="threePt" dir="t"/>
+    </dgm:scene3d>
+    <dgm:sp3d/>
+    <dgm:txPr/>
+    <dgm:style>
+      <a:lnRef idx="2">
+        <a:scrgbClr r="0" g="0" b="0"/>
+      </a:lnRef>
+      <a:fillRef idx="1">
+        <a:scrgbClr r="0" g="0" b="0"/>
+      </a:fillRef>
+      <a:effectRef idx="0">
+        <a:scrgbClr r="0" g="0" b="0"/>
+      </a:effectRef>
+      <a:fontRef idx="minor">
+        <a:schemeClr val="lt1"/>
+      </a:fontRef>
+    </dgm:style>
+  </dgm:styleLbl>
+  <dgm:styleLbl name="asst1">
+    <dgm:scene3d>
+      <a:camera prst="orthographicFront"/>
+      <a:lightRig rig="threePt" dir="t"/>
+    </dgm:scene3d>
+    <dgm:sp3d/>
+    <dgm:txPr/>
+    <dgm:style>
+      <a:lnRef idx="2">
+        <a:scrgbClr r="0" g="0" b="0"/>
+      </a:lnRef>
+      <a:fillRef idx="1">
+        <a:scrgbClr r="0" g="0" b="0"/>
+      </a:fillRef>
+      <a:effectRef idx="0">
+        <a:scrgbClr r="0" g="0" b="0"/>
+      </a:effectRef>
+      <a:fontRef idx="minor">
+        <a:schemeClr val="lt1"/>
+      </a:fontRef>
+    </dgm:style>
+  </dgm:styleLbl>
+  <dgm:styleLbl name="asst2">
+    <dgm:scene3d>
+      <a:camera prst="orthographicFront"/>
+      <a:lightRig rig="threePt" dir="t"/>
+    </dgm:scene3d>
+    <dgm:sp3d/>
+    <dgm:txPr/>
+    <dgm:style>
+      <a:lnRef idx="2">
+        <a:scrgbClr r="0" g="0" b="0"/>
+      </a:lnRef>
+      <a:fillRef idx="1">
+        <a:scrgbClr r="0" g="0" b="0"/>
+      </a:fillRef>
+      <a:effectRef idx="0">
+        <a:scrgbClr r="0" g="0" b="0"/>
+      </a:effectRef>
+      <a:fontRef idx="minor">
+        <a:schemeClr val="lt1"/>
+      </a:fontRef>
+    </dgm:style>
+  </dgm:styleLbl>
+  <dgm:styleLbl name="asst3">
+    <dgm:scene3d>
+      <a:camera prst="orthographicFront"/>
+      <a:lightRig rig="threePt" dir="t"/>
+    </dgm:scene3d>
+    <dgm:sp3d/>
+    <dgm:txPr/>
+    <dgm:style>
+      <a:lnRef idx="2">
+        <a:scrgbClr r="0" g="0" b="0"/>
+      </a:lnRef>
+      <a:fillRef idx="1">
+        <a:scrgbClr r="0" g="0" b="0"/>
+      </a:fillRef>
+      <a:effectRef idx="0">
+        <a:scrgbClr r="0" g="0" b="0"/>
+      </a:effectRef>
+      <a:fontRef idx="minor">
+        <a:schemeClr val="lt1"/>
+      </a:fontRef>
+    </dgm:style>
+  </dgm:styleLbl>
+  <dgm:styleLbl name="asst4">
+    <dgm:scene3d>
+      <a:camera prst="orthographicFront"/>
+      <a:lightRig rig="threePt" dir="t"/>
+    </dgm:scene3d>
+    <dgm:sp3d/>
+    <dgm:txPr/>
+    <dgm:style>
+      <a:lnRef idx="2">
+        <a:scrgbClr r="0" g="0" b="0"/>
+      </a:lnRef>
+      <a:fillRef idx="1">
+        <a:scrgbClr r="0" g="0" b="0"/>
+      </a:fillRef>
+      <a:effectRef idx="0">
+        <a:scrgbClr r="0" g="0" b="0"/>
+      </a:effectRef>
+      <a:fontRef idx="minor">
+        <a:schemeClr val="lt1"/>
+      </a:fontRef>
+    </dgm:style>
+  </dgm:styleLbl>
+  <dgm:styleLbl name="parChTrans2D1">
+    <dgm:scene3d>
+      <a:camera prst="orthographicFront"/>
+      <a:lightRig rig="threePt" dir="t"/>
+    </dgm:scene3d>
+    <dgm:sp3d/>
+    <dgm:txPr/>
+    <dgm:style>
+      <a:lnRef idx="2">
+        <a:scrgbClr r="0" g="0" b="0"/>
+      </a:lnRef>
+      <a:fillRef idx="1">
+        <a:scrgbClr r="0" g="0" b="0"/>
+      </a:fillRef>
+      <a:effectRef idx="0">
+        <a:scrgbClr r="0" g="0" b="0"/>
+      </a:effectRef>
+      <a:fontRef idx="minor">
+        <a:schemeClr val="lt1"/>
+      </a:fontRef>
+    </dgm:style>
+  </dgm:styleLbl>
+  <dgm:styleLbl name="parChTrans2D2">
+    <dgm:scene3d>
+      <a:camera prst="orthographicFront"/>
+      <a:lightRig rig="threePt" dir="t"/>
+    </dgm:scene3d>
+    <dgm:sp3d/>
+    <dgm:txPr/>
+    <dgm:style>
+      <a:lnRef idx="2">
+        <a:scrgbClr r="0" g="0" b="0"/>
+      </a:lnRef>
+      <a:fillRef idx="1">
+        <a:scrgbClr r="0" g="0" b="0"/>
+      </a:fillRef>
+      <a:effectRef idx="0">
+        <a:scrgbClr r="0" g="0" b="0"/>
+      </a:effectRef>
+      <a:fontRef idx="minor">
+        <a:schemeClr val="lt1"/>
+      </a:fontRef>
+    </dgm:style>
+  </dgm:styleLbl>
+  <dgm:styleLbl name="parChTrans2D3">
+    <dgm:scene3d>
+      <a:camera prst="orthographicFront"/>
+      <a:lightRig rig="threePt" dir="t"/>
+    </dgm:scene3d>
+    <dgm:sp3d/>
+    <dgm:txPr/>
+    <dgm:style>
+      <a:lnRef idx="2">
+        <a:scrgbClr r="0" g="0" b="0"/>
+      </a:lnRef>
+      <a:fillRef idx="1">
+        <a:scrgbClr r="0" g="0" b="0"/>
+      </a:fillRef>
+      <a:effectRef idx="0">
+        <a:scrgbClr r="0" g="0" b="0"/>
+      </a:effectRef>
+      <a:fontRef idx="minor">
+        <a:schemeClr val="lt1"/>
+      </a:fontRef>
+    </dgm:style>
+  </dgm:styleLbl>
+  <dgm:styleLbl name="parChTrans2D4">
+    <dgm:scene3d>
+      <a:camera prst="orthographicFront"/>
+      <a:lightRig rig="threePt" dir="t"/>
+    </dgm:scene3d>
+    <dgm:sp3d/>
+    <dgm:txPr/>
+    <dgm:style>
+      <a:lnRef idx="2">
+        <a:scrgbClr r="0" g="0" b="0"/>
+      </a:lnRef>
+      <a:fillRef idx="1">
+        <a:scrgbClr r="0" g="0" b="0"/>
+      </a:fillRef>
+      <a:effectRef idx="0">
+        <a:scrgbClr r="0" g="0" b="0"/>
+      </a:effectRef>
+      <a:fontRef idx="minor">
+        <a:schemeClr val="lt1"/>
+      </a:fontRef>
+    </dgm:style>
+  </dgm:styleLbl>
+  <dgm:styleLbl name="parChTrans1D1">
+    <dgm:scene3d>
+      <a:camera prst="orthographicFront"/>
+      <a:lightRig rig="threePt" dir="t"/>
+    </dgm:scene3d>
+    <dgm:sp3d/>
+    <dgm:txPr/>
+    <dgm:style>
+      <a:lnRef idx="2">
+        <a:scrgbClr r="0" g="0" b="0"/>
+      </a:lnRef>
+      <a:fillRef idx="0">
+        <a:scrgbClr r="0" g="0" b="0"/>
+      </a:fillRef>
+      <a:effectRef idx="0">
+        <a:scrgbClr r="0" g="0" b="0"/>
+      </a:effectRef>
+      <a:fontRef idx="minor"/>
+    </dgm:style>
+  </dgm:styleLbl>
+  <dgm:styleLbl name="parChTrans1D2">
+    <dgm:scene3d>
+      <a:camera prst="orthographicFront"/>
+      <a:lightRig rig="threePt" dir="t"/>
+    </dgm:scene3d>
+    <dgm:sp3d/>
+    <dgm:txPr/>
+    <dgm:style>
+      <a:lnRef idx="2">
+        <a:scrgbClr r="0" g="0" b="0"/>
+      </a:lnRef>
+      <a:fillRef idx="0">
+        <a:scrgbClr r="0" g="0" b="0"/>
+      </a:fillRef>
+      <a:effectRef idx="0">
+        <a:scrgbClr r="0" g="0" b="0"/>
+      </a:effectRef>
+      <a:fontRef idx="minor"/>
+    </dgm:style>
+  </dgm:styleLbl>
+  <dgm:styleLbl name="parChTrans1D3">
+    <dgm:scene3d>
+      <a:camera prst="orthographicFront"/>
+      <a:lightRig rig="threePt" dir="t"/>
+    </dgm:scene3d>
+    <dgm:sp3d/>
+    <dgm:txPr/>
+    <dgm:style>
+      <a:lnRef idx="2">
+        <a:scrgbClr r="0" g="0" b="0"/>
+      </a:lnRef>
+      <a:fillRef idx="0">
+        <a:scrgbClr r="0" g="0" b="0"/>
+      </a:fillRef>
+      <a:effectRef idx="0">
+        <a:scrgbClr r="0" g="0" b="0"/>
+      </a:effectRef>
+      <a:fontRef idx="minor"/>
+    </dgm:style>
+  </dgm:styleLbl>
+  <dgm:styleLbl name="parChTrans1D4">
+    <dgm:scene3d>
+      <a:camera prst="orthographicFront"/>
+      <a:lightRig rig="threePt" dir="t"/>
+    </dgm:scene3d>
+    <dgm:sp3d/>
+    <dgm:txPr/>
+    <dgm:style>
+      <a:lnRef idx="2">
+        <a:scrgbClr r="0" g="0" b="0"/>
+      </a:lnRef>
+      <a:fillRef idx="0">
+        <a:scrgbClr r="0" g="0" b="0"/>
+      </a:fillRef>
+      <a:effectRef idx="0">
+        <a:scrgbClr r="0" g="0" b="0"/>
+      </a:effectRef>
+      <a:fontRef idx="minor"/>
+    </dgm:style>
+  </dgm:styleLbl>
+  <dgm:styleLbl name="fgAcc1">
+    <dgm:scene3d>
+      <a:camera prst="orthographicFront"/>
+      <a:lightRig rig="threePt" dir="t"/>
+    </dgm:scene3d>
+    <dgm:sp3d/>
+    <dgm:txPr/>
+    <dgm:style>
+      <a:lnRef idx="2">
+        <a:scrgbClr r="0" g="0" b="0"/>
+      </a:lnRef>
+      <a:fillRef idx="1">
+        <a:scrgbClr r="0" g="0" b="0"/>
+      </a:fillRef>
+      <a:effectRef idx="0">
+        <a:scrgbClr r="0" g="0" b="0"/>
+      </a:effectRef>
+      <a:fontRef idx="minor"/>
+    </dgm:style>
+  </dgm:styleLbl>
+  <dgm:styleLbl name="conFgAcc1">
+    <dgm:scene3d>
+      <a:camera prst="orthographicFront"/>
+      <a:lightRig rig="threePt" dir="t"/>
+    </dgm:scene3d>
+    <dgm:sp3d/>
+    <dgm:txPr/>
+    <dgm:style>
+      <a:lnRef idx="2">
+        <a:scrgbClr r="0" g="0" b="0"/>
+      </a:lnRef>
+      <a:fillRef idx="1">
+        <a:scrgbClr r="0" g="0" b="0"/>
+      </a:fillRef>
+      <a:effectRef idx="0">
+        <a:scrgbClr r="0" g="0" b="0"/>
+      </a:effectRef>
+      <a:fontRef idx="minor"/>
+    </dgm:style>
+  </dgm:styleLbl>
+  <dgm:styleLbl name="alignAcc1">
+    <dgm:scene3d>
+      <a:camera prst="orthographicFront"/>
+      <a:lightRig rig="threePt" dir="t"/>
+    </dgm:scene3d>
+    <dgm:sp3d/>
+    <dgm:txPr/>
+    <dgm:style>
+      <a:lnRef idx="2">
+        <a:scrgbClr r="0" g="0" b="0"/>
+      </a:lnRef>
+      <a:fillRef idx="1">
+        <a:scrgbClr r="0" g="0" b="0"/>
+      </a:fillRef>
+      <a:effectRef idx="0">
+        <a:scrgbClr r="0" g="0" b="0"/>
+      </a:effectRef>
+      <a:fontRef idx="minor"/>
+    </dgm:style>
+  </dgm:styleLbl>
+  <dgm:styleLbl name="trAlignAcc1">
+    <dgm:scene3d>
+      <a:camera prst="orthographicFront"/>
+      <a:lightRig rig="threePt" dir="t"/>
+    </dgm:scene3d>
+    <dgm:sp3d/>
+    <dgm:txPr/>
+    <dgm:style>
+      <a:lnRef idx="1">
+        <a:scrgbClr r="0" g="0" b="0"/>
+      </a:lnRef>
+      <a:fillRef idx="1">
+        <a:scrgbClr r="0" g="0" b="0"/>
+      </a:fillRef>
+      <a:effectRef idx="0">
+        <a:scrgbClr r="0" g="0" b="0"/>
+      </a:effectRef>
+      <a:fontRef idx="minor"/>
+    </dgm:style>
+  </dgm:styleLbl>
+  <dgm:styleLbl name="bgAcc1">
+    <dgm:scene3d>
+      <a:camera prst="orthographicFront"/>
+      <a:lightRig rig="threePt" dir="t"/>
+    </dgm:scene3d>
+    <dgm:sp3d/>
+    <dgm:txPr/>
+    <dgm:style>
+      <a:lnRef idx="2">
+        <a:scrgbClr r="0" g="0" b="0"/>
+      </a:lnRef>
+      <a:fillRef idx="1">
+        <a:scrgbClr r="0" g="0" b="0"/>
+      </a:fillRef>
+      <a:effectRef idx="0">
+        <a:scrgbClr r="0" g="0" b="0"/>
+      </a:effectRef>
+      <a:fontRef idx="minor"/>
+    </dgm:style>
+  </dgm:styleLbl>
+  <dgm:styleLbl name="solidFgAcc1">
+    <dgm:scene3d>
+      <a:camera prst="orthographicFront"/>
+      <a:lightRig rig="threePt" dir="t"/>
+    </dgm:scene3d>
+    <dgm:sp3d/>
+    <dgm:txPr/>
+    <dgm:style>
+      <a:lnRef idx="2">
+        <a:scrgbClr r="0" g="0" b="0"/>
+      </a:lnRef>
+      <a:fillRef idx="1">
+        <a:scrgbClr r="0" g="0" b="0"/>
+      </a:fillRef>
+      <a:effectRef idx="0">
+        <a:scrgbClr r="0" g="0" b="0"/>
+      </a:effectRef>
+      <a:fontRef idx="minor"/>
+    </dgm:style>
+  </dgm:styleLbl>
+  <dgm:styleLbl name="solidAlignAcc1">
+    <dgm:scene3d>
+      <a:camera prst="orthographicFront"/>
+      <a:lightRig rig="threePt" dir="t"/>
+    </dgm:scene3d>
+    <dgm:sp3d/>
+    <dgm:txPr/>
+    <dgm:style>
+      <a:lnRef idx="2">
+        <a:scrgbClr r="0" g="0" b="0"/>
+      </a:lnRef>
+      <a:fillRef idx="1">
+        <a:scrgbClr r="0" g="0" b="0"/>
+      </a:fillRef>
+      <a:effectRef idx="0">
+        <a:scrgbClr r="0" g="0" b="0"/>
+      </a:effectRef>
+      <a:fontRef idx="minor"/>
+    </dgm:style>
+  </dgm:styleLbl>
+  <dgm:styleLbl name="solidBgAcc1">
+    <dgm:scene3d>
+      <a:camera prst="orthographicFront"/>
+      <a:lightRig rig="threePt" dir="t"/>
+    </dgm:scene3d>
+    <dgm:sp3d/>
+    <dgm:txPr/>
+    <dgm:style>
+      <a:lnRef idx="2">
+        <a:scrgbClr r="0" g="0" b="0"/>
+      </a:lnRef>
+      <a:fillRef idx="1">
+        <a:scrgbClr r="0" g="0" b="0"/>
+      </a:fillRef>
+      <a:effectRef idx="0">
+        <a:scrgbClr r="0" g="0" b="0"/>
+      </a:effectRef>
+      <a:fontRef idx="minor"/>
+    </dgm:style>
+  </dgm:styleLbl>
+  <dgm:styleLbl name="fgAccFollowNode1">
+    <dgm:scene3d>
+      <a:camera prst="orthographicFront"/>
+      <a:lightRig rig="threePt" dir="t"/>
+    </dgm:scene3d>
+    <dgm:sp3d/>
+    <dgm:txPr/>
+    <dgm:style>
+      <a:lnRef idx="2">
+        <a:scrgbClr r="0" g="0" b="0"/>
+      </a:lnRef>
+      <a:fillRef idx="1">
+        <a:scrgbClr r="0" g="0" b="0"/>
+      </a:fillRef>
+      <a:effectRef idx="0">
+        <a:scrgbClr r="0" g="0" b="0"/>
+      </a:effectRef>
+      <a:fontRef idx="minor"/>
+    </dgm:style>
+  </dgm:styleLbl>
+  <dgm:styleLbl name="alignAccFollowNode1">
+    <dgm:scene3d>
+      <a:camera prst="orthographicFront"/>
+      <a:lightRig rig="threePt" dir="t"/>
+    </dgm:scene3d>
+    <dgm:sp3d/>
+    <dgm:txPr/>
+    <dgm:style>
+      <a:lnRef idx="2">
+        <a:scrgbClr r="0" g="0" b="0"/>
+      </a:lnRef>
+      <a:fillRef idx="1">
+        <a:scrgbClr r="0" g="0" b="0"/>
+      </a:fillRef>
+      <a:effectRef idx="0">
+        <a:scrgbClr r="0" g="0" b="0"/>
+      </a:effectRef>
+      <a:fontRef idx="minor"/>
+    </dgm:style>
+  </dgm:styleLbl>
+  <dgm:styleLbl name="bgAccFollowNode1">
+    <dgm:scene3d>
+      <a:camera prst="orthographicFront"/>
+      <a:lightRig rig="threePt" dir="t"/>
+    </dgm:scene3d>
+    <dgm:sp3d/>
+    <dgm:txPr/>
+    <dgm:style>
+      <a:lnRef idx="2">
+        <a:scrgbClr r="0" g="0" b="0"/>
+      </a:lnRef>
+      <a:fillRef idx="1">
+        <a:scrgbClr r="0" g="0" b="0"/>
+      </a:fillRef>
+      <a:effectRef idx="0">
+        <a:scrgbClr r="0" g="0" b="0"/>
+      </a:effectRef>
+      <a:fontRef idx="minor"/>
+    </dgm:style>
+  </dgm:styleLbl>
+  <dgm:styleLbl name="fgAcc0">
+    <dgm:scene3d>
+      <a:camera prst="orthographicFront"/>
+      <a:lightRig rig="threePt" dir="t"/>
+    </dgm:scene3d>
+    <dgm:sp3d/>
+    <dgm:txPr/>
+    <dgm:style>
+      <a:lnRef idx="2">
+        <a:scrgbClr r="0" g="0" b="0"/>
+      </a:lnRef>
+      <a:fillRef idx="1">
+        <a:scrgbClr r="0" g="0" b="0"/>
+      </a:fillRef>
+      <a:effectRef idx="0">
+        <a:scrgbClr r="0" g="0" b="0"/>
+      </a:effectRef>
+      <a:fontRef idx="minor"/>
+    </dgm:style>
+  </dgm:styleLbl>
+  <dgm:styleLbl name="fgAcc2">
+    <dgm:scene3d>
+      <a:camera prst="orthographicFront"/>
+      <a:lightRig rig="threePt" dir="t"/>
+    </dgm:scene3d>
+    <dgm:sp3d/>
+    <dgm:txPr/>
+    <dgm:style>
+      <a:lnRef idx="2">
+        <a:scrgbClr r="0" g="0" b="0"/>
+      </a:lnRef>
+      <a:fillRef idx="1">
+        <a:scrgbClr r="0" g="0" b="0"/>
+      </a:fillRef>
+      <a:effectRef idx="0">
+        <a:scrgbClr r="0" g="0" b="0"/>
+      </a:effectRef>
+      <a:fontRef idx="minor"/>
+    </dgm:style>
+  </dgm:styleLbl>
+  <dgm:styleLbl name="fgAcc3">
+    <dgm:scene3d>
+      <a:camera prst="orthographicFront"/>
+      <a:lightRig rig="threePt" dir="t"/>
+    </dgm:scene3d>
+    <dgm:sp3d/>
+    <dgm:txPr/>
+    <dgm:style>
+      <a:lnRef idx="2">
+        <a:scrgbClr r="0" g="0" b="0"/>
+      </a:lnRef>
+      <a:fillRef idx="1">
+        <a:scrgbClr r="0" g="0" b="0"/>
+      </a:fillRef>
+      <a:effectRef idx="0">
+        <a:scrgbClr r="0" g="0" b="0"/>
+      </a:effectRef>
+      <a:fontRef idx="minor"/>
+    </dgm:style>
+  </dgm:styleLbl>
+  <dgm:styleLbl name="fgAcc4">
+    <dgm:scene3d>
+      <a:camera prst="orthographicFront"/>
+      <a:lightRig rig="threePt" dir="t"/>
+    </dgm:scene3d>
+    <dgm:sp3d/>
+    <dgm:txPr/>
+    <dgm:style>
+      <a:lnRef idx="2">
+        <a:scrgbClr r="0" g="0" b="0"/>
+      </a:lnRef>
+      <a:fillRef idx="1">
+        <a:scrgbClr r="0" g="0" b="0"/>
+      </a:fillRef>
+      <a:effectRef idx="0">
+        <a:scrgbClr r="0" g="0" b="0"/>
+      </a:effectRef>
+      <a:fontRef idx="minor"/>
+    </dgm:style>
+  </dgm:styleLbl>
+  <dgm:styleLbl name="bgShp">
+    <dgm:scene3d>
+      <a:camera prst="orthographicFront"/>
+      <a:lightRig rig="threePt" dir="t"/>
+    </dgm:scene3d>
+    <dgm:sp3d/>
+    <dgm:txPr/>
+    <dgm:style>
+      <a:lnRef idx="0">
+        <a:scrgbClr r="0" g="0" b="0"/>
+      </a:lnRef>
+      <a:fillRef idx="1">
+        <a:scrgbClr r="0" g="0" b="0"/>
+      </a:fillRef>
+      <a:effectRef idx="0">
+        <a:scrgbClr r="0" g="0" b="0"/>
+      </a:effectRef>
+      <a:fontRef idx="minor"/>
+    </dgm:style>
+  </dgm:styleLbl>
+  <dgm:styleLbl name="dkBgShp">
+    <dgm:scene3d>
+      <a:camera prst="orthographicFront"/>
+      <a:lightRig rig="threePt" dir="t"/>
+    </dgm:scene3d>
+    <dgm:sp3d/>
+    <dgm:txPr/>
+    <dgm:style>
+      <a:lnRef idx="0">
+        <a:scrgbClr r="0" g="0" b="0"/>
+      </a:lnRef>
+      <a:fillRef idx="1">
+        <a:scrgbClr r="0" g="0" b="0"/>
+      </a:fillRef>
+      <a:effectRef idx="0">
+        <a:scrgbClr r="0" g="0" b="0"/>
+      </a:effectRef>
+      <a:fontRef idx="minor"/>
+    </dgm:style>
+  </dgm:styleLbl>
+  <dgm:styleLbl name="trBgShp">
+    <dgm:scene3d>
+      <a:camera prst="orthographicFront"/>
+      <a:lightRig rig="threePt" dir="t"/>
+    </dgm:scene3d>
+    <dgm:sp3d/>
+    <dgm:txPr/>
+    <dgm:style>
+      <a:lnRef idx="0">
+        <a:scrgbClr r="0" g="0" b="0"/>
+      </a:lnRef>
+      <a:fillRef idx="1">
+        <a:scrgbClr r="0" g="0" b="0"/>
+      </a:fillRef>
+      <a:effectRef idx="0">
+        <a:scrgbClr r="0" g="0" b="0"/>
+      </a:effectRef>
+      <a:fontRef idx="minor"/>
+    </dgm:style>
+  </dgm:styleLbl>
+  <dgm:styleLbl name="fgShp">
+    <dgm:scene3d>
+      <a:camera prst="orthographicFront"/>
+      <a:lightRig rig="threePt" dir="t"/>
+    </dgm:scene3d>
+    <dgm:sp3d/>
+    <dgm:txPr/>
+    <dgm:style>
+      <a:lnRef idx="2">
+        <a:scrgbClr r="0" g="0" b="0"/>
+      </a:lnRef>
+      <a:fillRef idx="1">
+        <a:scrgbClr r="0" g="0" b="0"/>
+      </a:fillRef>
+      <a:effectRef idx="0">
+        <a:scrgbClr r="0" g="0" b="0"/>
+      </a:effectRef>
+      <a:fontRef idx="minor"/>
+    </dgm:style>
+  </dgm:styleLbl>
+  <dgm:styleLbl name="revTx">
+    <dgm:scene3d>
+      <a:camera prst="orthographicFront"/>
+      <a:lightRig rig="threePt" dir="t"/>
+    </dgm:scene3d>
+    <dgm:sp3d/>
+    <dgm:txPr/>
+    <dgm:style>
+      <a:lnRef idx="0">
+        <a:scrgbClr r="0" g="0" b="0"/>
+      </a:lnRef>
+      <a:fillRef idx="0">
+        <a:scrgbClr r="0" g="0" b="0"/>
+      </a:fillRef>
+      <a:effectRef idx="0">
+        <a:scrgbClr r="0" g="0" b="0"/>
+      </a:effectRef>
+      <a:fontRef idx="minor"/>
+    </dgm:style>
+  </dgm:styleLbl>
+</dgm:styleDef>
 </file>
 
 <file path=ppt/notesMasters/notesMaster1.xml><?xml version="1.0" encoding="utf-8"?>
@@ -203,7 +4220,7 @@
           <a:p>
             <a:fld id="{F36177F6-9DE7-418D-BAA2-1885794F4361}" type="datetimeFigureOut">
               <a:rPr lang="en-US" smtClean="0"/>
-              <a:t>11/29/2016</a:t>
+              <a:t>12/1/16</a:t>
             </a:fld>
             <a:endParaRPr lang="en-US"/>
           </a:p>
@@ -298,7 +4315,6 @@
               <a:rPr lang="en-US"/>
               <a:t>Fifth level</a:t>
             </a:r>
-            <a:endParaRPr lang="en-US"/>
           </a:p>
         </p:txBody>
       </p:sp>
@@ -568,6 +4584,211 @@
 </p:notes>
 </file>
 
+<file path=ppt/notesSlides/notesSlide2.xml><?xml version="1.0" encoding="utf-8"?>
+<p:notes xmlns:a="http://schemas.openxmlformats.org/drawingml/2006/main" xmlns:r="http://schemas.openxmlformats.org/officeDocument/2006/relationships" xmlns:p="http://schemas.openxmlformats.org/presentationml/2006/main">
+  <p:cSld>
+    <p:spTree>
+      <p:nvGrpSpPr>
+        <p:cNvPr id="1" name=""/>
+        <p:cNvGrpSpPr/>
+        <p:nvPr/>
+      </p:nvGrpSpPr>
+      <p:grpSpPr>
+        <a:xfrm>
+          <a:off x="0" y="0"/>
+          <a:ext cx="0" cy="0"/>
+          <a:chOff x="0" y="0"/>
+          <a:chExt cx="0" cy="0"/>
+        </a:xfrm>
+      </p:grpSpPr>
+      <p:sp>
+        <p:nvSpPr>
+          <p:cNvPr id="2" name="Slide Image Placeholder 1"/>
+          <p:cNvSpPr>
+            <a:spLocks noGrp="1" noRot="1" noChangeAspect="1"/>
+          </p:cNvSpPr>
+          <p:nvPr>
+            <p:ph type="sldImg"/>
+          </p:nvPr>
+        </p:nvSpPr>
+        <p:spPr/>
+      </p:sp>
+      <p:sp>
+        <p:nvSpPr>
+          <p:cNvPr id="3" name="Notes Placeholder 2"/>
+          <p:cNvSpPr>
+            <a:spLocks noGrp="1"/>
+          </p:cNvSpPr>
+          <p:nvPr>
+            <p:ph type="body" idx="1"/>
+          </p:nvPr>
+        </p:nvSpPr>
+        <p:spPr/>
+        <p:txBody>
+          <a:bodyPr/>
+          <a:lstStyle/>
+          <a:p>
+            <a:r>
+              <a:rPr lang="en-US" dirty="0"/>
+              <a:t>Interaction</a:t>
+            </a:r>
+            <a:r>
+              <a:rPr lang="en-US" baseline="0" dirty="0"/>
+              <a:t> with portal</a:t>
+            </a:r>
+          </a:p>
+          <a:p>
+            <a:r>
+              <a:rPr lang="en-US" dirty="0"/>
+              <a:t>I033_A0012_D001</a:t>
+            </a:r>
+          </a:p>
+        </p:txBody>
+      </p:sp>
+      <p:sp>
+        <p:nvSpPr>
+          <p:cNvPr id="4" name="Slide Number Placeholder 3"/>
+          <p:cNvSpPr>
+            <a:spLocks noGrp="1"/>
+          </p:cNvSpPr>
+          <p:nvPr>
+            <p:ph type="sldNum" sz="quarter" idx="10"/>
+          </p:nvPr>
+        </p:nvSpPr>
+        <p:spPr/>
+        <p:txBody>
+          <a:bodyPr/>
+          <a:lstStyle/>
+          <a:p>
+            <a:fld id="{98A02426-CAB7-41EA-82D9-A3EDD193E935}" type="slidenum">
+              <a:rPr lang="en-US" smtClean="0"/>
+              <a:t>7</a:t>
+            </a:fld>
+            <a:endParaRPr lang="en-US"/>
+          </a:p>
+        </p:txBody>
+      </p:sp>
+    </p:spTree>
+    <p:extLst>
+      <p:ext uri="{BB962C8B-B14F-4D97-AF65-F5344CB8AC3E}">
+        <p14:creationId xmlns:p14="http://schemas.microsoft.com/office/powerpoint/2010/main" val="1166904062"/>
+      </p:ext>
+    </p:extLst>
+  </p:cSld>
+  <p:clrMapOvr>
+    <a:masterClrMapping/>
+  </p:clrMapOvr>
+</p:notes>
+</file>
+
+<file path=ppt/notesSlides/notesSlide3.xml><?xml version="1.0" encoding="utf-8"?>
+<p:notes xmlns:a="http://schemas.openxmlformats.org/drawingml/2006/main" xmlns:r="http://schemas.openxmlformats.org/officeDocument/2006/relationships" xmlns:p="http://schemas.openxmlformats.org/presentationml/2006/main">
+  <p:cSld>
+    <p:spTree>
+      <p:nvGrpSpPr>
+        <p:cNvPr id="1" name=""/>
+        <p:cNvGrpSpPr/>
+        <p:nvPr/>
+      </p:nvGrpSpPr>
+      <p:grpSpPr>
+        <a:xfrm>
+          <a:off x="0" y="0"/>
+          <a:ext cx="0" cy="0"/>
+          <a:chOff x="0" y="0"/>
+          <a:chExt cx="0" cy="0"/>
+        </a:xfrm>
+      </p:grpSpPr>
+      <p:sp>
+        <p:nvSpPr>
+          <p:cNvPr id="2" name="Slide Image Placeholder 1"/>
+          <p:cNvSpPr>
+            <a:spLocks noGrp="1" noRot="1" noChangeAspect="1"/>
+          </p:cNvSpPr>
+          <p:nvPr>
+            <p:ph type="sldImg"/>
+          </p:nvPr>
+        </p:nvSpPr>
+        <p:spPr/>
+      </p:sp>
+      <p:sp>
+        <p:nvSpPr>
+          <p:cNvPr id="3" name="Notes Placeholder 2"/>
+          <p:cNvSpPr>
+            <a:spLocks noGrp="1"/>
+          </p:cNvSpPr>
+          <p:nvPr>
+            <p:ph type="body" idx="1"/>
+          </p:nvPr>
+        </p:nvSpPr>
+        <p:spPr/>
+        <p:txBody>
+          <a:bodyPr/>
+          <a:lstStyle/>
+          <a:p>
+            <a:r>
+              <a:rPr lang="en-US" dirty="0" smtClean="0"/>
+              <a:t>1 </a:t>
+            </a:r>
+            <a:r>
+              <a:rPr lang="en-US" dirty="0" err="1" smtClean="0"/>
+              <a:t>fp</a:t>
+            </a:r>
+            <a:r>
+              <a:rPr lang="en-US" dirty="0" smtClean="0"/>
+              <a:t>/</a:t>
+            </a:r>
+            <a:r>
+              <a:rPr lang="en-US" dirty="0" err="1" smtClean="0"/>
+              <a:t>hr</a:t>
+            </a:r>
+            <a:r>
+              <a:rPr lang="en-US" dirty="0" smtClean="0"/>
+              <a:t> -</a:t>
+            </a:r>
+            <a:r>
+              <a:rPr lang="en-US" smtClean="0"/>
+              <a:t>&gt; sensitivity of .999</a:t>
+            </a:r>
+            <a:endParaRPr lang="en-US"/>
+          </a:p>
+        </p:txBody>
+      </p:sp>
+      <p:sp>
+        <p:nvSpPr>
+          <p:cNvPr id="4" name="Slide Number Placeholder 3"/>
+          <p:cNvSpPr>
+            <a:spLocks noGrp="1"/>
+          </p:cNvSpPr>
+          <p:nvPr>
+            <p:ph type="sldNum" sz="quarter" idx="10"/>
+          </p:nvPr>
+        </p:nvSpPr>
+        <p:spPr/>
+        <p:txBody>
+          <a:bodyPr/>
+          <a:lstStyle/>
+          <a:p>
+            <a:fld id="{98A02426-CAB7-41EA-82D9-A3EDD193E935}" type="slidenum">
+              <a:rPr lang="en-US" smtClean="0"/>
+              <a:t>8</a:t>
+            </a:fld>
+            <a:endParaRPr lang="en-US"/>
+          </a:p>
+        </p:txBody>
+      </p:sp>
+    </p:spTree>
+    <p:extLst>
+      <p:ext uri="{BB962C8B-B14F-4D97-AF65-F5344CB8AC3E}">
+        <p14:creationId xmlns:p14="http://schemas.microsoft.com/office/powerpoint/2010/main" val="3693897904"/>
+      </p:ext>
+    </p:extLst>
+  </p:cSld>
+  <p:clrMapOvr>
+    <a:masterClrMapping/>
+  </p:clrMapOvr>
+</p:notes>
+</file>
+
 <file path=ppt/slideLayouts/slideLayout1.xml><?xml version="1.0" encoding="utf-8"?>
 <p:sldLayout xmlns:a="http://schemas.openxmlformats.org/drawingml/2006/main" xmlns:r="http://schemas.openxmlformats.org/officeDocument/2006/relationships" xmlns:p="http://schemas.openxmlformats.org/presentationml/2006/main" type="title" preserve="1">
   <p:cSld name="Title Slide">
@@ -697,7 +4918,7 @@
           <a:p>
             <a:fld id="{A6C95995-0F21-4BF3-8FCE-A0DAAFD7E854}" type="datetimeFigureOut">
               <a:rPr lang="en-US" smtClean="0"/>
-              <a:t>11/29/2016</a:t>
+              <a:t>12/1/16</a:t>
             </a:fld>
             <a:endParaRPr lang="en-US" dirty="0"/>
           </a:p>
@@ -865,7 +5086,7 @@
           <a:p>
             <a:fld id="{A6C95995-0F21-4BF3-8FCE-A0DAAFD7E854}" type="datetimeFigureOut">
               <a:rPr lang="en-US" smtClean="0"/>
-              <a:t>11/29/2016</a:t>
+              <a:t>12/1/16</a:t>
             </a:fld>
             <a:endParaRPr lang="en-US" dirty="0"/>
           </a:p>
@@ -1043,7 +5264,7 @@
           <a:p>
             <a:fld id="{A6C95995-0F21-4BF3-8FCE-A0DAAFD7E854}" type="datetimeFigureOut">
               <a:rPr lang="en-US" smtClean="0"/>
-              <a:t>11/29/2016</a:t>
+              <a:t>12/1/16</a:t>
             </a:fld>
             <a:endParaRPr lang="en-US" dirty="0"/>
           </a:p>
@@ -1211,7 +5432,7 @@
           <a:p>
             <a:fld id="{A6C95995-0F21-4BF3-8FCE-A0DAAFD7E854}" type="datetimeFigureOut">
               <a:rPr lang="en-US" smtClean="0"/>
-              <a:t>11/29/2016</a:t>
+              <a:t>12/1/16</a:t>
             </a:fld>
             <a:endParaRPr lang="en-US" dirty="0"/>
           </a:p>
@@ -1456,7 +5677,7 @@
           <a:p>
             <a:fld id="{A6C95995-0F21-4BF3-8FCE-A0DAAFD7E854}" type="datetimeFigureOut">
               <a:rPr lang="en-US" smtClean="0"/>
-              <a:t>11/29/2016</a:t>
+              <a:t>12/1/16</a:t>
             </a:fld>
             <a:endParaRPr lang="en-US" dirty="0"/>
           </a:p>
@@ -1685,7 +5906,7 @@
           <a:p>
             <a:fld id="{A6C95995-0F21-4BF3-8FCE-A0DAAFD7E854}" type="datetimeFigureOut">
               <a:rPr lang="en-US" smtClean="0"/>
-              <a:t>11/29/2016</a:t>
+              <a:t>12/1/16</a:t>
             </a:fld>
             <a:endParaRPr lang="en-US" dirty="0"/>
           </a:p>
@@ -2049,7 +6270,7 @@
           <a:p>
             <a:fld id="{A6C95995-0F21-4BF3-8FCE-A0DAAFD7E854}" type="datetimeFigureOut">
               <a:rPr lang="en-US" smtClean="0"/>
-              <a:t>11/29/2016</a:t>
+              <a:t>12/1/16</a:t>
             </a:fld>
             <a:endParaRPr lang="en-US" dirty="0"/>
           </a:p>
@@ -2166,7 +6387,7 @@
           <a:p>
             <a:fld id="{A6C95995-0F21-4BF3-8FCE-A0DAAFD7E854}" type="datetimeFigureOut">
               <a:rPr lang="en-US" smtClean="0"/>
-              <a:t>11/29/2016</a:t>
+              <a:t>12/1/16</a:t>
             </a:fld>
             <a:endParaRPr lang="en-US" dirty="0"/>
           </a:p>
@@ -2261,7 +6482,7 @@
           <a:p>
             <a:fld id="{A6C95995-0F21-4BF3-8FCE-A0DAAFD7E854}" type="datetimeFigureOut">
               <a:rPr lang="en-US" smtClean="0"/>
-              <a:t>11/29/2016</a:t>
+              <a:t>12/1/16</a:t>
             </a:fld>
             <a:endParaRPr lang="en-US" dirty="0"/>
           </a:p>
@@ -2536,7 +6757,7 @@
           <a:p>
             <a:fld id="{A6C95995-0F21-4BF3-8FCE-A0DAAFD7E854}" type="datetimeFigureOut">
               <a:rPr lang="en-US" smtClean="0"/>
-              <a:t>11/29/2016</a:t>
+              <a:t>12/1/16</a:t>
             </a:fld>
             <a:endParaRPr lang="en-US" dirty="0"/>
           </a:p>
@@ -2788,7 +7009,7 @@
           <a:p>
             <a:fld id="{A6C95995-0F21-4BF3-8FCE-A0DAAFD7E854}" type="datetimeFigureOut">
               <a:rPr lang="en-US" smtClean="0"/>
-              <a:t>11/29/2016</a:t>
+              <a:t>12/1/16</a:t>
             </a:fld>
             <a:endParaRPr lang="en-US" dirty="0"/>
           </a:p>
@@ -2999,7 +7220,7 @@
           <a:p>
             <a:fld id="{A6C95995-0F21-4BF3-8FCE-A0DAAFD7E854}" type="datetimeFigureOut">
               <a:rPr lang="en-US" smtClean="0"/>
-              <a:t>11/29/2016</a:t>
+              <a:t>12/1/16</a:t>
             </a:fld>
             <a:endParaRPr lang="en-US" dirty="0"/>
           </a:p>
@@ -3496,6 +7717,110 @@
 </p:sld>
 </file>
 
+<file path=ppt/slides/slide10.xml><?xml version="1.0" encoding="utf-8"?>
+<p:sld xmlns:a="http://schemas.openxmlformats.org/drawingml/2006/main" xmlns:r="http://schemas.openxmlformats.org/officeDocument/2006/relationships" xmlns:p="http://schemas.openxmlformats.org/presentationml/2006/main">
+  <p:cSld>
+    <p:spTree>
+      <p:nvGrpSpPr>
+        <p:cNvPr id="1" name=""/>
+        <p:cNvGrpSpPr/>
+        <p:nvPr/>
+      </p:nvGrpSpPr>
+      <p:grpSpPr>
+        <a:xfrm>
+          <a:off x="0" y="0"/>
+          <a:ext cx="0" cy="0"/>
+          <a:chOff x="0" y="0"/>
+          <a:chExt cx="0" cy="0"/>
+        </a:xfrm>
+      </p:grpSpPr>
+      <p:sp>
+        <p:nvSpPr>
+          <p:cNvPr id="2" name="Title 1"/>
+          <p:cNvSpPr>
+            <a:spLocks noGrp="1"/>
+          </p:cNvSpPr>
+          <p:nvPr>
+            <p:ph type="title"/>
+          </p:nvPr>
+        </p:nvSpPr>
+        <p:spPr/>
+        <p:txBody>
+          <a:bodyPr/>
+          <a:lstStyle/>
+          <a:p>
+            <a:r>
+              <a:rPr lang="en-US" dirty="0"/>
+              <a:t>Seizure Detection	</a:t>
+            </a:r>
+          </a:p>
+        </p:txBody>
+      </p:sp>
+      <p:sp>
+        <p:nvSpPr>
+          <p:cNvPr id="3" name="Content Placeholder 2"/>
+          <p:cNvSpPr>
+            <a:spLocks noGrp="1"/>
+          </p:cNvSpPr>
+          <p:nvPr>
+            <p:ph idx="1"/>
+          </p:nvPr>
+        </p:nvSpPr>
+        <p:spPr/>
+        <p:txBody>
+          <a:bodyPr/>
+          <a:lstStyle/>
+          <a:p>
+            <a:r>
+              <a:rPr lang="en-US" dirty="0"/>
+              <a:t>Open IEEG Session</a:t>
+            </a:r>
+          </a:p>
+          <a:p>
+            <a:r>
+              <a:rPr lang="en-US" dirty="0"/>
+              <a:t>For each window in training set, extract features and labels</a:t>
+            </a:r>
+          </a:p>
+          <a:p>
+            <a:r>
+              <a:rPr lang="en-US" dirty="0"/>
+              <a:t>Train model</a:t>
+            </a:r>
+          </a:p>
+          <a:p>
+            <a:r>
+              <a:rPr lang="en-US" dirty="0"/>
+              <a:t>For each window in testing set, extract features and labels</a:t>
+            </a:r>
+          </a:p>
+          <a:p>
+            <a:r>
+              <a:rPr lang="en-US" dirty="0"/>
+              <a:t>Test model</a:t>
+            </a:r>
+          </a:p>
+          <a:p>
+            <a:r>
+              <a:rPr lang="en-US" dirty="0"/>
+              <a:t>Upload predictions to ieeg.org</a:t>
+            </a:r>
+          </a:p>
+        </p:txBody>
+      </p:sp>
+    </p:spTree>
+    <p:extLst>
+      <p:ext uri="{BB962C8B-B14F-4D97-AF65-F5344CB8AC3E}">
+        <p14:creationId xmlns:p14="http://schemas.microsoft.com/office/powerpoint/2010/main" val="171105089"/>
+      </p:ext>
+    </p:extLst>
+  </p:cSld>
+  <p:clrMapOvr>
+    <a:masterClrMapping/>
+  </p:clrMapOvr>
+</p:sld>
+</file>
+
 <file path=ppt/slides/slide2.xml><?xml version="1.0" encoding="utf-8"?>
 <p:sld xmlns:a="http://schemas.openxmlformats.org/drawingml/2006/main" xmlns:r="http://schemas.openxmlformats.org/officeDocument/2006/relationships" xmlns:p="http://schemas.openxmlformats.org/presentationml/2006/main">
   <p:cSld>
@@ -3554,14 +7879,80 @@
           <a:p>
             <a:r>
               <a:rPr lang="en-US" dirty="0"/>
-              <a:t>Learn how to use IEEG Portal for quantitative EEG analysis</a:t>
-            </a:r>
-          </a:p>
-          <a:p>
+              <a:t>Learn how to use </a:t>
+            </a:r>
+            <a:r>
+              <a:rPr lang="en-US" dirty="0" smtClean="0"/>
+              <a:t>the IEEG </a:t>
+            </a:r>
             <a:r>
               <a:rPr lang="en-US" dirty="0"/>
-              <a:t>Understand a framework for seizure detection on IEEG</a:t>
-            </a:r>
+              <a:t>Portal for quantitative EEG analysis</a:t>
+            </a:r>
+          </a:p>
+          <a:p>
+            <a:r>
+              <a:rPr lang="en-US" dirty="0"/>
+              <a:t>Understand a framework for seizure detection on </a:t>
+            </a:r>
+            <a:r>
+              <a:rPr lang="en-US" dirty="0" smtClean="0"/>
+              <a:t>IEEG</a:t>
+            </a:r>
+          </a:p>
+          <a:p>
+            <a:endParaRPr lang="en-US" dirty="0"/>
+          </a:p>
+          <a:p>
+            <a:r>
+              <a:rPr lang="en-US" dirty="0" smtClean="0"/>
+              <a:t>Provided:</a:t>
+            </a:r>
+          </a:p>
+          <a:p>
+            <a:pPr lvl="1"/>
+            <a:r>
+              <a:rPr lang="en-US" dirty="0" err="1" smtClean="0"/>
+              <a:t>IEEG.org</a:t>
+            </a:r>
+            <a:r>
+              <a:rPr lang="en-US" dirty="0" smtClean="0"/>
+              <a:t> tutorial (</a:t>
+            </a:r>
+            <a:r>
+              <a:rPr lang="en-US" dirty="0" err="1" smtClean="0"/>
+              <a:t>IEEGTutorial.m</a:t>
+            </a:r>
+            <a:r>
+              <a:rPr lang="en-US" dirty="0" smtClean="0"/>
+              <a:t>)</a:t>
+            </a:r>
+          </a:p>
+          <a:p>
+            <a:pPr lvl="1"/>
+            <a:r>
+              <a:rPr lang="en-US" dirty="0" smtClean="0"/>
+              <a:t>Example seizure detection script for extended canine dataset using</a:t>
+            </a:r>
+          </a:p>
+          <a:p>
+            <a:pPr lvl="2"/>
+            <a:r>
+              <a:rPr lang="en-US" dirty="0" smtClean="0"/>
+              <a:t>Simple feature and logistic regression classifier</a:t>
+            </a:r>
+          </a:p>
+          <a:p>
+            <a:pPr lvl="2"/>
+            <a:r>
+              <a:rPr lang="en-US" dirty="0" err="1" smtClean="0"/>
+              <a:t>Kaggle</a:t>
+            </a:r>
+            <a:r>
+              <a:rPr lang="en-US" dirty="0" smtClean="0"/>
+              <a:t> winning features and random forest classifier</a:t>
+            </a:r>
+            <a:endParaRPr lang="en-US" dirty="0"/>
           </a:p>
           <a:p>
             <a:pPr lvl="1"/>
@@ -3569,6 +7960,35 @@
           </a:p>
           <a:p>
             <a:endParaRPr lang="en-US" dirty="0"/>
+          </a:p>
+        </p:txBody>
+      </p:sp>
+      <p:sp>
+        <p:nvSpPr>
+          <p:cNvPr id="4" name="TextBox 3"/>
+          <p:cNvSpPr txBox="1"/>
+          <p:nvPr/>
+        </p:nvSpPr>
+        <p:spPr>
+          <a:xfrm>
+            <a:off x="9626600" y="6488668"/>
+            <a:ext cx="3365500" cy="369332"/>
+          </a:xfrm>
+          <a:prstGeom prst="rect">
+            <a:avLst/>
+          </a:prstGeom>
+          <a:noFill/>
+        </p:spPr>
+        <p:txBody>
+          <a:bodyPr wrap="square" rtlCol="0">
+            <a:spAutoFit/>
+          </a:bodyPr>
+          <a:lstStyle/>
+          <a:p>
+            <a:r>
+              <a:rPr lang="en-US" dirty="0"/>
+              <a:t>www.tinyurl.com/aesieeg</a:t>
+            </a:r>
           </a:p>
         </p:txBody>
       </p:sp>
@@ -3688,6 +8108,13 @@
   <p:clrMapOvr>
     <a:masterClrMapping/>
   </p:clrMapOvr>
+  <p:timing>
+    <p:tnLst>
+      <p:par>
+        <p:cTn xmlns:p14="http://schemas.microsoft.com/office/powerpoint/2010/main" id="1" dur="indefinite" restart="never" nodeType="tmRoot"/>
+      </p:par>
+    </p:tnLst>
+  </p:timing>
 </p:sld>
 </file>
 
@@ -4549,6 +8976,13 @@
   <p:clrMapOvr>
     <a:masterClrMapping/>
   </p:clrMapOvr>
+  <p:timing>
+    <p:tnLst>
+      <p:par>
+        <p:cTn xmlns:p14="http://schemas.microsoft.com/office/powerpoint/2010/main" id="1" dur="indefinite" restart="never" nodeType="tmRoot"/>
+      </p:par>
+    </p:tnLst>
+  </p:timing>
 </p:sld>
 </file>
 
@@ -4569,54 +9003,68 @@
           <a:chExt cx="0" cy="0"/>
         </a:xfrm>
       </p:grpSpPr>
-      <p:sp>
-        <p:nvSpPr>
-          <p:cNvPr id="2" name="Title 1"/>
-          <p:cNvSpPr>
-            <a:spLocks noGrp="1"/>
-          </p:cNvSpPr>
+      <p:graphicFrame>
+        <p:nvGraphicFramePr>
+          <p:cNvPr id="4" name="Diagram 3"/>
+          <p:cNvGraphicFramePr/>
           <p:nvPr>
-            <p:ph type="title"/>
+            <p:extLst>
+              <p:ext uri="{D42A27DB-BD31-4B8C-83A1-F6EECF244321}">
+                <p14:modId xmlns:p14="http://schemas.microsoft.com/office/powerpoint/2010/main" val="3275793653"/>
+              </p:ext>
+            </p:extLst>
           </p:nvPr>
-        </p:nvSpPr>
-        <p:spPr/>
-        <p:txBody>
-          <a:bodyPr/>
-          <a:lstStyle/>
-          <a:p>
-            <a:r>
-              <a:rPr lang="en-US" dirty="0"/>
-              <a:t>Machine Learning</a:t>
-            </a:r>
-          </a:p>
-        </p:txBody>
-      </p:sp>
-      <p:sp>
-        <p:nvSpPr>
-          <p:cNvPr id="3" name="Content Placeholder 2"/>
-          <p:cNvSpPr>
-            <a:spLocks noGrp="1"/>
-          </p:cNvSpPr>
-          <p:nvPr>
-            <p:ph idx="1"/>
-          </p:nvPr>
-        </p:nvSpPr>
-        <p:spPr/>
-        <p:txBody>
-          <a:bodyPr/>
-          <a:lstStyle/>
-          <a:p>
-            <a:r>
-              <a:rPr lang="en-US" dirty="0"/>
-              <a:t>Examples -&gt; Features -&gt; Train model -&gt; Test</a:t>
-            </a:r>
-          </a:p>
-        </p:txBody>
-      </p:sp>
+        </p:nvGraphicFramePr>
+        <p:xfrm>
+          <a:off x="901468" y="511848"/>
+          <a:ext cx="9772074" cy="6179898"/>
+        </p:xfrm>
+        <a:graphic>
+          <a:graphicData uri="http://schemas.openxmlformats.org/drawingml/2006/diagram">
+            <dgm:relIds xmlns:dgm="http://schemas.openxmlformats.org/drawingml/2006/diagram" xmlns:r="http://schemas.openxmlformats.org/officeDocument/2006/relationships" r:dm="rId2" r:lo="rId3" r:qs="rId4" r:cs="rId5"/>
+          </a:graphicData>
+        </a:graphic>
+      </p:graphicFrame>
+      <p:cxnSp>
+        <p:nvCxnSpPr>
+          <p:cNvPr id="10" name="Straight Arrow Connector 9"/>
+          <p:cNvCxnSpPr/>
+          <p:nvPr/>
+        </p:nvCxnSpPr>
+        <p:spPr>
+          <a:xfrm>
+            <a:off x="10241280" y="3640974"/>
+            <a:ext cx="0" cy="399009"/>
+          </a:xfrm>
+          <a:prstGeom prst="straightConnector1">
+            <a:avLst/>
+          </a:prstGeom>
+          <a:ln>
+            <a:solidFill>
+              <a:schemeClr val="tx1"/>
+            </a:solidFill>
+            <a:tailEnd type="triangle"/>
+          </a:ln>
+        </p:spPr>
+        <p:style>
+          <a:lnRef idx="1">
+            <a:schemeClr val="accent1"/>
+          </a:lnRef>
+          <a:fillRef idx="0">
+            <a:schemeClr val="accent1"/>
+          </a:fillRef>
+          <a:effectRef idx="0">
+            <a:schemeClr val="accent1"/>
+          </a:effectRef>
+          <a:fontRef idx="minor">
+            <a:schemeClr val="tx1"/>
+          </a:fontRef>
+        </p:style>
+      </p:cxnSp>
     </p:spTree>
     <p:extLst>
       <p:ext uri="{BB962C8B-B14F-4D97-AF65-F5344CB8AC3E}">
-        <p14:creationId xmlns:p14="http://schemas.microsoft.com/office/powerpoint/2010/main" val="2475715168"/>
+        <p14:creationId xmlns:p14="http://schemas.microsoft.com/office/powerpoint/2010/main" val="1334625733"/>
       </p:ext>
     </p:extLst>
   </p:cSld>
@@ -4645,6 +9093,50 @@
       </p:grpSpPr>
       <p:sp>
         <p:nvSpPr>
+          <p:cNvPr id="8" name="Rectangle 7"/>
+          <p:cNvSpPr/>
+          <p:nvPr/>
+        </p:nvSpPr>
+        <p:spPr>
+          <a:xfrm>
+            <a:off x="130745" y="1344522"/>
+            <a:ext cx="7508517" cy="3361307"/>
+          </a:xfrm>
+          <a:prstGeom prst="rect">
+            <a:avLst/>
+          </a:prstGeom>
+          <a:solidFill>
+            <a:schemeClr val="accent1">
+              <a:lumMod val="40000"/>
+              <a:lumOff val="60000"/>
+            </a:schemeClr>
+          </a:solidFill>
+        </p:spPr>
+        <p:style>
+          <a:lnRef idx="1">
+            <a:schemeClr val="accent1"/>
+          </a:lnRef>
+          <a:fillRef idx="3">
+            <a:schemeClr val="accent1"/>
+          </a:fillRef>
+          <a:effectRef idx="2">
+            <a:schemeClr val="accent1"/>
+          </a:effectRef>
+          <a:fontRef idx="minor">
+            <a:schemeClr val="lt1"/>
+          </a:fontRef>
+        </p:style>
+        <p:txBody>
+          <a:bodyPr rtlCol="0" anchor="ctr"/>
+          <a:lstStyle/>
+          <a:p>
+            <a:pPr algn="ctr"/>
+            <a:endParaRPr lang="en-US"/>
+          </a:p>
+        </p:txBody>
+      </p:sp>
+      <p:sp>
+        <p:nvSpPr>
           <p:cNvPr id="2" name="Title 1"/>
           <p:cNvSpPr>
             <a:spLocks noGrp="1"/>
@@ -4653,28 +9145,38 @@
             <p:ph type="title"/>
           </p:nvPr>
         </p:nvSpPr>
-        <p:spPr/>
+        <p:spPr>
+          <a:xfrm>
+            <a:off x="427286" y="365125"/>
+            <a:ext cx="10515600" cy="1325563"/>
+          </a:xfrm>
+        </p:spPr>
         <p:txBody>
           <a:bodyPr/>
           <a:lstStyle/>
           <a:p>
             <a:r>
               <a:rPr lang="en-US" dirty="0"/>
-              <a:t>Seizure Detection on ieeg.org</a:t>
-            </a:r>
-          </a:p>
-        </p:txBody>
-      </p:sp>
-      <p:sp>
-        <p:nvSpPr>
-          <p:cNvPr id="4" name="Rectangle 3"/>
+              <a:t>Seizure </a:t>
+            </a:r>
+            <a:r>
+              <a:rPr lang="en-US" dirty="0" smtClean="0"/>
+              <a:t>Detection</a:t>
+            </a:r>
+            <a:endParaRPr lang="en-US" dirty="0"/>
+          </a:p>
+        </p:txBody>
+      </p:sp>
+      <p:sp>
+        <p:nvSpPr>
+          <p:cNvPr id="5" name="Rectangle 4"/>
           <p:cNvSpPr/>
           <p:nvPr/>
         </p:nvSpPr>
         <p:spPr>
           <a:xfrm>
-            <a:off x="879666" y="2193807"/>
-            <a:ext cx="1544351" cy="1544351"/>
+            <a:off x="287183" y="1558894"/>
+            <a:ext cx="1303461" cy="1303461"/>
           </a:xfrm>
           <a:prstGeom prst="rect">
             <a:avLst/>
@@ -4708,21 +9210,21 @@
                   <a:schemeClr val="tx1"/>
                 </a:solidFill>
               </a:rPr>
-              <a:t>EEG</a:t>
-            </a:r>
-          </a:p>
-        </p:txBody>
-      </p:sp>
-      <p:sp>
-        <p:nvSpPr>
-          <p:cNvPr id="5" name="Rectangle 4"/>
+              <a:t>Marked Seizures</a:t>
+            </a:r>
+          </a:p>
+        </p:txBody>
+      </p:sp>
+      <p:sp>
+        <p:nvSpPr>
+          <p:cNvPr id="6" name="Rectangle 5"/>
           <p:cNvSpPr/>
           <p:nvPr/>
         </p:nvSpPr>
         <p:spPr>
           <a:xfrm>
-            <a:off x="3611849" y="2193807"/>
-            <a:ext cx="1544351" cy="1544351"/>
+            <a:off x="1973402" y="1558893"/>
+            <a:ext cx="1303461" cy="1303461"/>
           </a:xfrm>
           <a:prstGeom prst="rect">
             <a:avLst/>
@@ -4751,26 +9253,42 @@
           <a:p>
             <a:pPr algn="ctr"/>
             <a:r>
-              <a:rPr lang="en-US" dirty="0">
+              <a:rPr lang="en-US" dirty="0" smtClean="0">
                 <a:solidFill>
                   <a:schemeClr val="tx1"/>
                 </a:solidFill>
               </a:rPr>
-              <a:t>Marked Seizures</a:t>
-            </a:r>
-          </a:p>
-        </p:txBody>
-      </p:sp>
-      <p:sp>
-        <p:nvSpPr>
-          <p:cNvPr id="6" name="Rectangle 5"/>
+              <a:t>Ictal</a:t>
+            </a:r>
+          </a:p>
+          <a:p>
+            <a:pPr algn="ctr"/>
+            <a:r>
+              <a:rPr lang="en-US" dirty="0" smtClean="0">
+                <a:solidFill>
+                  <a:schemeClr val="tx1"/>
+                </a:solidFill>
+              </a:rPr>
+              <a:t>Windows</a:t>
+            </a:r>
+            <a:endParaRPr lang="en-US" dirty="0">
+              <a:solidFill>
+                <a:schemeClr val="tx1"/>
+              </a:solidFill>
+            </a:endParaRPr>
+          </a:p>
+        </p:txBody>
+      </p:sp>
+      <p:sp>
+        <p:nvSpPr>
+          <p:cNvPr id="7" name="Rectangle 6"/>
           <p:cNvSpPr/>
           <p:nvPr/>
         </p:nvSpPr>
         <p:spPr>
           <a:xfrm>
-            <a:off x="6344032" y="2193807"/>
-            <a:ext cx="1544351" cy="1544351"/>
+            <a:off x="3711548" y="2249828"/>
+            <a:ext cx="1303461" cy="1303461"/>
           </a:xfrm>
           <a:prstGeom prst="rect">
             <a:avLst/>
@@ -4804,21 +9322,21 @@
                   <a:schemeClr val="tx1"/>
                 </a:solidFill>
               </a:rPr>
-              <a:t>Windows</a:t>
-            </a:r>
-          </a:p>
-        </p:txBody>
-      </p:sp>
-      <p:sp>
-        <p:nvSpPr>
-          <p:cNvPr id="7" name="Rectangle 6"/>
+              <a:t>Feature Extraction</a:t>
+            </a:r>
+          </a:p>
+        </p:txBody>
+      </p:sp>
+      <p:sp>
+        <p:nvSpPr>
+          <p:cNvPr id="9" name="Rectangle 8"/>
           <p:cNvSpPr/>
           <p:nvPr/>
         </p:nvSpPr>
         <p:spPr>
           <a:xfrm>
-            <a:off x="9034749" y="2193807"/>
-            <a:ext cx="1544351" cy="1544351"/>
+            <a:off x="5495837" y="2250108"/>
+            <a:ext cx="1246886" cy="1303461"/>
           </a:xfrm>
           <a:prstGeom prst="rect">
             <a:avLst/>
@@ -4847,26 +9365,31 @@
           <a:p>
             <a:pPr algn="ctr"/>
             <a:r>
-              <a:rPr lang="en-US" dirty="0">
+              <a:rPr lang="en-US" dirty="0" smtClean="0">
                 <a:solidFill>
                   <a:schemeClr val="tx1"/>
                 </a:solidFill>
               </a:rPr>
-              <a:t>Feature Extraction</a:t>
-            </a:r>
-          </a:p>
-        </p:txBody>
-      </p:sp>
-      <p:sp>
-        <p:nvSpPr>
-          <p:cNvPr id="9" name="Rectangle 8"/>
+              <a:t>Model Training</a:t>
+            </a:r>
+            <a:endParaRPr lang="en-US" dirty="0">
+              <a:solidFill>
+                <a:schemeClr val="tx1"/>
+              </a:solidFill>
+            </a:endParaRPr>
+          </a:p>
+        </p:txBody>
+      </p:sp>
+      <p:sp>
+        <p:nvSpPr>
+          <p:cNvPr id="10" name="Rectangle 9"/>
           <p:cNvSpPr/>
           <p:nvPr/>
         </p:nvSpPr>
         <p:spPr>
           <a:xfrm>
-            <a:off x="6317123" y="4042805"/>
-            <a:ext cx="1544351" cy="1544351"/>
+            <a:off x="9917288" y="3407891"/>
+            <a:ext cx="1303461" cy="1303461"/>
           </a:xfrm>
           <a:prstGeom prst="rect">
             <a:avLst/>
@@ -4900,21 +9423,21 @@
                   <a:schemeClr val="tx1"/>
                 </a:solidFill>
               </a:rPr>
-              <a:t>Classification</a:t>
-            </a:r>
-          </a:p>
-        </p:txBody>
-      </p:sp>
-      <p:sp>
-        <p:nvSpPr>
-          <p:cNvPr id="10" name="Rectangle 9"/>
+              <a:t>Post-processing</a:t>
+            </a:r>
+          </a:p>
+        </p:txBody>
+      </p:sp>
+      <p:sp>
+        <p:nvSpPr>
+          <p:cNvPr id="12" name="Rectangle 11"/>
           <p:cNvSpPr/>
           <p:nvPr/>
         </p:nvSpPr>
         <p:spPr>
           <a:xfrm>
-            <a:off x="3584939" y="4042804"/>
-            <a:ext cx="1544351" cy="1544351"/>
+            <a:off x="1971170" y="3167859"/>
+            <a:ext cx="1303461" cy="1303461"/>
           </a:xfrm>
           <a:prstGeom prst="rect">
             <a:avLst/>
@@ -4943,26 +9466,31 @@
           <a:p>
             <a:pPr algn="ctr"/>
             <a:r>
-              <a:rPr lang="en-US" dirty="0">
+              <a:rPr lang="en-US" dirty="0" smtClean="0">
                 <a:solidFill>
                   <a:schemeClr val="tx1"/>
                 </a:solidFill>
               </a:rPr>
-              <a:t>Post-processing</a:t>
-            </a:r>
-          </a:p>
-        </p:txBody>
-      </p:sp>
-      <p:sp>
-        <p:nvSpPr>
-          <p:cNvPr id="11" name="Rectangle 10"/>
+              <a:t>Interictal Windows</a:t>
+            </a:r>
+            <a:endParaRPr lang="en-US" dirty="0">
+              <a:solidFill>
+                <a:schemeClr val="tx1"/>
+              </a:solidFill>
+            </a:endParaRPr>
+          </a:p>
+        </p:txBody>
+      </p:sp>
+      <p:sp>
+        <p:nvSpPr>
+          <p:cNvPr id="13" name="Rectangle 12"/>
           <p:cNvSpPr/>
           <p:nvPr/>
         </p:nvSpPr>
         <p:spPr>
           <a:xfrm>
-            <a:off x="880931" y="4042803"/>
-            <a:ext cx="1544351" cy="1544351"/>
+            <a:off x="3719200" y="5128900"/>
+            <a:ext cx="1303461" cy="1303461"/>
           </a:xfrm>
           <a:prstGeom prst="rect">
             <a:avLst/>
@@ -4991,13 +9519,119 @@
           <a:p>
             <a:pPr algn="ctr"/>
             <a:r>
+              <a:rPr lang="en-US" dirty="0" smtClean="0">
+                <a:solidFill>
+                  <a:schemeClr val="tx1"/>
+                </a:solidFill>
+              </a:rPr>
+              <a:t>Testing Windows</a:t>
+            </a:r>
+            <a:endParaRPr lang="en-US" dirty="0">
+              <a:solidFill>
+                <a:schemeClr val="tx1"/>
+              </a:solidFill>
+            </a:endParaRPr>
+          </a:p>
+        </p:txBody>
+      </p:sp>
+      <p:sp>
+        <p:nvSpPr>
+          <p:cNvPr id="14" name="Rectangle 13"/>
+          <p:cNvSpPr/>
+          <p:nvPr/>
+        </p:nvSpPr>
+        <p:spPr>
+          <a:xfrm>
+            <a:off x="5432892" y="5147295"/>
+            <a:ext cx="1303461" cy="1303461"/>
+          </a:xfrm>
+          <a:prstGeom prst="rect">
+            <a:avLst/>
+          </a:prstGeom>
+          <a:noFill/>
+        </p:spPr>
+        <p:style>
+          <a:lnRef idx="2">
+            <a:schemeClr val="accent1">
+              <a:shade val="50000"/>
+            </a:schemeClr>
+          </a:lnRef>
+          <a:fillRef idx="1">
+            <a:schemeClr val="accent1"/>
+          </a:fillRef>
+          <a:effectRef idx="0">
+            <a:schemeClr val="accent1"/>
+          </a:effectRef>
+          <a:fontRef idx="minor">
+            <a:schemeClr val="lt1"/>
+          </a:fontRef>
+        </p:style>
+        <p:txBody>
+          <a:bodyPr rtlCol="0" anchor="ctr"/>
+          <a:lstStyle/>
+          <a:p>
+            <a:pPr algn="ctr"/>
+            <a:r>
               <a:rPr lang="en-US" dirty="0">
                 <a:solidFill>
                   <a:schemeClr val="tx1"/>
                 </a:solidFill>
               </a:rPr>
-              <a:t>Validation</a:t>
-            </a:r>
+              <a:t>Feature Extraction</a:t>
+            </a:r>
+          </a:p>
+        </p:txBody>
+      </p:sp>
+      <p:sp>
+        <p:nvSpPr>
+          <p:cNvPr id="15" name="Rectangle 14"/>
+          <p:cNvSpPr/>
+          <p:nvPr/>
+        </p:nvSpPr>
+        <p:spPr>
+          <a:xfrm>
+            <a:off x="8013418" y="3394954"/>
+            <a:ext cx="1456277" cy="1303461"/>
+          </a:xfrm>
+          <a:prstGeom prst="rect">
+            <a:avLst/>
+          </a:prstGeom>
+          <a:noFill/>
+        </p:spPr>
+        <p:style>
+          <a:lnRef idx="2">
+            <a:schemeClr val="accent1">
+              <a:shade val="50000"/>
+            </a:schemeClr>
+          </a:lnRef>
+          <a:fillRef idx="1">
+            <a:schemeClr val="accent1"/>
+          </a:fillRef>
+          <a:effectRef idx="0">
+            <a:schemeClr val="accent1"/>
+          </a:effectRef>
+          <a:fontRef idx="minor">
+            <a:schemeClr val="lt1"/>
+          </a:fontRef>
+        </p:style>
+        <p:txBody>
+          <a:bodyPr rtlCol="0" anchor="ctr"/>
+          <a:lstStyle/>
+          <a:p>
+            <a:pPr algn="ctr"/>
+            <a:r>
+              <a:rPr lang="en-US" dirty="0" smtClean="0">
+                <a:solidFill>
+                  <a:schemeClr val="tx1"/>
+                </a:solidFill>
+              </a:rPr>
+              <a:t>Classification</a:t>
+            </a:r>
+            <a:endParaRPr lang="en-US" dirty="0">
+              <a:solidFill>
+                <a:schemeClr val="tx1"/>
+              </a:solidFill>
+            </a:endParaRPr>
           </a:p>
         </p:txBody>
       </p:sp>
@@ -5011,6 +9645,13 @@
   <p:clrMapOvr>
     <a:masterClrMapping/>
   </p:clrMapOvr>
+  <p:timing>
+    <p:tnLst>
+      <p:par>
+        <p:cTn xmlns:p14="http://schemas.microsoft.com/office/powerpoint/2010/main" id="1" dur="indefinite" restart="never" nodeType="tmRoot"/>
+      </p:par>
+    </p:tnLst>
+  </p:timing>
 </p:sld>
 </file>
 
@@ -5048,8 +9689,589 @@
           <a:p>
             <a:r>
               <a:rPr lang="en-US" dirty="0"/>
-              <a:t>Seizure Detection	</a:t>
-            </a:r>
+              <a:t>Seizure Detection on ieeg.org</a:t>
+            </a:r>
+          </a:p>
+        </p:txBody>
+      </p:sp>
+      <p:sp>
+        <p:nvSpPr>
+          <p:cNvPr id="4" name="Rectangle 3"/>
+          <p:cNvSpPr/>
+          <p:nvPr/>
+        </p:nvSpPr>
+        <p:spPr>
+          <a:xfrm>
+            <a:off x="879666" y="2193807"/>
+            <a:ext cx="1303461" cy="1303461"/>
+          </a:xfrm>
+          <a:prstGeom prst="rect">
+            <a:avLst/>
+          </a:prstGeom>
+          <a:noFill/>
+        </p:spPr>
+        <p:style>
+          <a:lnRef idx="2">
+            <a:schemeClr val="accent1">
+              <a:shade val="50000"/>
+            </a:schemeClr>
+          </a:lnRef>
+          <a:fillRef idx="1">
+            <a:schemeClr val="accent1"/>
+          </a:fillRef>
+          <a:effectRef idx="0">
+            <a:schemeClr val="accent1"/>
+          </a:effectRef>
+          <a:fontRef idx="minor">
+            <a:schemeClr val="lt1"/>
+          </a:fontRef>
+        </p:style>
+        <p:txBody>
+          <a:bodyPr rtlCol="0" anchor="ctr"/>
+          <a:lstStyle/>
+          <a:p>
+            <a:pPr algn="ctr"/>
+            <a:r>
+              <a:rPr lang="en-US" dirty="0">
+                <a:solidFill>
+                  <a:schemeClr val="tx1"/>
+                </a:solidFill>
+              </a:rPr>
+              <a:t>EEG</a:t>
+            </a:r>
+          </a:p>
+        </p:txBody>
+      </p:sp>
+      <p:sp>
+        <p:nvSpPr>
+          <p:cNvPr id="5" name="Rectangle 4"/>
+          <p:cNvSpPr/>
+          <p:nvPr/>
+        </p:nvSpPr>
+        <p:spPr>
+          <a:xfrm>
+            <a:off x="3611849" y="2193807"/>
+            <a:ext cx="1303461" cy="1303461"/>
+          </a:xfrm>
+          <a:prstGeom prst="rect">
+            <a:avLst/>
+          </a:prstGeom>
+          <a:noFill/>
+        </p:spPr>
+        <p:style>
+          <a:lnRef idx="2">
+            <a:schemeClr val="accent1">
+              <a:shade val="50000"/>
+            </a:schemeClr>
+          </a:lnRef>
+          <a:fillRef idx="1">
+            <a:schemeClr val="accent1"/>
+          </a:fillRef>
+          <a:effectRef idx="0">
+            <a:schemeClr val="accent1"/>
+          </a:effectRef>
+          <a:fontRef idx="minor">
+            <a:schemeClr val="lt1"/>
+          </a:fontRef>
+        </p:style>
+        <p:txBody>
+          <a:bodyPr rtlCol="0" anchor="ctr"/>
+          <a:lstStyle/>
+          <a:p>
+            <a:pPr algn="ctr"/>
+            <a:r>
+              <a:rPr lang="en-US" dirty="0">
+                <a:solidFill>
+                  <a:schemeClr val="tx1"/>
+                </a:solidFill>
+              </a:rPr>
+              <a:t>Marked Seizures</a:t>
+            </a:r>
+          </a:p>
+        </p:txBody>
+      </p:sp>
+      <p:sp>
+        <p:nvSpPr>
+          <p:cNvPr id="6" name="Rectangle 5"/>
+          <p:cNvSpPr/>
+          <p:nvPr/>
+        </p:nvSpPr>
+        <p:spPr>
+          <a:xfrm>
+            <a:off x="6344032" y="2193807"/>
+            <a:ext cx="1303461" cy="1303461"/>
+          </a:xfrm>
+          <a:prstGeom prst="rect">
+            <a:avLst/>
+          </a:prstGeom>
+          <a:noFill/>
+        </p:spPr>
+        <p:style>
+          <a:lnRef idx="2">
+            <a:schemeClr val="accent1">
+              <a:shade val="50000"/>
+            </a:schemeClr>
+          </a:lnRef>
+          <a:fillRef idx="1">
+            <a:schemeClr val="accent1"/>
+          </a:fillRef>
+          <a:effectRef idx="0">
+            <a:schemeClr val="accent1"/>
+          </a:effectRef>
+          <a:fontRef idx="minor">
+            <a:schemeClr val="lt1"/>
+          </a:fontRef>
+        </p:style>
+        <p:txBody>
+          <a:bodyPr rtlCol="0" anchor="ctr"/>
+          <a:lstStyle/>
+          <a:p>
+            <a:pPr algn="ctr"/>
+            <a:r>
+              <a:rPr lang="en-US" dirty="0">
+                <a:solidFill>
+                  <a:schemeClr val="tx1"/>
+                </a:solidFill>
+              </a:rPr>
+              <a:t>Windows</a:t>
+            </a:r>
+          </a:p>
+        </p:txBody>
+      </p:sp>
+      <p:sp>
+        <p:nvSpPr>
+          <p:cNvPr id="7" name="Rectangle 6"/>
+          <p:cNvSpPr/>
+          <p:nvPr/>
+        </p:nvSpPr>
+        <p:spPr>
+          <a:xfrm>
+            <a:off x="9034749" y="2193807"/>
+            <a:ext cx="1303461" cy="1303461"/>
+          </a:xfrm>
+          <a:prstGeom prst="rect">
+            <a:avLst/>
+          </a:prstGeom>
+          <a:noFill/>
+        </p:spPr>
+        <p:style>
+          <a:lnRef idx="2">
+            <a:schemeClr val="accent1">
+              <a:shade val="50000"/>
+            </a:schemeClr>
+          </a:lnRef>
+          <a:fillRef idx="1">
+            <a:schemeClr val="accent1"/>
+          </a:fillRef>
+          <a:effectRef idx="0">
+            <a:schemeClr val="accent1"/>
+          </a:effectRef>
+          <a:fontRef idx="minor">
+            <a:schemeClr val="lt1"/>
+          </a:fontRef>
+        </p:style>
+        <p:txBody>
+          <a:bodyPr rtlCol="0" anchor="ctr"/>
+          <a:lstStyle/>
+          <a:p>
+            <a:pPr algn="ctr"/>
+            <a:r>
+              <a:rPr lang="en-US" dirty="0">
+                <a:solidFill>
+                  <a:schemeClr val="tx1"/>
+                </a:solidFill>
+              </a:rPr>
+              <a:t>Feature Extraction</a:t>
+            </a:r>
+          </a:p>
+        </p:txBody>
+      </p:sp>
+      <p:sp>
+        <p:nvSpPr>
+          <p:cNvPr id="9" name="Rectangle 8"/>
+          <p:cNvSpPr/>
+          <p:nvPr/>
+        </p:nvSpPr>
+        <p:spPr>
+          <a:xfrm>
+            <a:off x="6317123" y="4042805"/>
+            <a:ext cx="1303461" cy="1303461"/>
+          </a:xfrm>
+          <a:prstGeom prst="rect">
+            <a:avLst/>
+          </a:prstGeom>
+          <a:noFill/>
+        </p:spPr>
+        <p:style>
+          <a:lnRef idx="2">
+            <a:schemeClr val="accent1">
+              <a:shade val="50000"/>
+            </a:schemeClr>
+          </a:lnRef>
+          <a:fillRef idx="1">
+            <a:schemeClr val="accent1"/>
+          </a:fillRef>
+          <a:effectRef idx="0">
+            <a:schemeClr val="accent1"/>
+          </a:effectRef>
+          <a:fontRef idx="minor">
+            <a:schemeClr val="lt1"/>
+          </a:fontRef>
+        </p:style>
+        <p:txBody>
+          <a:bodyPr rtlCol="0" anchor="ctr"/>
+          <a:lstStyle/>
+          <a:p>
+            <a:pPr algn="ctr"/>
+            <a:r>
+              <a:rPr lang="en-US" dirty="0">
+                <a:solidFill>
+                  <a:schemeClr val="tx1"/>
+                </a:solidFill>
+              </a:rPr>
+              <a:t>Classification</a:t>
+            </a:r>
+          </a:p>
+        </p:txBody>
+      </p:sp>
+      <p:sp>
+        <p:nvSpPr>
+          <p:cNvPr id="10" name="Rectangle 9"/>
+          <p:cNvSpPr/>
+          <p:nvPr/>
+        </p:nvSpPr>
+        <p:spPr>
+          <a:xfrm>
+            <a:off x="9057564" y="4042804"/>
+            <a:ext cx="1303461" cy="1303461"/>
+          </a:xfrm>
+          <a:prstGeom prst="rect">
+            <a:avLst/>
+          </a:prstGeom>
+          <a:noFill/>
+        </p:spPr>
+        <p:style>
+          <a:lnRef idx="2">
+            <a:schemeClr val="accent1">
+              <a:shade val="50000"/>
+            </a:schemeClr>
+          </a:lnRef>
+          <a:fillRef idx="1">
+            <a:schemeClr val="accent1"/>
+          </a:fillRef>
+          <a:effectRef idx="0">
+            <a:schemeClr val="accent1"/>
+          </a:effectRef>
+          <a:fontRef idx="minor">
+            <a:schemeClr val="lt1"/>
+          </a:fontRef>
+        </p:style>
+        <p:txBody>
+          <a:bodyPr rtlCol="0" anchor="ctr"/>
+          <a:lstStyle/>
+          <a:p>
+            <a:pPr algn="ctr"/>
+            <a:r>
+              <a:rPr lang="en-US" dirty="0">
+                <a:solidFill>
+                  <a:schemeClr val="tx1"/>
+                </a:solidFill>
+              </a:rPr>
+              <a:t>Post-processing</a:t>
+            </a:r>
+          </a:p>
+        </p:txBody>
+      </p:sp>
+      <p:sp>
+        <p:nvSpPr>
+          <p:cNvPr id="11" name="Rectangle 10"/>
+          <p:cNvSpPr/>
+          <p:nvPr/>
+        </p:nvSpPr>
+        <p:spPr>
+          <a:xfrm>
+            <a:off x="880931" y="4042803"/>
+            <a:ext cx="1303461" cy="1303461"/>
+          </a:xfrm>
+          <a:prstGeom prst="rect">
+            <a:avLst/>
+          </a:prstGeom>
+          <a:noFill/>
+        </p:spPr>
+        <p:style>
+          <a:lnRef idx="2">
+            <a:schemeClr val="accent1">
+              <a:shade val="50000"/>
+            </a:schemeClr>
+          </a:lnRef>
+          <a:fillRef idx="1">
+            <a:schemeClr val="accent1"/>
+          </a:fillRef>
+          <a:effectRef idx="0">
+            <a:schemeClr val="accent1"/>
+          </a:effectRef>
+          <a:fontRef idx="minor">
+            <a:schemeClr val="lt1"/>
+          </a:fontRef>
+        </p:style>
+        <p:txBody>
+          <a:bodyPr rtlCol="0" anchor="ctr"/>
+          <a:lstStyle/>
+          <a:p>
+            <a:pPr algn="ctr"/>
+            <a:r>
+              <a:rPr lang="en-US" dirty="0">
+                <a:solidFill>
+                  <a:schemeClr val="tx1"/>
+                </a:solidFill>
+              </a:rPr>
+              <a:t>Validation</a:t>
+            </a:r>
+          </a:p>
+        </p:txBody>
+      </p:sp>
+    </p:spTree>
+    <p:extLst>
+      <p:ext uri="{BB962C8B-B14F-4D97-AF65-F5344CB8AC3E}">
+        <p14:creationId xmlns:p14="http://schemas.microsoft.com/office/powerpoint/2010/main" val="727645683"/>
+      </p:ext>
+    </p:extLst>
+  </p:cSld>
+  <p:clrMapOvr>
+    <a:masterClrMapping/>
+  </p:clrMapOvr>
+</p:sld>
+</file>
+
+<file path=ppt/slides/slide8.xml><?xml version="1.0" encoding="utf-8"?>
+<p:sld xmlns:a="http://schemas.openxmlformats.org/drawingml/2006/main" xmlns:r="http://schemas.openxmlformats.org/officeDocument/2006/relationships" xmlns:p="http://schemas.openxmlformats.org/presentationml/2006/main">
+  <p:cSld>
+    <p:spTree>
+      <p:nvGrpSpPr>
+        <p:cNvPr id="1" name=""/>
+        <p:cNvGrpSpPr/>
+        <p:nvPr/>
+      </p:nvGrpSpPr>
+      <p:grpSpPr>
+        <a:xfrm>
+          <a:off x="0" y="0"/>
+          <a:ext cx="0" cy="0"/>
+          <a:chOff x="0" y="0"/>
+          <a:chExt cx="0" cy="0"/>
+        </a:xfrm>
+      </p:grpSpPr>
+      <p:pic>
+        <p:nvPicPr>
+          <p:cNvPr id="4" name="Picture 3"/>
+          <p:cNvPicPr>
+            <a:picLocks noChangeAspect="1"/>
+          </p:cNvPicPr>
+          <p:nvPr/>
+        </p:nvPicPr>
+        <p:blipFill>
+          <a:blip r:embed="rId3"/>
+          <a:stretch>
+            <a:fillRect/>
+          </a:stretch>
+        </p:blipFill>
+        <p:spPr>
+          <a:xfrm>
+            <a:off x="5358925" y="784306"/>
+            <a:ext cx="6239617" cy="5023286"/>
+          </a:xfrm>
+          <a:prstGeom prst="rect">
+            <a:avLst/>
+          </a:prstGeom>
+        </p:spPr>
+      </p:pic>
+      <p:pic>
+        <p:nvPicPr>
+          <p:cNvPr id="5" name="Picture 4"/>
+          <p:cNvPicPr>
+            <a:picLocks noChangeAspect="1"/>
+          </p:cNvPicPr>
+          <p:nvPr/>
+        </p:nvPicPr>
+        <p:blipFill>
+          <a:blip r:embed="rId4"/>
+          <a:stretch>
+            <a:fillRect/>
+          </a:stretch>
+        </p:blipFill>
+        <p:spPr>
+          <a:xfrm>
+            <a:off x="1009058" y="0"/>
+            <a:ext cx="4480266" cy="6858000"/>
+          </a:xfrm>
+          <a:prstGeom prst="rect">
+            <a:avLst/>
+          </a:prstGeom>
+        </p:spPr>
+      </p:pic>
+      <p:sp>
+        <p:nvSpPr>
+          <p:cNvPr id="6" name="TextBox 5"/>
+          <p:cNvSpPr txBox="1"/>
+          <p:nvPr/>
+        </p:nvSpPr>
+        <p:spPr>
+          <a:xfrm>
+            <a:off x="336202" y="1325850"/>
+            <a:ext cx="782824" cy="646331"/>
+          </a:xfrm>
+          <a:prstGeom prst="rect">
+            <a:avLst/>
+          </a:prstGeom>
+          <a:noFill/>
+        </p:spPr>
+        <p:txBody>
+          <a:bodyPr wrap="none" rtlCol="0">
+            <a:spAutoFit/>
+          </a:bodyPr>
+          <a:lstStyle/>
+          <a:p>
+            <a:r>
+              <a:rPr lang="en-US" dirty="0" err="1" smtClean="0"/>
+              <a:t>ECoG</a:t>
+            </a:r>
+            <a:endParaRPr lang="en-US" dirty="0" smtClean="0"/>
+          </a:p>
+          <a:p>
+            <a:r>
+              <a:rPr lang="en-US" dirty="0" smtClean="0"/>
+              <a:t>(EMU)</a:t>
+            </a:r>
+            <a:endParaRPr lang="en-US" dirty="0"/>
+          </a:p>
+        </p:txBody>
+      </p:sp>
+      <p:sp>
+        <p:nvSpPr>
+          <p:cNvPr id="7" name="TextBox 6"/>
+          <p:cNvSpPr txBox="1"/>
+          <p:nvPr/>
+        </p:nvSpPr>
+        <p:spPr>
+          <a:xfrm>
+            <a:off x="339178" y="4820883"/>
+            <a:ext cx="687808" cy="646331"/>
+          </a:xfrm>
+          <a:prstGeom prst="rect">
+            <a:avLst/>
+          </a:prstGeom>
+          <a:noFill/>
+        </p:spPr>
+        <p:txBody>
+          <a:bodyPr wrap="none" rtlCol="0">
+            <a:spAutoFit/>
+          </a:bodyPr>
+          <a:lstStyle/>
+          <a:p>
+            <a:r>
+              <a:rPr lang="en-US" dirty="0" err="1" smtClean="0"/>
+              <a:t>ECoG</a:t>
+            </a:r>
+            <a:endParaRPr lang="en-US" dirty="0" smtClean="0"/>
+          </a:p>
+          <a:p>
+            <a:r>
+              <a:rPr lang="en-US" dirty="0" smtClean="0"/>
+              <a:t>(NV)</a:t>
+            </a:r>
+            <a:endParaRPr lang="en-US" dirty="0"/>
+          </a:p>
+        </p:txBody>
+      </p:sp>
+      <p:sp>
+        <p:nvSpPr>
+          <p:cNvPr id="8" name="Rectangle 7"/>
+          <p:cNvSpPr/>
+          <p:nvPr/>
+        </p:nvSpPr>
+        <p:spPr>
+          <a:xfrm>
+            <a:off x="6878413" y="6488668"/>
+            <a:ext cx="5313587" cy="369332"/>
+          </a:xfrm>
+          <a:prstGeom prst="rect">
+            <a:avLst/>
+          </a:prstGeom>
+        </p:spPr>
+        <p:txBody>
+          <a:bodyPr wrap="none">
+            <a:spAutoFit/>
+          </a:bodyPr>
+          <a:lstStyle/>
+          <a:p>
+            <a:r>
+              <a:rPr lang="en-US" dirty="0" err="1"/>
+              <a:t>www.kaggle.com</a:t>
+            </a:r>
+            <a:r>
+              <a:rPr lang="en-US" dirty="0"/>
+              <a:t>/c/seizure-detection/details/winners.</a:t>
+            </a:r>
+            <a:endParaRPr lang="en-US" dirty="0"/>
+          </a:p>
+        </p:txBody>
+      </p:sp>
+    </p:spTree>
+    <p:extLst>
+      <p:ext uri="{BB962C8B-B14F-4D97-AF65-F5344CB8AC3E}">
+        <p14:creationId xmlns:p14="http://schemas.microsoft.com/office/powerpoint/2010/main" val="2907425474"/>
+      </p:ext>
+    </p:extLst>
+  </p:cSld>
+  <p:clrMapOvr>
+    <a:masterClrMapping/>
+  </p:clrMapOvr>
+  <p:timing>
+    <p:tnLst>
+      <p:par>
+        <p:cTn xmlns:p14="http://schemas.microsoft.com/office/powerpoint/2010/main" id="1" dur="indefinite" restart="never" nodeType="tmRoot"/>
+      </p:par>
+    </p:tnLst>
+  </p:timing>
+</p:sld>
+</file>
+
+<file path=ppt/slides/slide9.xml><?xml version="1.0" encoding="utf-8"?>
+<p:sld xmlns:a="http://schemas.openxmlformats.org/drawingml/2006/main" xmlns:r="http://schemas.openxmlformats.org/officeDocument/2006/relationships" xmlns:p="http://schemas.openxmlformats.org/presentationml/2006/main">
+  <p:cSld>
+    <p:spTree>
+      <p:nvGrpSpPr>
+        <p:cNvPr id="1" name=""/>
+        <p:cNvGrpSpPr/>
+        <p:nvPr/>
+      </p:nvGrpSpPr>
+      <p:grpSpPr>
+        <a:xfrm>
+          <a:off x="0" y="0"/>
+          <a:ext cx="0" cy="0"/>
+          <a:chOff x="0" y="0"/>
+          <a:chExt cx="0" cy="0"/>
+        </a:xfrm>
+      </p:grpSpPr>
+      <p:sp>
+        <p:nvSpPr>
+          <p:cNvPr id="2" name="Title 1"/>
+          <p:cNvSpPr>
+            <a:spLocks noGrp="1"/>
+          </p:cNvSpPr>
+          <p:nvPr>
+            <p:ph type="title"/>
+          </p:nvPr>
+        </p:nvSpPr>
+        <p:spPr/>
+        <p:txBody>
+          <a:bodyPr/>
+          <a:lstStyle/>
+          <a:p>
+            <a:r>
+              <a:rPr lang="en-US" dirty="0" smtClean="0"/>
+              <a:t>Features</a:t>
+            </a:r>
+            <a:endParaRPr lang="en-US" dirty="0"/>
           </a:p>
         </p:txBody>
       </p:sp>
@@ -5065,50 +10287,102 @@
         </p:nvSpPr>
         <p:spPr/>
         <p:txBody>
-          <a:bodyPr/>
+          <a:bodyPr>
+            <a:normAutofit fontScale="92500" lnSpcReduction="20000"/>
+          </a:bodyPr>
           <a:lstStyle/>
           <a:p>
+            <a:pPr marL="0" indent="0">
+              <a:buNone/>
+            </a:pPr>
+            <a:r>
+              <a:rPr lang="en-US" dirty="0" smtClean="0"/>
+              <a:t>Time Domain</a:t>
+            </a:r>
+          </a:p>
+          <a:p>
+            <a:r>
+              <a:rPr lang="en-US" dirty="0" smtClean="0"/>
+              <a:t>Correlation </a:t>
+            </a:r>
             <a:r>
               <a:rPr lang="en-US" dirty="0"/>
-              <a:t>Open IEEG Session</a:t>
-            </a:r>
-          </a:p>
-          <a:p>
-            <a:r>
-              <a:rPr lang="en-US" dirty="0"/>
-              <a:t>For each window in training set, extract features and labels</a:t>
-            </a:r>
-          </a:p>
-          <a:p>
-            <a:r>
-              <a:rPr lang="en-US" dirty="0"/>
-              <a:t>Train model</a:t>
-            </a:r>
-          </a:p>
-          <a:p>
-            <a:r>
-              <a:rPr lang="en-US" dirty="0"/>
-              <a:t>For each window in testing set, extract features and labels</a:t>
-            </a:r>
-          </a:p>
-          <a:p>
-            <a:r>
-              <a:rPr lang="en-US" dirty="0"/>
-              <a:t>Test model</a:t>
-            </a:r>
-          </a:p>
-          <a:p>
-            <a:r>
-              <a:rPr lang="en-US" dirty="0"/>
-              <a:t>Upload predictions to ieeg.org</a:t>
-            </a:r>
+              <a:t>coefficients in time domain + eigenvalues </a:t>
+            </a:r>
+            <a:r>
+              <a:rPr lang="en-US" dirty="0" smtClean="0"/>
+              <a:t>*</a:t>
+            </a:r>
+          </a:p>
+          <a:p>
+            <a:r>
+              <a:rPr lang="en-US" dirty="0" smtClean="0"/>
+              <a:t>Line Length</a:t>
+            </a:r>
+          </a:p>
+          <a:p>
+            <a:r>
+              <a:rPr lang="en-US" dirty="0" smtClean="0"/>
+              <a:t>Energy</a:t>
+            </a:r>
+          </a:p>
+          <a:p>
+            <a:r>
+              <a:rPr lang="en-US" dirty="0" smtClean="0"/>
+              <a:t>Half wave</a:t>
+            </a:r>
+            <a:endParaRPr lang="en-US" dirty="0" smtClean="0"/>
+          </a:p>
+          <a:p>
+            <a:pPr marL="0" indent="0">
+              <a:buNone/>
+            </a:pPr>
+            <a:endParaRPr lang="en-US" dirty="0"/>
+          </a:p>
+          <a:p>
+            <a:pPr marL="0" indent="0">
+              <a:buNone/>
+            </a:pPr>
+            <a:r>
+              <a:rPr lang="en-US" dirty="0" smtClean="0"/>
+              <a:t>Frequency Domain</a:t>
+            </a:r>
+          </a:p>
+          <a:p>
+            <a:r>
+              <a:rPr lang="en-US" dirty="0" smtClean="0"/>
+              <a:t>FFT magnitudes from 1 – 47 Hz *</a:t>
+            </a:r>
+          </a:p>
+          <a:p>
+            <a:r>
+              <a:rPr lang="en-US" dirty="0" smtClean="0"/>
+              <a:t>Correlation coefficients in frequency domain + eigenvalues *</a:t>
+            </a:r>
+          </a:p>
+          <a:p>
+            <a:r>
+              <a:rPr lang="en-US" dirty="0" smtClean="0"/>
+              <a:t>Power </a:t>
+            </a:r>
+            <a:r>
+              <a:rPr lang="en-US" dirty="0" smtClean="0"/>
+              <a:t>in bands</a:t>
+            </a:r>
+            <a:endParaRPr lang="en-US" dirty="0" smtClean="0"/>
+          </a:p>
+          <a:p>
+            <a:endParaRPr lang="en-US" dirty="0" smtClean="0"/>
+          </a:p>
+          <a:p>
+            <a:endParaRPr lang="en-US" dirty="0"/>
           </a:p>
         </p:txBody>
       </p:sp>
     </p:spTree>
     <p:extLst>
       <p:ext uri="{BB962C8B-B14F-4D97-AF65-F5344CB8AC3E}">
-        <p14:creationId xmlns:p14="http://schemas.microsoft.com/office/powerpoint/2010/main" val="171105089"/>
+        <p14:creationId xmlns:p14="http://schemas.microsoft.com/office/powerpoint/2010/main" val="2115811668"/>
       </p:ext>
     </p:extLst>
   </p:cSld>
@@ -5161,7 +10435,7 @@
     </a:clrScheme>
     <a:fontScheme name="Office">
       <a:majorFont>
-        <a:latin typeface="Calibri Light" panose="020F0302020204030204"/>
+        <a:latin typeface="Calibri Light"/>
         <a:ea typeface=""/>
         <a:cs typeface=""/>
         <a:font script="Jpan" typeface="游ゴシック Light"/>
@@ -5213,7 +10487,7 @@
         <a:font script="Tfng" typeface="Ebrima"/>
       </a:majorFont>
       <a:minorFont>
-        <a:latin typeface="Calibri" panose="020F0502020204030204"/>
+        <a:latin typeface="Calibri"/>
         <a:ea typeface=""/>
         <a:cs typeface=""/>
         <a:font script="Jpan" typeface="游ゴシック"/>
@@ -5407,7 +10681,7 @@
   <a:extraClrSchemeLst/>
   <a:extLst>
     <a:ext uri="{05A4C25C-085E-4340-85A3-A5531E510DB2}">
-      <thm15:themeFamily xmlns:thm15="http://schemas.microsoft.com/office/thememl/2012/main" name="Office Theme" id="{62F939B6-93AF-4DB8-9C6B-D6C7DFDC589F}" vid="{4A3C46E8-61CC-4603-A589-7422A47A8E4A}"/>
+      <thm15:themeFamily xmlns:thm15="http://schemas.microsoft.com/office/thememl/2012/main" xmlns="" name="Office Theme" id="{62F939B6-93AF-4DB8-9C6B-D6C7DFDC589F}" vid="{4A3C46E8-61CC-4603-A589-7422A47A8E4A}"/>
     </a:ext>
   </a:extLst>
 </a:theme>
@@ -5456,7 +10730,7 @@
     </a:clrScheme>
     <a:fontScheme name="Office">
       <a:majorFont>
-        <a:latin typeface="Calibri Light" panose="020F0302020204030204"/>
+        <a:latin typeface="Calibri Light"/>
         <a:ea typeface=""/>
         <a:cs typeface=""/>
         <a:font script="Jpan" typeface="游ゴシック Light"/>
@@ -5508,7 +10782,7 @@
         <a:font script="Tfng" typeface="Ebrima"/>
       </a:majorFont>
       <a:minorFont>
-        <a:latin typeface="Calibri" panose="020F0502020204030204"/>
+        <a:latin typeface="Calibri"/>
         <a:ea typeface=""/>
         <a:cs typeface=""/>
         <a:font script="Jpan" typeface="游ゴシック"/>
@@ -5702,7 +10976,7 @@
   <a:extraClrSchemeLst/>
   <a:extLst>
     <a:ext uri="{05A4C25C-085E-4340-85A3-A5531E510DB2}">
-      <thm15:themeFamily xmlns:thm15="http://schemas.microsoft.com/office/thememl/2012/main" name="Office Theme" id="{62F939B6-93AF-4DB8-9C6B-D6C7DFDC589F}" vid="{4A3C46E8-61CC-4603-A589-7422A47A8E4A}"/>
+      <thm15:themeFamily xmlns:thm15="http://schemas.microsoft.com/office/thememl/2012/main" xmlns="" name="Office Theme" id="{62F939B6-93AF-4DB8-9C6B-D6C7DFDC589F}" vid="{4A3C46E8-61CC-4603-A589-7422A47A8E4A}"/>
     </a:ext>
   </a:extLst>
 </a:theme>
